--- a/Used Car price prediction.pptx
+++ b/Used Car price prediction.pptx
@@ -22,17 +22,13 @@
     <p:sldId id="321" r:id="rId16"/>
     <p:sldId id="322" r:id="rId17"/>
     <p:sldId id="302" r:id="rId18"/>
-    <p:sldId id="268" r:id="rId19"/>
-    <p:sldId id="306" r:id="rId20"/>
-    <p:sldId id="309" r:id="rId21"/>
-    <p:sldId id="310" r:id="rId22"/>
-    <p:sldId id="318" r:id="rId23"/>
-    <p:sldId id="313" r:id="rId24"/>
-    <p:sldId id="314" r:id="rId25"/>
-    <p:sldId id="319" r:id="rId26"/>
-    <p:sldId id="316" r:id="rId27"/>
-    <p:sldId id="261" r:id="rId28"/>
-    <p:sldId id="276" r:id="rId29"/>
+    <p:sldId id="306" r:id="rId19"/>
+    <p:sldId id="309" r:id="rId20"/>
+    <p:sldId id="310" r:id="rId21"/>
+    <p:sldId id="318" r:id="rId22"/>
+    <p:sldId id="319" r:id="rId23"/>
+    <p:sldId id="261" r:id="rId24"/>
+    <p:sldId id="276" r:id="rId25"/>
   </p:sldIdLst>
   <p:sldSz cx="12192000" cy="6858000"/>
   <p:notesSz cx="6858000" cy="9144000"/>
@@ -131,6 +127,11 @@
       </a:defRPr>
     </a:lvl9pPr>
   </p:defaultTextStyle>
+  <p:extLst>
+    <p:ext uri="{EFAFB233-063F-42B5-8137-9DF3F51BA10A}">
+      <p15:sldGuideLst xmlns:p15="http://schemas.microsoft.com/office/powerpoint/2012/main"/>
+    </p:ext>
+  </p:extLst>
 </p:presentation>
 </file>
 
@@ -16716,62 +16717,6 @@
           </a:p>
         </p:txBody>
       </p:sp>
-      <p:pic>
-        <p:nvPicPr>
-          <p:cNvPr id="14" name="Content Placeholder 13">
-            <a:extLst>
-              <a:ext uri="{FF2B5EF4-FFF2-40B4-BE49-F238E27FC236}">
-                <a16:creationId xmlns:a16="http://schemas.microsoft.com/office/drawing/2014/main" id="{0A6AF27D-2FEA-9B9E-A5B2-68E3C6F7321A}"/>
-              </a:ext>
-            </a:extLst>
-          </p:cNvPr>
-          <p:cNvPicPr>
-            <a:picLocks noGrp="1" noChangeAspect="1"/>
-          </p:cNvPicPr>
-          <p:nvPr>
-            <p:ph sz="half" idx="2"/>
-          </p:nvPr>
-        </p:nvPicPr>
-        <p:blipFill rotWithShape="1">
-          <a:blip r:embed="rId2"/>
-          <a:srcRect l="3718" b="49260"/>
-          <a:stretch/>
-        </p:blipFill>
-        <p:spPr>
-          <a:xfrm>
-            <a:off x="845170" y="3271983"/>
-            <a:ext cx="10508630" cy="1180020"/>
-          </a:xfrm>
-        </p:spPr>
-      </p:pic>
-      <p:pic>
-        <p:nvPicPr>
-          <p:cNvPr id="16" name="Content Placeholder 15">
-            <a:extLst>
-              <a:ext uri="{FF2B5EF4-FFF2-40B4-BE49-F238E27FC236}">
-                <a16:creationId xmlns:a16="http://schemas.microsoft.com/office/drawing/2014/main" id="{433AFC5F-F1D0-3349-6488-1937AA754CA5}"/>
-              </a:ext>
-            </a:extLst>
-          </p:cNvPr>
-          <p:cNvPicPr>
-            <a:picLocks noGrp="1" noChangeAspect="1"/>
-          </p:cNvPicPr>
-          <p:nvPr>
-            <p:ph sz="half" idx="14"/>
-          </p:nvPr>
-        </p:nvPicPr>
-        <p:blipFill rotWithShape="1">
-          <a:blip r:embed="rId3"/>
-          <a:srcRect l="4647" b="18801"/>
-          <a:stretch/>
-        </p:blipFill>
-        <p:spPr>
-          <a:xfrm>
-            <a:off x="841685" y="4816100"/>
-            <a:ext cx="10516338" cy="1180020"/>
-          </a:xfrm>
-        </p:spPr>
-      </p:pic>
       <p:sp>
         <p:nvSpPr>
           <p:cNvPr id="9" name="Slide Number Placeholder 8">
@@ -16880,7 +16825,7 @@
         <p:spPr>
           <a:xfrm>
             <a:off x="1243105" y="2217740"/>
-            <a:ext cx="9705792" cy="954107"/>
+            <a:ext cx="9705792" cy="523220"/>
           </a:xfrm>
           <a:prstGeom prst="rect">
             <a:avLst/>
@@ -16925,7 +16870,16 @@
                 <a:ea typeface="+mn-ea"/>
                 <a:cs typeface="+mn-cs"/>
               </a:rPr>
-              <a:t>Transforming character data into categorical variables. This transformation will make our data set more compatible with more statistical techniques. Categorizing each character column to numerical codes, simplifying data while retaining its essential information. This process enhances our dataset’s suitability for statistical analysis, setting the stage for deeper exploration and insights.</a:t>
+              <a:t>There were some features that had character type but had numerical information. </a:t>
+            </a:r>
+            <a:r>
+              <a:rPr lang="en-US" sz="1400" dirty="0">
+                <a:solidFill>
+                  <a:prstClr val="black"/>
+                </a:solidFill>
+                <a:latin typeface="Tenorite"/>
+              </a:rPr>
+              <a:t>There were outliers with extreme values, it was very necessary to remove them because they were diverting data to upper side.</a:t>
             </a:r>
             <a:endParaRPr kumimoji="0" lang="en-IN" sz="1400" b="0" i="0" u="none" strike="noStrike" kern="1200" cap="none" spc="0" normalizeH="0" baseline="0" noProof="0" dirty="0">
               <a:ln>
@@ -16933,81 +16887,6 @@
               </a:ln>
               <a:solidFill>
                 <a:prstClr val="black"/>
-              </a:solidFill>
-              <a:effectLst/>
-              <a:uLnTx/>
-              <a:uFillTx/>
-              <a:latin typeface="Tenorite"/>
-              <a:ea typeface="+mn-ea"/>
-              <a:cs typeface="+mn-cs"/>
-            </a:endParaRPr>
-          </a:p>
-        </p:txBody>
-      </p:sp>
-      <p:sp>
-        <p:nvSpPr>
-          <p:cNvPr id="17" name="Arrow: Down 16">
-            <a:extLst>
-              <a:ext uri="{FF2B5EF4-FFF2-40B4-BE49-F238E27FC236}">
-                <a16:creationId xmlns:a16="http://schemas.microsoft.com/office/drawing/2014/main" id="{5CCD0856-16B7-4EB6-A661-6BDA4B03243C}"/>
-              </a:ext>
-            </a:extLst>
-          </p:cNvPr>
-          <p:cNvSpPr/>
-          <p:nvPr/>
-        </p:nvSpPr>
-        <p:spPr>
-          <a:xfrm>
-            <a:off x="5723467" y="4452003"/>
-            <a:ext cx="287866" cy="364097"/>
-          </a:xfrm>
-          <a:prstGeom prst="downArrow">
-            <a:avLst/>
-          </a:prstGeom>
-        </p:spPr>
-        <p:style>
-          <a:lnRef idx="2">
-            <a:schemeClr val="accent3">
-              <a:shade val="15000"/>
-            </a:schemeClr>
-          </a:lnRef>
-          <a:fillRef idx="1">
-            <a:schemeClr val="accent3"/>
-          </a:fillRef>
-          <a:effectRef idx="0">
-            <a:schemeClr val="accent3"/>
-          </a:effectRef>
-          <a:fontRef idx="minor">
-            <a:schemeClr val="lt1"/>
-          </a:fontRef>
-        </p:style>
-        <p:txBody>
-          <a:bodyPr rtlCol="0" anchor="ctr"/>
-          <a:lstStyle/>
-          <a:p>
-            <a:pPr marL="0" marR="0" lvl="0" indent="0" algn="ctr" defTabSz="914400" rtl="0" eaLnBrk="1" fontAlgn="auto" latinLnBrk="0" hangingPunct="1">
-              <a:lnSpc>
-                <a:spcPct val="100000"/>
-              </a:lnSpc>
-              <a:spcBef>
-                <a:spcPts val="0"/>
-              </a:spcBef>
-              <a:spcAft>
-                <a:spcPts val="0"/>
-              </a:spcAft>
-              <a:buClrTx/>
-              <a:buSzTx/>
-              <a:buFontTx/>
-              <a:buNone/>
-              <a:tabLst/>
-              <a:defRPr/>
-            </a:pPr>
-            <a:endParaRPr kumimoji="0" lang="en-IN" sz="1800" b="0" i="0" u="none" strike="noStrike" kern="1200" cap="none" spc="0" normalizeH="0" baseline="0" noProof="0">
-              <a:ln>
-                <a:noFill/>
-              </a:ln>
-              <a:solidFill>
-                <a:prstClr val="white"/>
               </a:solidFill>
               <a:effectLst/>
               <a:uLnTx/>
@@ -17271,8 +17150,8 @@
         </p:blipFill>
         <p:spPr>
           <a:xfrm>
-            <a:off x="0" y="2293393"/>
-            <a:ext cx="1512768" cy="1110928"/>
+            <a:off x="4724400" y="4462413"/>
+            <a:ext cx="2743199" cy="2014517"/>
           </a:xfrm>
           <a:prstGeom prst="rect">
             <a:avLst/>
@@ -17353,10 +17232,10 @@
       </p:pic>
       <p:pic>
         <p:nvPicPr>
-          <p:cNvPr id="25" name="Picture 24">
-            <a:extLst>
-              <a:ext uri="{FF2B5EF4-FFF2-40B4-BE49-F238E27FC236}">
-                <a16:creationId xmlns:a16="http://schemas.microsoft.com/office/drawing/2014/main" id="{4FB4EAA6-5D64-79B9-0E38-0D75C19E9EFB}"/>
+          <p:cNvPr id="28" name="Picture 27">
+            <a:extLst>
+              <a:ext uri="{FF2B5EF4-FFF2-40B4-BE49-F238E27FC236}">
+                <a16:creationId xmlns:a16="http://schemas.microsoft.com/office/drawing/2014/main" id="{C19FB696-9A32-96CF-D98E-63170AAB1037}"/>
               </a:ext>
             </a:extLst>
           </p:cNvPr>
@@ -17367,42 +17246,6 @@
         </p:nvPicPr>
         <p:blipFill>
           <a:blip r:embed="rId7">
-            <a:extLst>
-              <a:ext uri="{28A0092B-C50C-407E-A947-70E740481C1C}">
-                <a14:useLocalDpi xmlns:a14="http://schemas.microsoft.com/office/drawing/2010/main" val="0"/>
-              </a:ext>
-            </a:extLst>
-          </a:blip>
-          <a:stretch>
-            <a:fillRect/>
-          </a:stretch>
-        </p:blipFill>
-        <p:spPr>
-          <a:xfrm>
-            <a:off x="382258" y="892177"/>
-            <a:ext cx="1158675" cy="852316"/>
-          </a:xfrm>
-          <a:prstGeom prst="rect">
-            <a:avLst/>
-          </a:prstGeom>
-        </p:spPr>
-      </p:pic>
-      <p:pic>
-        <p:nvPicPr>
-          <p:cNvPr id="28" name="Picture 27">
-            <a:extLst>
-              <a:ext uri="{FF2B5EF4-FFF2-40B4-BE49-F238E27FC236}">
-                <a16:creationId xmlns:a16="http://schemas.microsoft.com/office/drawing/2014/main" id="{C19FB696-9A32-96CF-D98E-63170AAB1037}"/>
-              </a:ext>
-            </a:extLst>
-          </p:cNvPr>
-          <p:cNvPicPr>
-            <a:picLocks noChangeAspect="1"/>
-          </p:cNvPicPr>
-          <p:nvPr/>
-        </p:nvPicPr>
-        <p:blipFill>
-          <a:blip r:embed="rId8">
             <a:extLst>
               <a:ext uri="{28A0092B-C50C-407E-A947-70E740481C1C}">
                 <a14:useLocalDpi xmlns:a14="http://schemas.microsoft.com/office/drawing/2010/main" val="0"/>
@@ -17579,10 +17422,10 @@
       </p:sp>
       <p:pic>
         <p:nvPicPr>
-          <p:cNvPr id="9" name="Content Placeholder 8">
-            <a:extLst>
-              <a:ext uri="{FF2B5EF4-FFF2-40B4-BE49-F238E27FC236}">
-                <a16:creationId xmlns:a16="http://schemas.microsoft.com/office/drawing/2014/main" id="{C5652BB4-E485-727F-8491-6955278E6429}"/>
+          <p:cNvPr id="11" name="Content Placeholder 10">
+            <a:extLst>
+              <a:ext uri="{FF2B5EF4-FFF2-40B4-BE49-F238E27FC236}">
+                <a16:creationId xmlns:a16="http://schemas.microsoft.com/office/drawing/2014/main" id="{9FF75245-7454-8F45-95CA-32827AE08F56}"/>
               </a:ext>
             </a:extLst>
           </p:cNvPr>
@@ -17590,48 +17433,24 @@
             <a:picLocks noGrp="1" noChangeAspect="1"/>
           </p:cNvPicPr>
           <p:nvPr>
-            <p:ph sz="half" idx="2"/>
+            <p:ph sz="quarter" idx="4"/>
           </p:nvPr>
         </p:nvPicPr>
         <p:blipFill>
-          <a:blip r:embed="rId2"/>
-          <a:stretch>
-            <a:fillRect/>
-          </a:stretch>
+          <a:blip r:embed="rId2">
+            <a:extLst>
+              <a:ext uri="{28A0092B-C50C-407E-A947-70E740481C1C}">
+                <a14:useLocalDpi xmlns:a14="http://schemas.microsoft.com/office/drawing/2010/main" val="0"/>
+              </a:ext>
+            </a:extLst>
+          </a:blip>
+          <a:srcRect/>
+          <a:stretch/>
         </p:blipFill>
         <p:spPr>
           <a:xfrm>
-            <a:off x="2571511" y="3398695"/>
-            <a:ext cx="3943626" cy="2433780"/>
-          </a:xfrm>
-        </p:spPr>
-      </p:pic>
-      <p:pic>
-        <p:nvPicPr>
-          <p:cNvPr id="11" name="Content Placeholder 10">
-            <a:extLst>
-              <a:ext uri="{FF2B5EF4-FFF2-40B4-BE49-F238E27FC236}">
-                <a16:creationId xmlns:a16="http://schemas.microsoft.com/office/drawing/2014/main" id="{9FF75245-7454-8F45-95CA-32827AE08F56}"/>
-              </a:ext>
-            </a:extLst>
-          </p:cNvPr>
-          <p:cNvPicPr>
-            <a:picLocks noGrp="1" noChangeAspect="1"/>
-          </p:cNvPicPr>
-          <p:nvPr>
-            <p:ph sz="quarter" idx="4"/>
-          </p:nvPr>
-        </p:nvPicPr>
-        <p:blipFill>
-          <a:blip r:embed="rId3"/>
-          <a:stretch>
-            <a:fillRect/>
-          </a:stretch>
-        </p:blipFill>
-        <p:spPr>
-          <a:xfrm>
-            <a:off x="7057786" y="3398695"/>
-            <a:ext cx="3943625" cy="2433780"/>
+            <a:off x="2579724" y="2628090"/>
+            <a:ext cx="8621676" cy="4093385"/>
           </a:xfrm>
         </p:spPr>
       </p:pic>
@@ -17742,7 +17561,7 @@
         </p:nvSpPr>
         <p:spPr>
           <a:xfrm>
-            <a:off x="2579724" y="2259449"/>
+            <a:off x="2579724" y="1748976"/>
             <a:ext cx="8421687" cy="1169551"/>
           </a:xfrm>
           <a:prstGeom prst="rect">
@@ -17839,24 +17658,24 @@
       </p:grpSpPr>
       <p:sp>
         <p:nvSpPr>
-          <p:cNvPr id="4" name="Title 3">
-            <a:extLst>
-              <a:ext uri="{FF2B5EF4-FFF2-40B4-BE49-F238E27FC236}">
-                <a16:creationId xmlns:a16="http://schemas.microsoft.com/office/drawing/2014/main" id="{FAD2AE59-5630-4D5C-83A9-4CDEF4D7DCFB}"/>
-              </a:ext>
-            </a:extLst>
-          </p:cNvPr>
-          <p:cNvSpPr>
-            <a:spLocks noGrp="1"/>
-          </p:cNvSpPr>
-          <p:nvPr>
-            <p:ph type="title"/>
-          </p:nvPr>
-        </p:nvSpPr>
-        <p:spPr>
-          <a:xfrm>
-            <a:off x="2933700" y="892177"/>
-            <a:ext cx="8421688" cy="1325563"/>
+          <p:cNvPr id="2" name="Title 1">
+            <a:extLst>
+              <a:ext uri="{FF2B5EF4-FFF2-40B4-BE49-F238E27FC236}">
+                <a16:creationId xmlns:a16="http://schemas.microsoft.com/office/drawing/2014/main" id="{A29DE7F2-E890-4744-88DD-A75F5E300513}"/>
+              </a:ext>
+            </a:extLst>
+          </p:cNvPr>
+          <p:cNvSpPr>
+            <a:spLocks noGrp="1"/>
+          </p:cNvSpPr>
+          <p:nvPr>
+            <p:ph type="ctrTitle"/>
+          </p:nvPr>
+        </p:nvSpPr>
+        <p:spPr>
+          <a:xfrm>
+            <a:off x="6991349" y="2571235"/>
+            <a:ext cx="4430183" cy="1715531"/>
           </a:xfrm>
         </p:spPr>
         <p:txBody>
@@ -17865,253 +17684,15 @@
           <a:p>
             <a:r>
               <a:rPr lang="en-US" dirty="0"/>
-              <a:t>Problem Statement</a:t>
-            </a:r>
-          </a:p>
-        </p:txBody>
-      </p:sp>
-      <p:sp>
-        <p:nvSpPr>
-          <p:cNvPr id="5" name="Text Placeholder 4">
-            <a:extLst>
-              <a:ext uri="{FF2B5EF4-FFF2-40B4-BE49-F238E27FC236}">
-                <a16:creationId xmlns:a16="http://schemas.microsoft.com/office/drawing/2014/main" id="{F8657664-A458-4DDD-ACC2-1D87FCD6FCA9}"/>
-              </a:ext>
-            </a:extLst>
-          </p:cNvPr>
-          <p:cNvSpPr>
-            <a:spLocks noGrp="1"/>
-          </p:cNvSpPr>
-          <p:nvPr>
-            <p:ph type="body" idx="1"/>
-          </p:nvPr>
-        </p:nvSpPr>
-        <p:spPr>
-          <a:xfrm>
-            <a:off x="2933700" y="2776936"/>
-            <a:ext cx="3924300" cy="823912"/>
-          </a:xfrm>
-        </p:spPr>
-        <p:txBody>
-          <a:bodyPr/>
-          <a:lstStyle/>
-          <a:p>
-            <a:r>
-              <a:rPr lang="en-US" dirty="0"/>
-              <a:t>Binary Classification</a:t>
-            </a:r>
-          </a:p>
-        </p:txBody>
-      </p:sp>
-      <p:sp>
-        <p:nvSpPr>
-          <p:cNvPr id="6" name="Content Placeholder 5">
-            <a:extLst>
-              <a:ext uri="{FF2B5EF4-FFF2-40B4-BE49-F238E27FC236}">
-                <a16:creationId xmlns:a16="http://schemas.microsoft.com/office/drawing/2014/main" id="{5A6B31B0-7B84-475D-961F-09C0191F91A2}"/>
-              </a:ext>
-            </a:extLst>
-          </p:cNvPr>
-          <p:cNvSpPr>
-            <a:spLocks noGrp="1"/>
-          </p:cNvSpPr>
-          <p:nvPr>
-            <p:ph sz="half" idx="2"/>
-          </p:nvPr>
-        </p:nvSpPr>
-        <p:spPr>
-          <a:xfrm>
-            <a:off x="2933700" y="3834606"/>
-            <a:ext cx="3924300" cy="1997867"/>
-          </a:xfrm>
-        </p:spPr>
-        <p:txBody>
-          <a:bodyPr vert="horz" lIns="91440" tIns="45720" rIns="91440" bIns="45720" rtlCol="0" anchor="t">
-            <a:normAutofit/>
-          </a:bodyPr>
-          <a:lstStyle/>
-          <a:p>
-            <a:r>
-              <a:rPr lang="en-US" b="0" i="0" dirty="0">
-                <a:effectLst/>
-              </a:rPr>
-              <a:t>The dataset contains demographic and socioeconomic attributes, and the main problem is to build a predictive model that classifies individuals into two income groups based on a threshold income level</a:t>
-            </a:r>
-            <a:endParaRPr lang="en-US" noProof="1"/>
-          </a:p>
-        </p:txBody>
-      </p:sp>
-      <p:sp>
-        <p:nvSpPr>
-          <p:cNvPr id="7" name="Text Placeholder 6">
-            <a:extLst>
-              <a:ext uri="{FF2B5EF4-FFF2-40B4-BE49-F238E27FC236}">
-                <a16:creationId xmlns:a16="http://schemas.microsoft.com/office/drawing/2014/main" id="{578017FE-712E-4E95-B483-B700F1AA4B2A}"/>
-              </a:ext>
-            </a:extLst>
-          </p:cNvPr>
-          <p:cNvSpPr>
-            <a:spLocks noGrp="1"/>
-          </p:cNvSpPr>
-          <p:nvPr>
-            <p:ph type="body" sz="quarter" idx="3"/>
-          </p:nvPr>
-        </p:nvSpPr>
-        <p:spPr>
-          <a:xfrm>
-            <a:off x="7410173" y="2776936"/>
-            <a:ext cx="3943627" cy="823912"/>
-          </a:xfrm>
-        </p:spPr>
-        <p:txBody>
-          <a:bodyPr/>
-          <a:lstStyle/>
-          <a:p>
-            <a:r>
-              <a:rPr lang="en-US" dirty="0"/>
-              <a:t>Targeting Services</a:t>
-            </a:r>
-          </a:p>
-        </p:txBody>
-      </p:sp>
-      <p:sp>
-        <p:nvSpPr>
-          <p:cNvPr id="11" name="Content Placeholder 10">
-            <a:extLst>
-              <a:ext uri="{FF2B5EF4-FFF2-40B4-BE49-F238E27FC236}">
-                <a16:creationId xmlns:a16="http://schemas.microsoft.com/office/drawing/2014/main" id="{D0E0ACA0-9139-4C37-920D-BF3C1FF461C1}"/>
-              </a:ext>
-            </a:extLst>
-          </p:cNvPr>
-          <p:cNvSpPr>
-            <a:spLocks noGrp="1"/>
-          </p:cNvSpPr>
-          <p:nvPr>
-            <p:ph sz="quarter" idx="4"/>
-          </p:nvPr>
-        </p:nvSpPr>
-        <p:spPr>
-          <a:xfrm>
-            <a:off x="7410173" y="3834606"/>
-            <a:ext cx="3943627" cy="1997867"/>
-          </a:xfrm>
-        </p:spPr>
-        <p:txBody>
-          <a:bodyPr/>
-          <a:lstStyle/>
-          <a:p>
-            <a:r>
-              <a:rPr lang="en-US" b="0" i="0" dirty="0">
-                <a:effectLst/>
-              </a:rPr>
-              <a:t>The primary goal is to assist in resource allocation and financial planning by accurately identifying individuals at risk of low income, enabling targeted services and interventions.</a:t>
-            </a:r>
-            <a:endParaRPr lang="en-US" noProof="1"/>
-          </a:p>
-        </p:txBody>
-      </p:sp>
-      <p:sp>
-        <p:nvSpPr>
-          <p:cNvPr id="14" name="Slide Number Placeholder 13">
-            <a:extLst>
-              <a:ext uri="{FF2B5EF4-FFF2-40B4-BE49-F238E27FC236}">
-                <a16:creationId xmlns:a16="http://schemas.microsoft.com/office/drawing/2014/main" id="{42152A75-1CD2-44EC-9374-C83D4604A5DD}"/>
-              </a:ext>
-            </a:extLst>
-          </p:cNvPr>
-          <p:cNvSpPr>
-            <a:spLocks noGrp="1"/>
-          </p:cNvSpPr>
-          <p:nvPr>
-            <p:ph type="sldNum" sz="quarter" idx="12"/>
-          </p:nvPr>
-        </p:nvSpPr>
-        <p:spPr>
-          <a:xfrm>
-            <a:off x="8610600" y="6356350"/>
-            <a:ext cx="2743200" cy="365125"/>
-          </a:xfrm>
-        </p:spPr>
-        <p:txBody>
-          <a:bodyPr/>
-          <a:lstStyle/>
-          <a:p>
-            <a:pPr marL="0" marR="0" lvl="0" indent="0" algn="r" defTabSz="914400" rtl="0" eaLnBrk="1" fontAlgn="auto" latinLnBrk="0" hangingPunct="1">
-              <a:lnSpc>
-                <a:spcPct val="100000"/>
-              </a:lnSpc>
-              <a:spcBef>
-                <a:spcPts val="0"/>
-              </a:spcBef>
-              <a:spcAft>
-                <a:spcPts val="0"/>
-              </a:spcAft>
-              <a:buClrTx/>
-              <a:buSzTx/>
-              <a:buFontTx/>
-              <a:buNone/>
-              <a:tabLst/>
-              <a:defRPr/>
-            </a:pPr>
-            <a:fld id="{B5CEABB6-07DC-46E8-9B57-56EC44A396E5}" type="slidenum">
-              <a:rPr kumimoji="0" lang="en-US" sz="900" b="0" i="0" u="none" strike="noStrike" kern="1200" cap="none" spc="0" normalizeH="0" baseline="0" noProof="0" smtClean="0">
-                <a:ln>
-                  <a:noFill/>
-                </a:ln>
-                <a:solidFill>
-                  <a:prstClr val="black">
-                    <a:tint val="75000"/>
-                  </a:prstClr>
-                </a:solidFill>
-                <a:effectLst/>
-                <a:uLnTx/>
-                <a:uFillTx/>
-                <a:latin typeface="Tenorite"/>
-                <a:ea typeface="+mn-ea"/>
-                <a:cs typeface="+mn-cs"/>
-              </a:rPr>
-              <a:pPr marL="0" marR="0" lvl="0" indent="0" algn="r" defTabSz="914400" rtl="0" eaLnBrk="1" fontAlgn="auto" latinLnBrk="0" hangingPunct="1">
-                <a:lnSpc>
-                  <a:spcPct val="100000"/>
-                </a:lnSpc>
-                <a:spcBef>
-                  <a:spcPts val="0"/>
-                </a:spcBef>
-                <a:spcAft>
-                  <a:spcPts val="0"/>
-                </a:spcAft>
-                <a:buClrTx/>
-                <a:buSzTx/>
-                <a:buFontTx/>
-                <a:buNone/>
-                <a:tabLst/>
-                <a:defRPr/>
-              </a:pPr>
-              <a:t>18</a:t>
-            </a:fld>
-            <a:endParaRPr kumimoji="0" lang="en-US" sz="900" b="0" i="0" u="none" strike="noStrike" kern="1200" cap="none" spc="0" normalizeH="0" baseline="0" noProof="0" dirty="0">
-              <a:ln>
-                <a:noFill/>
-              </a:ln>
-              <a:solidFill>
-                <a:prstClr val="black">
-                  <a:tint val="75000"/>
-                </a:prstClr>
-              </a:solidFill>
-              <a:effectLst/>
-              <a:uLnTx/>
-              <a:uFillTx/>
-              <a:latin typeface="Tenorite"/>
-              <a:ea typeface="+mn-ea"/>
-              <a:cs typeface="+mn-cs"/>
-            </a:endParaRPr>
+              <a:t>Methodology</a:t>
+            </a:r>
           </a:p>
         </p:txBody>
       </p:sp>
     </p:spTree>
     <p:extLst>
       <p:ext uri="{BB962C8B-B14F-4D97-AF65-F5344CB8AC3E}">
-        <p14:creationId xmlns:p14="http://schemas.microsoft.com/office/powerpoint/2010/main" val="4151694508"/>
+        <p14:creationId xmlns:p14="http://schemas.microsoft.com/office/powerpoint/2010/main" val="844606069"/>
       </p:ext>
     </p:extLst>
   </p:cSld>
@@ -18143,38 +17724,237 @@
           <p:cNvPr id="2" name="Title 1">
             <a:extLst>
               <a:ext uri="{FF2B5EF4-FFF2-40B4-BE49-F238E27FC236}">
-                <a16:creationId xmlns:a16="http://schemas.microsoft.com/office/drawing/2014/main" id="{A29DE7F2-E890-4744-88DD-A75F5E300513}"/>
-              </a:ext>
-            </a:extLst>
-          </p:cNvPr>
-          <p:cNvSpPr>
-            <a:spLocks noGrp="1"/>
-          </p:cNvSpPr>
-          <p:nvPr>
-            <p:ph type="ctrTitle"/>
-          </p:nvPr>
-        </p:nvSpPr>
-        <p:spPr>
-          <a:xfrm>
-            <a:off x="6991349" y="2571235"/>
-            <a:ext cx="4430183" cy="1715531"/>
+                <a16:creationId xmlns:a16="http://schemas.microsoft.com/office/drawing/2014/main" id="{8A4E0A63-A388-49B1-A04E-27CE9BD622EF}"/>
+              </a:ext>
+            </a:extLst>
+          </p:cNvPr>
+          <p:cNvSpPr>
+            <a:spLocks noGrp="1"/>
+          </p:cNvSpPr>
+          <p:nvPr>
+            <p:ph type="title"/>
+          </p:nvPr>
+        </p:nvSpPr>
+        <p:spPr>
+          <a:xfrm>
+            <a:off x="6198766" y="914400"/>
+            <a:ext cx="5431971" cy="799014"/>
+          </a:xfrm>
+        </p:spPr>
+        <p:txBody>
+          <a:bodyPr>
+            <a:normAutofit/>
+          </a:bodyPr>
+          <a:lstStyle/>
+          <a:p>
+            <a:r>
+              <a:rPr lang="en-US" sz="3600" dirty="0"/>
+              <a:t>Algorithms</a:t>
+            </a:r>
+          </a:p>
+        </p:txBody>
+      </p:sp>
+      <p:sp>
+        <p:nvSpPr>
+          <p:cNvPr id="7" name="Text Placeholder 6">
+            <a:extLst>
+              <a:ext uri="{FF2B5EF4-FFF2-40B4-BE49-F238E27FC236}">
+                <a16:creationId xmlns:a16="http://schemas.microsoft.com/office/drawing/2014/main" id="{40297407-CE4E-4284-879D-AEC395713625}"/>
+              </a:ext>
+            </a:extLst>
+          </p:cNvPr>
+          <p:cNvSpPr>
+            <a:spLocks noGrp="1"/>
+          </p:cNvSpPr>
+          <p:nvPr>
+            <p:ph type="body" sz="quarter" idx="15"/>
+          </p:nvPr>
+        </p:nvSpPr>
+        <p:spPr>
+          <a:xfrm>
+            <a:off x="6096000" y="1710722"/>
+            <a:ext cx="5647267" cy="4645628"/>
+          </a:xfrm>
+        </p:spPr>
+        <p:txBody>
+          <a:bodyPr>
+            <a:normAutofit/>
+          </a:bodyPr>
+          <a:lstStyle/>
+          <a:p>
+            <a:pPr marL="285750" indent="-285750">
+              <a:buFont typeface="Arial" panose="020B0604020202020204" pitchFamily="34" charset="0"/>
+              <a:buChar char="•"/>
+            </a:pPr>
+            <a:r>
+              <a:rPr lang="en-US" sz="2000" noProof="1"/>
+              <a:t>Decision Trees</a:t>
+            </a:r>
+          </a:p>
+          <a:p>
+            <a:pPr marL="285750" indent="-285750">
+              <a:buFont typeface="Arial" panose="020B0604020202020204" pitchFamily="34" charset="0"/>
+              <a:buChar char="•"/>
+            </a:pPr>
+            <a:r>
+              <a:rPr lang="en-US" sz="2000" noProof="1"/>
+              <a:t>Random Forest</a:t>
+            </a:r>
+          </a:p>
+          <a:p>
+            <a:pPr marL="285750" indent="-285750">
+              <a:buFont typeface="Arial" panose="020B0604020202020204" pitchFamily="34" charset="0"/>
+              <a:buChar char="•"/>
+            </a:pPr>
+            <a:r>
+              <a:rPr lang="en-US" sz="2000" noProof="1"/>
+              <a:t>Support Vector Machines</a:t>
+            </a:r>
+          </a:p>
+          <a:p>
+            <a:pPr marL="285750" indent="-285750">
+              <a:buFont typeface="Arial" panose="020B0604020202020204" pitchFamily="34" charset="0"/>
+              <a:buChar char="•"/>
+            </a:pPr>
+            <a:r>
+              <a:rPr lang="en-US" sz="2000" noProof="1"/>
+              <a:t>Naïve Bayes</a:t>
+            </a:r>
+          </a:p>
+          <a:p>
+            <a:pPr marL="285750" indent="-285750">
+              <a:buFont typeface="Arial" panose="020B0604020202020204" pitchFamily="34" charset="0"/>
+              <a:buChar char="•"/>
+            </a:pPr>
+            <a:r>
+              <a:rPr lang="en-US" sz="2000" noProof="1"/>
+              <a:t>Logistics Regression</a:t>
+            </a:r>
+          </a:p>
+          <a:p>
+            <a:pPr marL="285750" indent="-285750">
+              <a:buFont typeface="Arial" panose="020B0604020202020204" pitchFamily="34" charset="0"/>
+              <a:buChar char="•"/>
+            </a:pPr>
+            <a:r>
+              <a:rPr lang="en-US" sz="2000" noProof="1"/>
+              <a:t>XGB Tree</a:t>
+            </a:r>
+          </a:p>
+          <a:p>
+            <a:pPr marL="285750" indent="-285750">
+              <a:buFont typeface="Arial" panose="020B0604020202020204" pitchFamily="34" charset="0"/>
+              <a:buChar char="•"/>
+            </a:pPr>
+            <a:r>
+              <a:rPr lang="en-US" sz="2000" noProof="1"/>
+              <a:t>KNN</a:t>
+            </a:r>
+          </a:p>
+        </p:txBody>
+      </p:sp>
+      <p:sp>
+        <p:nvSpPr>
+          <p:cNvPr id="4" name="Slide Number Placeholder 3">
+            <a:extLst>
+              <a:ext uri="{FF2B5EF4-FFF2-40B4-BE49-F238E27FC236}">
+                <a16:creationId xmlns:a16="http://schemas.microsoft.com/office/drawing/2014/main" id="{79ED4A67-3A46-4F54-A12A-EAE1B53E6457}"/>
+              </a:ext>
+            </a:extLst>
+          </p:cNvPr>
+          <p:cNvSpPr>
+            <a:spLocks noGrp="1"/>
+          </p:cNvSpPr>
+          <p:nvPr>
+            <p:ph type="sldNum" sz="quarter" idx="22"/>
+          </p:nvPr>
+        </p:nvSpPr>
+        <p:spPr>
+          <a:xfrm>
+            <a:off x="10700656" y="6356350"/>
+            <a:ext cx="653143" cy="365125"/>
           </a:xfrm>
         </p:spPr>
         <p:txBody>
           <a:bodyPr/>
           <a:lstStyle/>
           <a:p>
-            <a:r>
-              <a:rPr lang="en-US" dirty="0"/>
-              <a:t>Methodology</a:t>
-            </a:r>
+            <a:pPr marL="0" marR="0" lvl="0" indent="0" algn="r" defTabSz="914400" rtl="0" eaLnBrk="1" fontAlgn="auto" latinLnBrk="0" hangingPunct="1">
+              <a:lnSpc>
+                <a:spcPct val="100000"/>
+              </a:lnSpc>
+              <a:spcBef>
+                <a:spcPts val="0"/>
+              </a:spcBef>
+              <a:spcAft>
+                <a:spcPts val="0"/>
+              </a:spcAft>
+              <a:buClrTx/>
+              <a:buSzTx/>
+              <a:buFontTx/>
+              <a:buNone/>
+              <a:tabLst/>
+              <a:defRPr/>
+            </a:pPr>
+            <a:fld id="{19B51A1E-902D-48AF-9020-955120F399B6}" type="slidenum">
+              <a:rPr kumimoji="0" lang="en-US" sz="900" b="0" i="0" u="none" strike="noStrike" kern="1200" cap="none" spc="0" normalizeH="0" baseline="0" noProof="0" smtClean="0">
+                <a:ln>
+                  <a:noFill/>
+                </a:ln>
+                <a:solidFill>
+                  <a:prstClr val="black">
+                    <a:tint val="75000"/>
+                  </a:prstClr>
+                </a:solidFill>
+                <a:effectLst/>
+                <a:uLnTx/>
+                <a:uFillTx/>
+                <a:latin typeface="Tenorite"/>
+                <a:ea typeface="+mn-ea"/>
+                <a:cs typeface="+mn-cs"/>
+              </a:rPr>
+              <a:pPr marL="0" marR="0" lvl="0" indent="0" algn="r" defTabSz="914400" rtl="0" eaLnBrk="1" fontAlgn="auto" latinLnBrk="0" hangingPunct="1">
+                <a:lnSpc>
+                  <a:spcPct val="100000"/>
+                </a:lnSpc>
+                <a:spcBef>
+                  <a:spcPts val="0"/>
+                </a:spcBef>
+                <a:spcAft>
+                  <a:spcPts val="0"/>
+                </a:spcAft>
+                <a:buClrTx/>
+                <a:buSzTx/>
+                <a:buFontTx/>
+                <a:buNone/>
+                <a:tabLst/>
+                <a:defRPr/>
+              </a:pPr>
+              <a:t>19</a:t>
+            </a:fld>
+            <a:endParaRPr kumimoji="0" lang="en-US" sz="900" b="0" i="0" u="none" strike="noStrike" kern="1200" cap="none" spc="0" normalizeH="0" baseline="0" noProof="0" dirty="0">
+              <a:ln>
+                <a:noFill/>
+              </a:ln>
+              <a:solidFill>
+                <a:prstClr val="black">
+                  <a:tint val="75000"/>
+                </a:prstClr>
+              </a:solidFill>
+              <a:effectLst/>
+              <a:uLnTx/>
+              <a:uFillTx/>
+              <a:latin typeface="Tenorite"/>
+              <a:ea typeface="+mn-ea"/>
+              <a:cs typeface="+mn-cs"/>
+            </a:endParaRPr>
           </a:p>
         </p:txBody>
       </p:sp>
     </p:spTree>
     <p:extLst>
       <p:ext uri="{BB962C8B-B14F-4D97-AF65-F5344CB8AC3E}">
-        <p14:creationId xmlns:p14="http://schemas.microsoft.com/office/powerpoint/2010/main" val="844606069"/>
+        <p14:creationId xmlns:p14="http://schemas.microsoft.com/office/powerpoint/2010/main" val="631168033"/>
       </p:ext>
     </p:extLst>
   </p:cSld>
@@ -18554,237 +18334,38 @@
           <p:cNvPr id="2" name="Title 1">
             <a:extLst>
               <a:ext uri="{FF2B5EF4-FFF2-40B4-BE49-F238E27FC236}">
-                <a16:creationId xmlns:a16="http://schemas.microsoft.com/office/drawing/2014/main" id="{8A4E0A63-A388-49B1-A04E-27CE9BD622EF}"/>
-              </a:ext>
-            </a:extLst>
-          </p:cNvPr>
-          <p:cNvSpPr>
-            <a:spLocks noGrp="1"/>
-          </p:cNvSpPr>
-          <p:nvPr>
-            <p:ph type="title"/>
-          </p:nvPr>
-        </p:nvSpPr>
-        <p:spPr>
-          <a:xfrm>
-            <a:off x="6198766" y="914400"/>
-            <a:ext cx="5431971" cy="799014"/>
-          </a:xfrm>
-        </p:spPr>
-        <p:txBody>
-          <a:bodyPr>
-            <a:normAutofit/>
-          </a:bodyPr>
-          <a:lstStyle/>
-          <a:p>
-            <a:r>
-              <a:rPr lang="en-US" sz="3600" dirty="0"/>
-              <a:t>Algorithms</a:t>
-            </a:r>
-          </a:p>
-        </p:txBody>
-      </p:sp>
-      <p:sp>
-        <p:nvSpPr>
-          <p:cNvPr id="7" name="Text Placeholder 6">
-            <a:extLst>
-              <a:ext uri="{FF2B5EF4-FFF2-40B4-BE49-F238E27FC236}">
-                <a16:creationId xmlns:a16="http://schemas.microsoft.com/office/drawing/2014/main" id="{40297407-CE4E-4284-879D-AEC395713625}"/>
-              </a:ext>
-            </a:extLst>
-          </p:cNvPr>
-          <p:cNvSpPr>
-            <a:spLocks noGrp="1"/>
-          </p:cNvSpPr>
-          <p:nvPr>
-            <p:ph type="body" sz="quarter" idx="15"/>
-          </p:nvPr>
-        </p:nvSpPr>
-        <p:spPr>
-          <a:xfrm>
-            <a:off x="6096000" y="1710722"/>
-            <a:ext cx="5647267" cy="4645628"/>
-          </a:xfrm>
-        </p:spPr>
-        <p:txBody>
-          <a:bodyPr>
-            <a:normAutofit/>
-          </a:bodyPr>
-          <a:lstStyle/>
-          <a:p>
-            <a:pPr marL="285750" indent="-285750">
-              <a:buFont typeface="Arial" panose="020B0604020202020204" pitchFamily="34" charset="0"/>
-              <a:buChar char="•"/>
-            </a:pPr>
-            <a:r>
-              <a:rPr lang="en-US" sz="2000" noProof="1"/>
-              <a:t>Decision Trees</a:t>
-            </a:r>
-          </a:p>
-          <a:p>
-            <a:pPr marL="285750" indent="-285750">
-              <a:buFont typeface="Arial" panose="020B0604020202020204" pitchFamily="34" charset="0"/>
-              <a:buChar char="•"/>
-            </a:pPr>
-            <a:r>
-              <a:rPr lang="en-US" sz="2000" noProof="1"/>
-              <a:t>Random Forest</a:t>
-            </a:r>
-          </a:p>
-          <a:p>
-            <a:pPr marL="285750" indent="-285750">
-              <a:buFont typeface="Arial" panose="020B0604020202020204" pitchFamily="34" charset="0"/>
-              <a:buChar char="•"/>
-            </a:pPr>
-            <a:r>
-              <a:rPr lang="en-US" sz="2000" noProof="1"/>
-              <a:t>Support Vector Machines</a:t>
-            </a:r>
-          </a:p>
-          <a:p>
-            <a:pPr marL="285750" indent="-285750">
-              <a:buFont typeface="Arial" panose="020B0604020202020204" pitchFamily="34" charset="0"/>
-              <a:buChar char="•"/>
-            </a:pPr>
-            <a:r>
-              <a:rPr lang="en-US" sz="2000" noProof="1"/>
-              <a:t>Naïve Bayes</a:t>
-            </a:r>
-          </a:p>
-          <a:p>
-            <a:pPr marL="285750" indent="-285750">
-              <a:buFont typeface="Arial" panose="020B0604020202020204" pitchFamily="34" charset="0"/>
-              <a:buChar char="•"/>
-            </a:pPr>
-            <a:r>
-              <a:rPr lang="en-US" sz="2000" noProof="1"/>
-              <a:t>Logistics Regression</a:t>
-            </a:r>
-          </a:p>
-          <a:p>
-            <a:pPr marL="285750" indent="-285750">
-              <a:buFont typeface="Arial" panose="020B0604020202020204" pitchFamily="34" charset="0"/>
-              <a:buChar char="•"/>
-            </a:pPr>
-            <a:r>
-              <a:rPr lang="en-US" sz="2000" noProof="1"/>
-              <a:t>XGB Tree</a:t>
-            </a:r>
-          </a:p>
-          <a:p>
-            <a:pPr marL="285750" indent="-285750">
-              <a:buFont typeface="Arial" panose="020B0604020202020204" pitchFamily="34" charset="0"/>
-              <a:buChar char="•"/>
-            </a:pPr>
-            <a:r>
-              <a:rPr lang="en-US" sz="2000" noProof="1"/>
-              <a:t>KNN</a:t>
-            </a:r>
-          </a:p>
-        </p:txBody>
-      </p:sp>
-      <p:sp>
-        <p:nvSpPr>
-          <p:cNvPr id="4" name="Slide Number Placeholder 3">
-            <a:extLst>
-              <a:ext uri="{FF2B5EF4-FFF2-40B4-BE49-F238E27FC236}">
-                <a16:creationId xmlns:a16="http://schemas.microsoft.com/office/drawing/2014/main" id="{79ED4A67-3A46-4F54-A12A-EAE1B53E6457}"/>
-              </a:ext>
-            </a:extLst>
-          </p:cNvPr>
-          <p:cNvSpPr>
-            <a:spLocks noGrp="1"/>
-          </p:cNvSpPr>
-          <p:nvPr>
-            <p:ph type="sldNum" sz="quarter" idx="22"/>
-          </p:nvPr>
-        </p:nvSpPr>
-        <p:spPr>
-          <a:xfrm>
-            <a:off x="10700656" y="6356350"/>
-            <a:ext cx="653143" cy="365125"/>
+                <a16:creationId xmlns:a16="http://schemas.microsoft.com/office/drawing/2014/main" id="{A29DE7F2-E890-4744-88DD-A75F5E300513}"/>
+              </a:ext>
+            </a:extLst>
+          </p:cNvPr>
+          <p:cNvSpPr>
+            <a:spLocks noGrp="1"/>
+          </p:cNvSpPr>
+          <p:nvPr>
+            <p:ph type="ctrTitle"/>
+          </p:nvPr>
+        </p:nvSpPr>
+        <p:spPr>
+          <a:xfrm>
+            <a:off x="6991349" y="2571235"/>
+            <a:ext cx="4430183" cy="1715531"/>
           </a:xfrm>
         </p:spPr>
         <p:txBody>
           <a:bodyPr/>
           <a:lstStyle/>
           <a:p>
-            <a:pPr marL="0" marR="0" lvl="0" indent="0" algn="r" defTabSz="914400" rtl="0" eaLnBrk="1" fontAlgn="auto" latinLnBrk="0" hangingPunct="1">
-              <a:lnSpc>
-                <a:spcPct val="100000"/>
-              </a:lnSpc>
-              <a:spcBef>
-                <a:spcPts val="0"/>
-              </a:spcBef>
-              <a:spcAft>
-                <a:spcPts val="0"/>
-              </a:spcAft>
-              <a:buClrTx/>
-              <a:buSzTx/>
-              <a:buFontTx/>
-              <a:buNone/>
-              <a:tabLst/>
-              <a:defRPr/>
-            </a:pPr>
-            <a:fld id="{19B51A1E-902D-48AF-9020-955120F399B6}" type="slidenum">
-              <a:rPr kumimoji="0" lang="en-US" sz="900" b="0" i="0" u="none" strike="noStrike" kern="1200" cap="none" spc="0" normalizeH="0" baseline="0" noProof="0" smtClean="0">
-                <a:ln>
-                  <a:noFill/>
-                </a:ln>
-                <a:solidFill>
-                  <a:prstClr val="black">
-                    <a:tint val="75000"/>
-                  </a:prstClr>
-                </a:solidFill>
-                <a:effectLst/>
-                <a:uLnTx/>
-                <a:uFillTx/>
-                <a:latin typeface="Tenorite"/>
-                <a:ea typeface="+mn-ea"/>
-                <a:cs typeface="+mn-cs"/>
-              </a:rPr>
-              <a:pPr marL="0" marR="0" lvl="0" indent="0" algn="r" defTabSz="914400" rtl="0" eaLnBrk="1" fontAlgn="auto" latinLnBrk="0" hangingPunct="1">
-                <a:lnSpc>
-                  <a:spcPct val="100000"/>
-                </a:lnSpc>
-                <a:spcBef>
-                  <a:spcPts val="0"/>
-                </a:spcBef>
-                <a:spcAft>
-                  <a:spcPts val="0"/>
-                </a:spcAft>
-                <a:buClrTx/>
-                <a:buSzTx/>
-                <a:buFontTx/>
-                <a:buNone/>
-                <a:tabLst/>
-                <a:defRPr/>
-              </a:pPr>
-              <a:t>20</a:t>
-            </a:fld>
-            <a:endParaRPr kumimoji="0" lang="en-US" sz="900" b="0" i="0" u="none" strike="noStrike" kern="1200" cap="none" spc="0" normalizeH="0" baseline="0" noProof="0" dirty="0">
-              <a:ln>
-                <a:noFill/>
-              </a:ln>
-              <a:solidFill>
-                <a:prstClr val="black">
-                  <a:tint val="75000"/>
-                </a:prstClr>
-              </a:solidFill>
-              <a:effectLst/>
-              <a:uLnTx/>
-              <a:uFillTx/>
-              <a:latin typeface="Tenorite"/>
-              <a:ea typeface="+mn-ea"/>
-              <a:cs typeface="+mn-cs"/>
-            </a:endParaRPr>
+            <a:r>
+              <a:rPr lang="en-US" dirty="0"/>
+              <a:t>Results</a:t>
+            </a:r>
           </a:p>
         </p:txBody>
       </p:sp>
     </p:spTree>
     <p:extLst>
       <p:ext uri="{BB962C8B-B14F-4D97-AF65-F5344CB8AC3E}">
-        <p14:creationId xmlns:p14="http://schemas.microsoft.com/office/powerpoint/2010/main" val="631168033"/>
+        <p14:creationId xmlns:p14="http://schemas.microsoft.com/office/powerpoint/2010/main" val="2665367956"/>
       </p:ext>
     </p:extLst>
   </p:cSld>
@@ -18816,38 +18397,470 @@
           <p:cNvPr id="2" name="Title 1">
             <a:extLst>
               <a:ext uri="{FF2B5EF4-FFF2-40B4-BE49-F238E27FC236}">
-                <a16:creationId xmlns:a16="http://schemas.microsoft.com/office/drawing/2014/main" id="{A29DE7F2-E890-4744-88DD-A75F5E300513}"/>
-              </a:ext>
-            </a:extLst>
-          </p:cNvPr>
-          <p:cNvSpPr>
-            <a:spLocks noGrp="1"/>
-          </p:cNvSpPr>
-          <p:nvPr>
-            <p:ph type="ctrTitle"/>
-          </p:nvPr>
-        </p:nvSpPr>
-        <p:spPr>
-          <a:xfrm>
-            <a:off x="6991349" y="2571235"/>
-            <a:ext cx="4430183" cy="1715531"/>
+                <a16:creationId xmlns:a16="http://schemas.microsoft.com/office/drawing/2014/main" id="{6CE27DCE-C209-D0C2-2B41-CC8B2EC629C8}"/>
+              </a:ext>
+            </a:extLst>
+          </p:cNvPr>
+          <p:cNvSpPr>
+            <a:spLocks noGrp="1"/>
+          </p:cNvSpPr>
+          <p:nvPr>
+            <p:ph type="title"/>
+          </p:nvPr>
+        </p:nvSpPr>
+        <p:spPr>
+          <a:xfrm>
+            <a:off x="93133" y="636058"/>
+            <a:ext cx="11827934" cy="1325563"/>
           </a:xfrm>
         </p:spPr>
         <p:txBody>
           <a:bodyPr/>
           <a:lstStyle/>
           <a:p>
+            <a:pPr algn="ctr"/>
             <a:r>
               <a:rPr lang="en-US" dirty="0"/>
-              <a:t>Results</a:t>
-            </a:r>
+              <a:t>Random Forest</a:t>
+            </a:r>
+            <a:endParaRPr lang="en-IN" dirty="0"/>
+          </a:p>
+        </p:txBody>
+      </p:sp>
+      <p:graphicFrame>
+        <p:nvGraphicFramePr>
+          <p:cNvPr id="3" name="Table 2">
+            <a:extLst>
+              <a:ext uri="{FF2B5EF4-FFF2-40B4-BE49-F238E27FC236}">
+                <a16:creationId xmlns:a16="http://schemas.microsoft.com/office/drawing/2014/main" id="{F14A9D49-43E9-830E-BA46-5EB6EAA0BA2A}"/>
+              </a:ext>
+            </a:extLst>
+          </p:cNvPr>
+          <p:cNvGraphicFramePr>
+            <a:graphicFrameLocks noGrp="1"/>
+          </p:cNvGraphicFramePr>
+          <p:nvPr>
+            <p:extLst>
+              <p:ext uri="{D42A27DB-BD31-4B8C-83A1-F6EECF244321}">
+                <p14:modId xmlns:p14="http://schemas.microsoft.com/office/powerpoint/2010/main" val="3957140595"/>
+              </p:ext>
+            </p:extLst>
+          </p:nvPr>
+        </p:nvGraphicFramePr>
+        <p:xfrm>
+          <a:off x="838200" y="3316599"/>
+          <a:ext cx="4614334" cy="1112520"/>
+        </p:xfrm>
+        <a:graphic>
+          <a:graphicData uri="http://schemas.openxmlformats.org/drawingml/2006/table">
+            <a:tbl>
+              <a:tblPr firstRow="1" bandRow="1">
+                <a:tableStyleId>{5C22544A-7EE6-4342-B048-85BDC9FD1C3A}</a:tableStyleId>
+              </a:tblPr>
+              <a:tblGrid>
+                <a:gridCol w="2307167">
+                  <a:extLst>
+                    <a:ext uri="{9D8B030D-6E8A-4147-A177-3AD203B41FA5}">
+                      <a16:colId xmlns:a16="http://schemas.microsoft.com/office/drawing/2014/main" val="1259352176"/>
+                    </a:ext>
+                  </a:extLst>
+                </a:gridCol>
+                <a:gridCol w="2307167">
+                  <a:extLst>
+                    <a:ext uri="{9D8B030D-6E8A-4147-A177-3AD203B41FA5}">
+                      <a16:colId xmlns:a16="http://schemas.microsoft.com/office/drawing/2014/main" val="2646643020"/>
+                    </a:ext>
+                  </a:extLst>
+                </a:gridCol>
+              </a:tblGrid>
+              <a:tr h="370840">
+                <a:tc>
+                  <a:txBody>
+                    <a:bodyPr/>
+                    <a:lstStyle/>
+                    <a:p>
+                      <a:r>
+                        <a:rPr lang="en-US" dirty="0">
+                          <a:solidFill>
+                            <a:schemeClr val="tx1"/>
+                          </a:solidFill>
+                        </a:rPr>
+                        <a:t>Metric</a:t>
+                      </a:r>
+                      <a:endParaRPr lang="en-IN" dirty="0">
+                        <a:solidFill>
+                          <a:schemeClr val="tx1"/>
+                        </a:solidFill>
+                      </a:endParaRPr>
+                    </a:p>
+                  </a:txBody>
+                  <a:tcPr/>
+                </a:tc>
+                <a:tc>
+                  <a:txBody>
+                    <a:bodyPr/>
+                    <a:lstStyle/>
+                    <a:p>
+                      <a:r>
+                        <a:rPr lang="en-US" dirty="0">
+                          <a:solidFill>
+                            <a:schemeClr val="tx1"/>
+                          </a:solidFill>
+                        </a:rPr>
+                        <a:t>Value</a:t>
+                      </a:r>
+                      <a:endParaRPr lang="en-IN" dirty="0">
+                        <a:solidFill>
+                          <a:schemeClr val="tx1"/>
+                        </a:solidFill>
+                      </a:endParaRPr>
+                    </a:p>
+                  </a:txBody>
+                  <a:tcPr/>
+                </a:tc>
+                <a:extLst>
+                  <a:ext uri="{0D108BD9-81ED-4DB2-BD59-A6C34878D82A}">
+                    <a16:rowId xmlns:a16="http://schemas.microsoft.com/office/drawing/2014/main" val="3720866458"/>
+                  </a:ext>
+                </a:extLst>
+              </a:tr>
+              <a:tr h="370840">
+                <a:tc>
+                  <a:txBody>
+                    <a:bodyPr/>
+                    <a:lstStyle/>
+                    <a:p>
+                      <a:r>
+                        <a:rPr lang="en-US" dirty="0">
+                          <a:solidFill>
+                            <a:schemeClr val="tx1"/>
+                          </a:solidFill>
+                        </a:rPr>
+                        <a:t>R Squared</a:t>
+                      </a:r>
+                      <a:endParaRPr lang="en-IN" dirty="0">
+                        <a:solidFill>
+                          <a:schemeClr val="tx1"/>
+                        </a:solidFill>
+                      </a:endParaRPr>
+                    </a:p>
+                  </a:txBody>
+                  <a:tcPr/>
+                </a:tc>
+                <a:tc>
+                  <a:txBody>
+                    <a:bodyPr/>
+                    <a:lstStyle/>
+                    <a:p>
+                      <a:r>
+                        <a:rPr lang="en-US" dirty="0"/>
+                        <a:t>0.9294</a:t>
+                      </a:r>
+                      <a:endParaRPr lang="en-IN" dirty="0"/>
+                    </a:p>
+                  </a:txBody>
+                  <a:tcPr/>
+                </a:tc>
+                <a:extLst>
+                  <a:ext uri="{0D108BD9-81ED-4DB2-BD59-A6C34878D82A}">
+                    <a16:rowId xmlns:a16="http://schemas.microsoft.com/office/drawing/2014/main" val="958010327"/>
+                  </a:ext>
+                </a:extLst>
+              </a:tr>
+              <a:tr h="370840">
+                <a:tc>
+                  <a:txBody>
+                    <a:bodyPr/>
+                    <a:lstStyle/>
+                    <a:p>
+                      <a:r>
+                        <a:rPr lang="en-US" dirty="0"/>
+                        <a:t>MSE</a:t>
+                      </a:r>
+                      <a:endParaRPr lang="en-IN" dirty="0"/>
+                    </a:p>
+                  </a:txBody>
+                  <a:tcPr/>
+                </a:tc>
+                <a:tc>
+                  <a:txBody>
+                    <a:bodyPr/>
+                    <a:lstStyle/>
+                    <a:p>
+                      <a:r>
+                        <a:rPr lang="en-US" dirty="0"/>
+                        <a:t>0.3350</a:t>
+                      </a:r>
+                      <a:endParaRPr lang="en-IN" dirty="0"/>
+                    </a:p>
+                  </a:txBody>
+                  <a:tcPr/>
+                </a:tc>
+                <a:extLst>
+                  <a:ext uri="{0D108BD9-81ED-4DB2-BD59-A6C34878D82A}">
+                    <a16:rowId xmlns:a16="http://schemas.microsoft.com/office/drawing/2014/main" val="100720081"/>
+                  </a:ext>
+                </a:extLst>
+              </a:tr>
+            </a:tbl>
+          </a:graphicData>
+        </a:graphic>
+      </p:graphicFrame>
+      <p:graphicFrame>
+        <p:nvGraphicFramePr>
+          <p:cNvPr id="4" name="Table 3">
+            <a:extLst>
+              <a:ext uri="{FF2B5EF4-FFF2-40B4-BE49-F238E27FC236}">
+                <a16:creationId xmlns:a16="http://schemas.microsoft.com/office/drawing/2014/main" id="{9976E6BA-408A-38EF-CBE8-2251EBE2072B}"/>
+              </a:ext>
+            </a:extLst>
+          </p:cNvPr>
+          <p:cNvGraphicFramePr>
+            <a:graphicFrameLocks noGrp="1"/>
+          </p:cNvGraphicFramePr>
+          <p:nvPr>
+            <p:extLst>
+              <p:ext uri="{D42A27DB-BD31-4B8C-83A1-F6EECF244321}">
+                <p14:modId xmlns:p14="http://schemas.microsoft.com/office/powerpoint/2010/main" val="787335073"/>
+              </p:ext>
+            </p:extLst>
+          </p:nvPr>
+        </p:nvGraphicFramePr>
+        <p:xfrm>
+          <a:off x="5880160" y="3316599"/>
+          <a:ext cx="5537200" cy="1112520"/>
+        </p:xfrm>
+        <a:graphic>
+          <a:graphicData uri="http://schemas.openxmlformats.org/drawingml/2006/table">
+            <a:tbl>
+              <a:tblPr firstRow="1" bandRow="1">
+                <a:tableStyleId>{5C22544A-7EE6-4342-B048-85BDC9FD1C3A}</a:tableStyleId>
+              </a:tblPr>
+              <a:tblGrid>
+                <a:gridCol w="2768600">
+                  <a:extLst>
+                    <a:ext uri="{9D8B030D-6E8A-4147-A177-3AD203B41FA5}">
+                      <a16:colId xmlns:a16="http://schemas.microsoft.com/office/drawing/2014/main" val="114078865"/>
+                    </a:ext>
+                  </a:extLst>
+                </a:gridCol>
+                <a:gridCol w="2768600">
+                  <a:extLst>
+                    <a:ext uri="{9D8B030D-6E8A-4147-A177-3AD203B41FA5}">
+                      <a16:colId xmlns:a16="http://schemas.microsoft.com/office/drawing/2014/main" val="2223237025"/>
+                    </a:ext>
+                  </a:extLst>
+                </a:gridCol>
+              </a:tblGrid>
+              <a:tr h="370840">
+                <a:tc>
+                  <a:txBody>
+                    <a:bodyPr/>
+                    <a:lstStyle/>
+                    <a:p>
+                      <a:r>
+                        <a:rPr lang="en-US" dirty="0">
+                          <a:solidFill>
+                            <a:schemeClr val="tx1"/>
+                          </a:solidFill>
+                        </a:rPr>
+                        <a:t>Metric</a:t>
+                      </a:r>
+                      <a:endParaRPr lang="en-IN" dirty="0">
+                        <a:solidFill>
+                          <a:schemeClr val="tx1"/>
+                        </a:solidFill>
+                      </a:endParaRPr>
+                    </a:p>
+                  </a:txBody>
+                  <a:tcPr/>
+                </a:tc>
+                <a:tc>
+                  <a:txBody>
+                    <a:bodyPr/>
+                    <a:lstStyle/>
+                    <a:p>
+                      <a:r>
+                        <a:rPr lang="en-US" dirty="0">
+                          <a:solidFill>
+                            <a:schemeClr val="tx1"/>
+                          </a:solidFill>
+                        </a:rPr>
+                        <a:t>Value</a:t>
+                      </a:r>
+                      <a:endParaRPr lang="en-IN" dirty="0">
+                        <a:solidFill>
+                          <a:schemeClr val="tx1"/>
+                        </a:solidFill>
+                      </a:endParaRPr>
+                    </a:p>
+                  </a:txBody>
+                  <a:tcPr/>
+                </a:tc>
+                <a:extLst>
+                  <a:ext uri="{0D108BD9-81ED-4DB2-BD59-A6C34878D82A}">
+                    <a16:rowId xmlns:a16="http://schemas.microsoft.com/office/drawing/2014/main" val="706564752"/>
+                  </a:ext>
+                </a:extLst>
+              </a:tr>
+              <a:tr h="370840">
+                <a:tc>
+                  <a:txBody>
+                    <a:bodyPr/>
+                    <a:lstStyle/>
+                    <a:p>
+                      <a:r>
+                        <a:rPr lang="en-US" dirty="0">
+                          <a:solidFill>
+                            <a:schemeClr val="tx1"/>
+                          </a:solidFill>
+                        </a:rPr>
+                        <a:t>R Squared</a:t>
+                      </a:r>
+                      <a:endParaRPr lang="en-IN" dirty="0">
+                        <a:solidFill>
+                          <a:schemeClr val="tx1"/>
+                        </a:solidFill>
+                      </a:endParaRPr>
+                    </a:p>
+                  </a:txBody>
+                  <a:tcPr/>
+                </a:tc>
+                <a:tc>
+                  <a:txBody>
+                    <a:bodyPr/>
+                    <a:lstStyle/>
+                    <a:p>
+                      <a:r>
+                        <a:rPr lang="en-US" dirty="0"/>
+                        <a:t>0.8688</a:t>
+                      </a:r>
+                      <a:endParaRPr lang="en-IN" dirty="0"/>
+                    </a:p>
+                  </a:txBody>
+                  <a:tcPr/>
+                </a:tc>
+                <a:extLst>
+                  <a:ext uri="{0D108BD9-81ED-4DB2-BD59-A6C34878D82A}">
+                    <a16:rowId xmlns:a16="http://schemas.microsoft.com/office/drawing/2014/main" val="3233298214"/>
+                  </a:ext>
+                </a:extLst>
+              </a:tr>
+              <a:tr h="370840">
+                <a:tc>
+                  <a:txBody>
+                    <a:bodyPr/>
+                    <a:lstStyle/>
+                    <a:p>
+                      <a:r>
+                        <a:rPr lang="en-US" dirty="0"/>
+                        <a:t>MSE</a:t>
+                      </a:r>
+                      <a:endParaRPr lang="en-IN" dirty="0"/>
+                    </a:p>
+                  </a:txBody>
+                  <a:tcPr/>
+                </a:tc>
+                <a:tc>
+                  <a:txBody>
+                    <a:bodyPr/>
+                    <a:lstStyle/>
+                    <a:p>
+                      <a:r>
+                        <a:rPr lang="en-US" dirty="0"/>
+                        <a:t>0.6225</a:t>
+                      </a:r>
+                      <a:endParaRPr lang="en-IN" dirty="0"/>
+                    </a:p>
+                  </a:txBody>
+                  <a:tcPr/>
+                </a:tc>
+                <a:extLst>
+                  <a:ext uri="{0D108BD9-81ED-4DB2-BD59-A6C34878D82A}">
+                    <a16:rowId xmlns:a16="http://schemas.microsoft.com/office/drawing/2014/main" val="3083219121"/>
+                  </a:ext>
+                </a:extLst>
+              </a:tr>
+            </a:tbl>
+          </a:graphicData>
+        </a:graphic>
+      </p:graphicFrame>
+      <p:sp>
+        <p:nvSpPr>
+          <p:cNvPr id="37" name="TextBox 36">
+            <a:extLst>
+              <a:ext uri="{FF2B5EF4-FFF2-40B4-BE49-F238E27FC236}">
+                <a16:creationId xmlns:a16="http://schemas.microsoft.com/office/drawing/2014/main" id="{A322E03A-A1B0-C270-EB38-0BD24767A015}"/>
+              </a:ext>
+            </a:extLst>
+          </p:cNvPr>
+          <p:cNvSpPr txBox="1"/>
+          <p:nvPr/>
+        </p:nvSpPr>
+        <p:spPr>
+          <a:xfrm>
+            <a:off x="1456267" y="2269067"/>
+            <a:ext cx="1823961" cy="369332"/>
+          </a:xfrm>
+          <a:prstGeom prst="rect">
+            <a:avLst/>
+          </a:prstGeom>
+          <a:noFill/>
+        </p:spPr>
+        <p:txBody>
+          <a:bodyPr wrap="none" rtlCol="0">
+            <a:spAutoFit/>
+          </a:bodyPr>
+          <a:lstStyle/>
+          <a:p>
+            <a:r>
+              <a:rPr lang="en-US" dirty="0"/>
+              <a:t>With 22 features</a:t>
+            </a:r>
+            <a:endParaRPr lang="en-IN" dirty="0"/>
+          </a:p>
+        </p:txBody>
+      </p:sp>
+      <p:sp>
+        <p:nvSpPr>
+          <p:cNvPr id="39" name="TextBox 38">
+            <a:extLst>
+              <a:ext uri="{FF2B5EF4-FFF2-40B4-BE49-F238E27FC236}">
+                <a16:creationId xmlns:a16="http://schemas.microsoft.com/office/drawing/2014/main" id="{2D7F9AE9-1BEF-8FD4-9A6E-463F31DD6A14}"/>
+              </a:ext>
+            </a:extLst>
+          </p:cNvPr>
+          <p:cNvSpPr txBox="1"/>
+          <p:nvPr/>
+        </p:nvSpPr>
+        <p:spPr>
+          <a:xfrm>
+            <a:off x="7171267" y="2269067"/>
+            <a:ext cx="1823961" cy="369332"/>
+          </a:xfrm>
+          <a:prstGeom prst="rect">
+            <a:avLst/>
+          </a:prstGeom>
+          <a:noFill/>
+        </p:spPr>
+        <p:txBody>
+          <a:bodyPr wrap="square">
+            <a:spAutoFit/>
+          </a:bodyPr>
+          <a:lstStyle/>
+          <a:p>
+            <a:r>
+              <a:rPr lang="en-US" dirty="0"/>
+              <a:t>With 4 features</a:t>
+            </a:r>
+            <a:endParaRPr lang="en-IN" dirty="0"/>
           </a:p>
         </p:txBody>
       </p:sp>
     </p:spTree>
     <p:extLst>
       <p:ext uri="{BB962C8B-B14F-4D97-AF65-F5344CB8AC3E}">
-        <p14:creationId xmlns:p14="http://schemas.microsoft.com/office/powerpoint/2010/main" val="2665367956"/>
+        <p14:creationId xmlns:p14="http://schemas.microsoft.com/office/powerpoint/2010/main" val="656453963"/>
       </p:ext>
     </p:extLst>
   </p:cSld>
@@ -18879,30 +18892,168 @@
           <p:cNvPr id="2" name="Title 1">
             <a:extLst>
               <a:ext uri="{FF2B5EF4-FFF2-40B4-BE49-F238E27FC236}">
-                <a16:creationId xmlns:a16="http://schemas.microsoft.com/office/drawing/2014/main" id="{6CE27DCE-C209-D0C2-2B41-CC8B2EC629C8}"/>
-              </a:ext>
-            </a:extLst>
-          </p:cNvPr>
-          <p:cNvSpPr>
-            <a:spLocks noGrp="1"/>
-          </p:cNvSpPr>
-          <p:nvPr>
-            <p:ph type="ctrTitle"/>
-          </p:nvPr>
-        </p:nvSpPr>
-        <p:spPr/>
+                <a16:creationId xmlns:a16="http://schemas.microsoft.com/office/drawing/2014/main" id="{1A47FBC9-48D3-FEBD-9FC8-246BB10CB0DA}"/>
+              </a:ext>
+            </a:extLst>
+          </p:cNvPr>
+          <p:cNvSpPr>
+            <a:spLocks noGrp="1"/>
+          </p:cNvSpPr>
+          <p:nvPr>
+            <p:ph type="title"/>
+          </p:nvPr>
+        </p:nvSpPr>
+        <p:spPr>
+          <a:xfrm>
+            <a:off x="2146045" y="859229"/>
+            <a:ext cx="8156058" cy="962023"/>
+          </a:xfrm>
+        </p:spPr>
         <p:txBody>
           <a:bodyPr/>
           <a:lstStyle/>
           <a:p>
+            <a:pPr algn="ctr"/>
+            <a:r>
+              <a:rPr lang="en-US" dirty="0"/>
+              <a:t>Importance of features</a:t>
+            </a:r>
             <a:endParaRPr lang="en-IN" dirty="0"/>
           </a:p>
         </p:txBody>
       </p:sp>
+      <p:sp>
+        <p:nvSpPr>
+          <p:cNvPr id="7" name="Slide Number Placeholder 6">
+            <a:extLst>
+              <a:ext uri="{FF2B5EF4-FFF2-40B4-BE49-F238E27FC236}">
+                <a16:creationId xmlns:a16="http://schemas.microsoft.com/office/drawing/2014/main" id="{C2DC2508-55B6-9BBF-BBFC-51DC5A5CB9F9}"/>
+              </a:ext>
+            </a:extLst>
+          </p:cNvPr>
+          <p:cNvSpPr>
+            <a:spLocks noGrp="1"/>
+          </p:cNvSpPr>
+          <p:nvPr>
+            <p:ph type="sldNum" sz="quarter" idx="12"/>
+          </p:nvPr>
+        </p:nvSpPr>
+        <p:spPr/>
+        <p:txBody>
+          <a:bodyPr/>
+          <a:lstStyle/>
+          <a:p>
+            <a:pPr marL="0" marR="0" lvl="0" indent="0" algn="r" defTabSz="914400" rtl="0" eaLnBrk="1" fontAlgn="auto" latinLnBrk="0" hangingPunct="1">
+              <a:lnSpc>
+                <a:spcPct val="100000"/>
+              </a:lnSpc>
+              <a:spcBef>
+                <a:spcPts val="0"/>
+              </a:spcBef>
+              <a:spcAft>
+                <a:spcPts val="0"/>
+              </a:spcAft>
+              <a:buClrTx/>
+              <a:buSzTx/>
+              <a:buFontTx/>
+              <a:buNone/>
+              <a:tabLst/>
+              <a:defRPr/>
+            </a:pPr>
+            <a:fld id="{B5CEABB6-07DC-46E8-9B57-56EC44A396E5}" type="slidenum">
+              <a:rPr kumimoji="0" lang="en-US" sz="900" b="0" i="0" u="none" strike="noStrike" kern="1200" cap="none" spc="0" normalizeH="0" baseline="0" noProof="0" smtClean="0">
+                <a:ln>
+                  <a:noFill/>
+                </a:ln>
+                <a:solidFill>
+                  <a:prstClr val="black">
+                    <a:tint val="75000"/>
+                  </a:prstClr>
+                </a:solidFill>
+                <a:effectLst/>
+                <a:uLnTx/>
+                <a:uFillTx/>
+                <a:latin typeface="Tenorite"/>
+                <a:ea typeface="+mn-ea"/>
+                <a:cs typeface="+mn-cs"/>
+              </a:rPr>
+              <a:pPr marL="0" marR="0" lvl="0" indent="0" algn="r" defTabSz="914400" rtl="0" eaLnBrk="1" fontAlgn="auto" latinLnBrk="0" hangingPunct="1">
+                <a:lnSpc>
+                  <a:spcPct val="100000"/>
+                </a:lnSpc>
+                <a:spcBef>
+                  <a:spcPts val="0"/>
+                </a:spcBef>
+                <a:spcAft>
+                  <a:spcPts val="0"/>
+                </a:spcAft>
+                <a:buClrTx/>
+                <a:buSzTx/>
+                <a:buFontTx/>
+                <a:buNone/>
+                <a:tabLst/>
+                <a:defRPr/>
+              </a:pPr>
+              <a:t>22</a:t>
+            </a:fld>
+            <a:endParaRPr kumimoji="0" lang="en-US" sz="900" b="0" i="0" u="none" strike="noStrike" kern="1200" cap="none" spc="0" normalizeH="0" baseline="0" noProof="0" dirty="0">
+              <a:ln>
+                <a:noFill/>
+              </a:ln>
+              <a:solidFill>
+                <a:prstClr val="black">
+                  <a:tint val="75000"/>
+                </a:prstClr>
+              </a:solidFill>
+              <a:effectLst/>
+              <a:uLnTx/>
+              <a:uFillTx/>
+              <a:latin typeface="Tenorite"/>
+              <a:ea typeface="+mn-ea"/>
+              <a:cs typeface="+mn-cs"/>
+            </a:endParaRPr>
+          </a:p>
+        </p:txBody>
+      </p:sp>
+      <p:pic>
+        <p:nvPicPr>
+          <p:cNvPr id="5" name="Picture 4">
+            <a:extLst>
+              <a:ext uri="{FF2B5EF4-FFF2-40B4-BE49-F238E27FC236}">
+                <a16:creationId xmlns:a16="http://schemas.microsoft.com/office/drawing/2014/main" id="{8C7D31D8-E6C1-EB4C-929B-52B35C2A980F}"/>
+              </a:ext>
+            </a:extLst>
+          </p:cNvPr>
+          <p:cNvPicPr>
+            <a:picLocks noChangeAspect="1"/>
+          </p:cNvPicPr>
+          <p:nvPr/>
+        </p:nvPicPr>
+        <p:blipFill>
+          <a:blip r:embed="rId2">
+            <a:extLst>
+              <a:ext uri="{28A0092B-C50C-407E-A947-70E740481C1C}">
+                <a14:useLocalDpi xmlns:a14="http://schemas.microsoft.com/office/drawing/2010/main" val="0"/>
+              </a:ext>
+            </a:extLst>
+          </a:blip>
+          <a:srcRect/>
+          <a:stretch/>
+        </p:blipFill>
+        <p:spPr>
+          <a:xfrm>
+            <a:off x="2878667" y="1821252"/>
+            <a:ext cx="5850466" cy="3667637"/>
+          </a:xfrm>
+          <a:prstGeom prst="rect">
+            <a:avLst/>
+          </a:prstGeom>
+        </p:spPr>
+      </p:pic>
     </p:spTree>
     <p:extLst>
       <p:ext uri="{BB962C8B-B14F-4D97-AF65-F5344CB8AC3E}">
-        <p14:creationId xmlns:p14="http://schemas.microsoft.com/office/powerpoint/2010/main" val="656453963"/>
+        <p14:creationId xmlns:p14="http://schemas.microsoft.com/office/powerpoint/2010/main" val="1192853374"/>
       </p:ext>
     </p:extLst>
   </p:cSld>
@@ -18934,7 +19085,7 @@
           <p:cNvPr id="2" name="Title 1">
             <a:extLst>
               <a:ext uri="{FF2B5EF4-FFF2-40B4-BE49-F238E27FC236}">
-                <a16:creationId xmlns:a16="http://schemas.microsoft.com/office/drawing/2014/main" id="{1A47FBC9-48D3-FEBD-9FC8-246BB10CB0DA}"/>
+                <a16:creationId xmlns:a16="http://schemas.microsoft.com/office/drawing/2014/main" id="{67708C79-A4AC-4B5D-92DF-600737E4D11A}"/>
               </a:ext>
             </a:extLst>
           </p:cNvPr>
@@ -18947,64 +19098,312 @@
         </p:nvSpPr>
         <p:spPr>
           <a:xfrm>
-            <a:off x="2146045" y="859229"/>
-            <a:ext cx="8156058" cy="962023"/>
+            <a:off x="838200" y="5509419"/>
+            <a:ext cx="4082142" cy="585788"/>
           </a:xfrm>
         </p:spPr>
         <p:txBody>
           <a:bodyPr/>
           <a:lstStyle/>
           <a:p>
-            <a:pPr algn="ctr"/>
             <a:r>
               <a:rPr lang="en-US" dirty="0"/>
-              <a:t>Test accuracy for updated data</a:t>
-            </a:r>
-            <a:endParaRPr lang="en-IN" dirty="0"/>
-          </a:p>
-        </p:txBody>
-      </p:sp>
-      <p:sp>
-        <p:nvSpPr>
-          <p:cNvPr id="3" name="Text Placeholder 2">
-            <a:extLst>
-              <a:ext uri="{FF2B5EF4-FFF2-40B4-BE49-F238E27FC236}">
-                <a16:creationId xmlns:a16="http://schemas.microsoft.com/office/drawing/2014/main" id="{DB5F4A26-ED4D-3644-B3DF-DCBAF425BF61}"/>
-              </a:ext>
-            </a:extLst>
-          </p:cNvPr>
-          <p:cNvSpPr>
-            <a:spLocks noGrp="1"/>
-          </p:cNvSpPr>
-          <p:nvPr>
-            <p:ph type="body" idx="1"/>
-          </p:nvPr>
-        </p:nvSpPr>
-        <p:spPr>
-          <a:xfrm>
-            <a:off x="4261924" y="5420519"/>
-            <a:ext cx="3924300" cy="823912"/>
+              <a:t>Use Cases</a:t>
+            </a:r>
+          </a:p>
+        </p:txBody>
+      </p:sp>
+      <p:sp>
+        <p:nvSpPr>
+          <p:cNvPr id="3" name="Content Placeholder 2">
+            <a:extLst>
+              <a:ext uri="{FF2B5EF4-FFF2-40B4-BE49-F238E27FC236}">
+                <a16:creationId xmlns:a16="http://schemas.microsoft.com/office/drawing/2014/main" id="{7D779DE4-CAEA-4617-897E-FEC9A2AC2D6A}"/>
+              </a:ext>
+            </a:extLst>
+          </p:cNvPr>
+          <p:cNvSpPr>
+            <a:spLocks noGrp="1"/>
+          </p:cNvSpPr>
+          <p:nvPr>
+            <p:ph type="body" sz="quarter" idx="13"/>
+          </p:nvPr>
+        </p:nvSpPr>
+        <p:spPr>
+          <a:xfrm>
+            <a:off x="148318" y="1481138"/>
+            <a:ext cx="2141764" cy="514350"/>
+          </a:xfrm>
+        </p:spPr>
+        <p:txBody>
+          <a:bodyPr vert="horz" lIns="91440" tIns="45720" rIns="91440" bIns="45720" rtlCol="0" anchor="ctr">
+            <a:normAutofit/>
+          </a:bodyPr>
+          <a:lstStyle/>
+          <a:p>
+            <a:r>
+              <a:rPr lang="en-US" dirty="0"/>
+              <a:t>Credit scoring</a:t>
+            </a:r>
+          </a:p>
+        </p:txBody>
+      </p:sp>
+      <p:sp>
+        <p:nvSpPr>
+          <p:cNvPr id="4" name="Text Placeholder 3">
+            <a:extLst>
+              <a:ext uri="{FF2B5EF4-FFF2-40B4-BE49-F238E27FC236}">
+                <a16:creationId xmlns:a16="http://schemas.microsoft.com/office/drawing/2014/main" id="{F5FF1291-56EB-4A7B-A198-1D91F9ECC5D3}"/>
+              </a:ext>
+            </a:extLst>
+          </p:cNvPr>
+          <p:cNvSpPr>
+            <a:spLocks noGrp="1"/>
+          </p:cNvSpPr>
+          <p:nvPr>
+            <p:ph type="body" sz="quarter" idx="14"/>
+          </p:nvPr>
+        </p:nvSpPr>
+        <p:spPr>
+          <a:xfrm>
+            <a:off x="714375" y="2557463"/>
+            <a:ext cx="2141764" cy="514350"/>
           </a:xfrm>
         </p:spPr>
         <p:txBody>
           <a:bodyPr/>
           <a:lstStyle/>
           <a:p>
-            <a:pPr algn="ctr"/>
             <a:r>
               <a:rPr lang="en-US" dirty="0"/>
-              <a:t>Bar Chart</a:t>
-            </a:r>
-            <a:endParaRPr lang="en-IN" dirty="0"/>
-          </a:p>
-        </p:txBody>
-      </p:sp>
-      <p:sp>
-        <p:nvSpPr>
-          <p:cNvPr id="7" name="Slide Number Placeholder 6">
-            <a:extLst>
-              <a:ext uri="{FF2B5EF4-FFF2-40B4-BE49-F238E27FC236}">
-                <a16:creationId xmlns:a16="http://schemas.microsoft.com/office/drawing/2014/main" id="{C2DC2508-55B6-9BBF-BBFC-51DC5A5CB9F9}"/>
+              <a:t>Marketing</a:t>
+            </a:r>
+          </a:p>
+        </p:txBody>
+      </p:sp>
+      <p:sp>
+        <p:nvSpPr>
+          <p:cNvPr id="5" name="Text Placeholder 4">
+            <a:extLst>
+              <a:ext uri="{FF2B5EF4-FFF2-40B4-BE49-F238E27FC236}">
+                <a16:creationId xmlns:a16="http://schemas.microsoft.com/office/drawing/2014/main" id="{6184E21C-7534-4FB5-9709-F7D1A11034F3}"/>
+              </a:ext>
+            </a:extLst>
+          </p:cNvPr>
+          <p:cNvSpPr>
+            <a:spLocks noGrp="1"/>
+          </p:cNvSpPr>
+          <p:nvPr>
+            <p:ph type="body" sz="quarter" idx="15"/>
+          </p:nvPr>
+        </p:nvSpPr>
+        <p:spPr>
+          <a:xfrm>
+            <a:off x="1320800" y="3633788"/>
+            <a:ext cx="2141764" cy="514350"/>
+          </a:xfrm>
+        </p:spPr>
+        <p:txBody>
+          <a:bodyPr/>
+          <a:lstStyle/>
+          <a:p>
+            <a:r>
+              <a:rPr lang="en-US" dirty="0"/>
+              <a:t>Government policy</a:t>
+            </a:r>
+          </a:p>
+        </p:txBody>
+      </p:sp>
+      <p:sp>
+        <p:nvSpPr>
+          <p:cNvPr id="6" name="Text Placeholder 5">
+            <a:extLst>
+              <a:ext uri="{FF2B5EF4-FFF2-40B4-BE49-F238E27FC236}">
+                <a16:creationId xmlns:a16="http://schemas.microsoft.com/office/drawing/2014/main" id="{5C594564-4FC6-401A-8586-44735EE819EC}"/>
+              </a:ext>
+            </a:extLst>
+          </p:cNvPr>
+          <p:cNvSpPr>
+            <a:spLocks noGrp="1"/>
+          </p:cNvSpPr>
+          <p:nvPr>
+            <p:ph type="body" sz="quarter" idx="16"/>
+          </p:nvPr>
+        </p:nvSpPr>
+        <p:spPr>
+          <a:xfrm>
+            <a:off x="1905000" y="4710114"/>
+            <a:ext cx="2141764" cy="514350"/>
+          </a:xfrm>
+        </p:spPr>
+        <p:txBody>
+          <a:bodyPr/>
+          <a:lstStyle/>
+          <a:p>
+            <a:r>
+              <a:rPr lang="en-US" dirty="0"/>
+              <a:t>Education planning</a:t>
+            </a:r>
+          </a:p>
+        </p:txBody>
+      </p:sp>
+      <p:sp>
+        <p:nvSpPr>
+          <p:cNvPr id="7" name="Text Placeholder 6">
+            <a:extLst>
+              <a:ext uri="{FF2B5EF4-FFF2-40B4-BE49-F238E27FC236}">
+                <a16:creationId xmlns:a16="http://schemas.microsoft.com/office/drawing/2014/main" id="{D7EB25CA-DA83-483D-AF83-0001BDF2DE2B}"/>
+              </a:ext>
+            </a:extLst>
+          </p:cNvPr>
+          <p:cNvSpPr>
+            <a:spLocks noGrp="1"/>
+          </p:cNvSpPr>
+          <p:nvPr>
+            <p:ph type="body" sz="quarter" idx="17"/>
+          </p:nvPr>
+        </p:nvSpPr>
+        <p:spPr>
+          <a:xfrm>
+            <a:off x="4401535" y="1594478"/>
+            <a:ext cx="5539095" cy="1010842"/>
+          </a:xfrm>
+        </p:spPr>
+        <p:txBody>
+          <a:bodyPr/>
+          <a:lstStyle/>
+          <a:p>
+            <a:r>
+              <a:rPr lang="en-US" b="0" i="0" dirty="0">
+                <a:effectLst/>
+              </a:rPr>
+              <a:t>Financial institutions can use the analysis to assess an individual's creditworthiness. By considering income, employment, and other factors, they can make informed decisions on lending and setting interest rates</a:t>
+            </a:r>
+            <a:r>
+              <a:rPr lang="en-US" b="0" i="0" dirty="0">
+                <a:effectLst/>
+                <a:latin typeface="Söhne"/>
+              </a:rPr>
+              <a:t>.</a:t>
+            </a:r>
+            <a:endParaRPr lang="en-US" dirty="0"/>
+          </a:p>
+        </p:txBody>
+      </p:sp>
+      <p:sp>
+        <p:nvSpPr>
+          <p:cNvPr id="8" name="Text Placeholder 7">
+            <a:extLst>
+              <a:ext uri="{FF2B5EF4-FFF2-40B4-BE49-F238E27FC236}">
+                <a16:creationId xmlns:a16="http://schemas.microsoft.com/office/drawing/2014/main" id="{B46CE8C6-E12D-4A0D-8553-7FFA31941D56}"/>
+              </a:ext>
+            </a:extLst>
+          </p:cNvPr>
+          <p:cNvSpPr>
+            <a:spLocks noGrp="1"/>
+          </p:cNvSpPr>
+          <p:nvPr>
+            <p:ph type="body" sz="quarter" idx="18"/>
+          </p:nvPr>
+        </p:nvSpPr>
+        <p:spPr>
+          <a:xfrm>
+            <a:off x="4986028" y="2682564"/>
+            <a:ext cx="5539095" cy="1010842"/>
+          </a:xfrm>
+        </p:spPr>
+        <p:txBody>
+          <a:bodyPr/>
+          <a:lstStyle/>
+          <a:p>
+            <a:r>
+              <a:rPr lang="en-US" b="0" i="0" dirty="0">
+                <a:effectLst/>
+              </a:rPr>
+              <a:t>Companies can target their marketing efforts more effectively by understanding the income and demographic profiles of their customers. This can lead to personalized advertising and product recommendations.</a:t>
+            </a:r>
+            <a:endParaRPr lang="en-US" dirty="0"/>
+          </a:p>
+        </p:txBody>
+      </p:sp>
+      <p:sp>
+        <p:nvSpPr>
+          <p:cNvPr id="9" name="Text Placeholder 8">
+            <a:extLst>
+              <a:ext uri="{FF2B5EF4-FFF2-40B4-BE49-F238E27FC236}">
+                <a16:creationId xmlns:a16="http://schemas.microsoft.com/office/drawing/2014/main" id="{1C7D5285-85DF-4331-A6FA-1AE847CA47AE}"/>
+              </a:ext>
+            </a:extLst>
+          </p:cNvPr>
+          <p:cNvSpPr>
+            <a:spLocks noGrp="1"/>
+          </p:cNvSpPr>
+          <p:nvPr>
+            <p:ph type="body" sz="quarter" idx="19"/>
+          </p:nvPr>
+        </p:nvSpPr>
+        <p:spPr>
+          <a:xfrm>
+            <a:off x="5576937" y="3755394"/>
+            <a:ext cx="5539095" cy="1010842"/>
+          </a:xfrm>
+        </p:spPr>
+        <p:txBody>
+          <a:bodyPr/>
+          <a:lstStyle/>
+          <a:p>
+            <a:r>
+              <a:rPr lang="en-US" b="0" i="0" dirty="0">
+                <a:effectLst/>
+              </a:rPr>
+              <a:t>Governments and policymakers can use the analysis to design and evaluate social programs, tax policies, and measures aimed at reducing income inequality or improving economic conditions for specific demographic groups.</a:t>
+            </a:r>
+            <a:endParaRPr lang="en-US" dirty="0"/>
+          </a:p>
+        </p:txBody>
+      </p:sp>
+      <p:sp>
+        <p:nvSpPr>
+          <p:cNvPr id="10" name="Text Placeholder 9">
+            <a:extLst>
+              <a:ext uri="{FF2B5EF4-FFF2-40B4-BE49-F238E27FC236}">
+                <a16:creationId xmlns:a16="http://schemas.microsoft.com/office/drawing/2014/main" id="{02D305EF-9A88-496B-BFC1-D589A01EE381}"/>
+              </a:ext>
+            </a:extLst>
+          </p:cNvPr>
+          <p:cNvSpPr>
+            <a:spLocks noGrp="1"/>
+          </p:cNvSpPr>
+          <p:nvPr>
+            <p:ph type="body" sz="quarter" idx="20"/>
+          </p:nvPr>
+        </p:nvSpPr>
+        <p:spPr>
+          <a:xfrm>
+            <a:off x="6175279" y="4824430"/>
+            <a:ext cx="5539095" cy="1010842"/>
+          </a:xfrm>
+        </p:spPr>
+        <p:txBody>
+          <a:bodyPr/>
+          <a:lstStyle/>
+          <a:p>
+            <a:r>
+              <a:rPr lang="en-US" b="0" i="0" dirty="0">
+                <a:effectLst/>
+              </a:rPr>
+              <a:t>Educational institutions can use the information to create targeted scholarship programs, improve educational outcomes, and provide resources to students from underprivileged backgrounds.</a:t>
+            </a:r>
+            <a:endParaRPr lang="en-US" dirty="0"/>
+          </a:p>
+        </p:txBody>
+      </p:sp>
+      <p:sp>
+        <p:nvSpPr>
+          <p:cNvPr id="13" name="Slide Number Placeholder 12">
+            <a:extLst>
+              <a:ext uri="{FF2B5EF4-FFF2-40B4-BE49-F238E27FC236}">
+                <a16:creationId xmlns:a16="http://schemas.microsoft.com/office/drawing/2014/main" id="{E3984D70-BD95-4E1F-9725-902B5D74DED6}"/>
               </a:ext>
             </a:extLst>
           </p:cNvPr>
@@ -19015,7 +19414,12 @@
             <p:ph type="sldNum" sz="quarter" idx="12"/>
           </p:nvPr>
         </p:nvSpPr>
-        <p:spPr/>
+        <p:spPr>
+          <a:xfrm>
+            <a:off x="10810874" y="6356350"/>
+            <a:ext cx="542925" cy="365125"/>
+          </a:xfrm>
+        </p:spPr>
         <p:txBody>
           <a:bodyPr/>
           <a:lstStyle/>
@@ -19092,39 +19496,10 @@
           </a:p>
         </p:txBody>
       </p:sp>
-      <p:pic>
-        <p:nvPicPr>
-          <p:cNvPr id="17" name="Content Placeholder 16">
-            <a:extLst>
-              <a:ext uri="{FF2B5EF4-FFF2-40B4-BE49-F238E27FC236}">
-                <a16:creationId xmlns:a16="http://schemas.microsoft.com/office/drawing/2014/main" id="{B2223F9F-7F8D-20D7-67EC-F0C51FACC919}"/>
-              </a:ext>
-            </a:extLst>
-          </p:cNvPr>
-          <p:cNvPicPr>
-            <a:picLocks noGrp="1" noChangeAspect="1"/>
-          </p:cNvPicPr>
-          <p:nvPr>
-            <p:ph sz="half" idx="2"/>
-          </p:nvPr>
-        </p:nvPicPr>
-        <p:blipFill>
-          <a:blip r:embed="rId2"/>
-          <a:stretch>
-            <a:fillRect/>
-          </a:stretch>
-        </p:blipFill>
-        <p:spPr>
-          <a:xfrm>
-            <a:off x="3278750" y="2192186"/>
-            <a:ext cx="5890649" cy="3640289"/>
-          </a:xfrm>
-        </p:spPr>
-      </p:pic>
     </p:spTree>
     <p:extLst>
       <p:ext uri="{BB962C8B-B14F-4D97-AF65-F5344CB8AC3E}">
-        <p14:creationId xmlns:p14="http://schemas.microsoft.com/office/powerpoint/2010/main" val="4035380318"/>
+        <p14:creationId xmlns:p14="http://schemas.microsoft.com/office/powerpoint/2010/main" val="1738561688"/>
       </p:ext>
     </p:extLst>
   </p:cSld>
@@ -19153,45 +19528,80 @@
       </p:grpSpPr>
       <p:sp>
         <p:nvSpPr>
-          <p:cNvPr id="11" name="Title 10">
-            <a:extLst>
-              <a:ext uri="{FF2B5EF4-FFF2-40B4-BE49-F238E27FC236}">
-                <a16:creationId xmlns:a16="http://schemas.microsoft.com/office/drawing/2014/main" id="{B1B29E87-9C2C-400B-834D-4E4BD6E944D0}"/>
-              </a:ext>
-            </a:extLst>
-          </p:cNvPr>
-          <p:cNvSpPr>
-            <a:spLocks noGrp="1"/>
-          </p:cNvSpPr>
-          <p:nvPr>
-            <p:ph type="title"/>
-          </p:nvPr>
-        </p:nvSpPr>
-        <p:spPr>
-          <a:xfrm>
-            <a:off x="838200" y="365125"/>
-            <a:ext cx="10515600" cy="1325563"/>
-          </a:xfrm>
-        </p:spPr>
-        <p:txBody>
-          <a:bodyPr anchor="ctr">
+          <p:cNvPr id="2" name="Title 1">
+            <a:extLst>
+              <a:ext uri="{FF2B5EF4-FFF2-40B4-BE49-F238E27FC236}">
+                <a16:creationId xmlns:a16="http://schemas.microsoft.com/office/drawing/2014/main" id="{BCCAEE93-8585-46D4-A7EC-F184E317CB2E}"/>
+              </a:ext>
+            </a:extLst>
+          </p:cNvPr>
+          <p:cNvSpPr>
+            <a:spLocks noGrp="1"/>
+          </p:cNvSpPr>
+          <p:nvPr>
+            <p:ph type="ctrTitle"/>
+          </p:nvPr>
+        </p:nvSpPr>
+        <p:spPr>
+          <a:xfrm>
+            <a:off x="4267200" y="1615736"/>
+            <a:ext cx="4179570" cy="1524735"/>
+          </a:xfrm>
+        </p:spPr>
+        <p:txBody>
+          <a:bodyPr/>
+          <a:lstStyle/>
+          <a:p>
+            <a:pPr algn="ctr"/>
+            <a:r>
+              <a:rPr lang="en-US" sz="3600" dirty="0"/>
+              <a:t>THANK YOU</a:t>
+            </a:r>
+          </a:p>
+        </p:txBody>
+      </p:sp>
+      <p:sp>
+        <p:nvSpPr>
+          <p:cNvPr id="3" name="Content Placeholder 2">
+            <a:extLst>
+              <a:ext uri="{FF2B5EF4-FFF2-40B4-BE49-F238E27FC236}">
+                <a16:creationId xmlns:a16="http://schemas.microsoft.com/office/drawing/2014/main" id="{24AFFC60-19C3-4901-93F7-7AAF4C09F8C6}"/>
+              </a:ext>
+            </a:extLst>
+          </p:cNvPr>
+          <p:cNvSpPr>
+            <a:spLocks noGrp="1"/>
+          </p:cNvSpPr>
+          <p:nvPr>
+            <p:ph type="subTitle" idx="1"/>
+          </p:nvPr>
+        </p:nvSpPr>
+        <p:spPr>
+          <a:xfrm>
+            <a:off x="4267200" y="3238103"/>
+            <a:ext cx="4179570" cy="2004161"/>
+          </a:xfrm>
+        </p:spPr>
+        <p:txBody>
+          <a:bodyPr>
             <a:normAutofit/>
           </a:bodyPr>
           <a:lstStyle/>
           <a:p>
-            <a:r>
-              <a:rPr lang="en-US" dirty="0"/>
-              <a:t>Sample result Dataset</a:t>
-            </a:r>
-          </a:p>
-        </p:txBody>
-      </p:sp>
-      <p:sp>
-        <p:nvSpPr>
-          <p:cNvPr id="4" name="Slide Number Placeholder 3">
-            <a:extLst>
-              <a:ext uri="{FF2B5EF4-FFF2-40B4-BE49-F238E27FC236}">
-                <a16:creationId xmlns:a16="http://schemas.microsoft.com/office/drawing/2014/main" id="{A8597536-70D1-46C0-A2A2-51A6BB21DB20}"/>
+            <a:pPr algn="ctr"/>
+            <a:r>
+              <a:rPr lang="en-US" sz="2000" dirty="0"/>
+              <a:t>Any Questions?</a:t>
+            </a:r>
+          </a:p>
+        </p:txBody>
+      </p:sp>
+      <p:sp>
+        <p:nvSpPr>
+          <p:cNvPr id="6" name="Slide Number Placeholder 5">
+            <a:extLst>
+              <a:ext uri="{FF2B5EF4-FFF2-40B4-BE49-F238E27FC236}">
+                <a16:creationId xmlns:a16="http://schemas.microsoft.com/office/drawing/2014/main" id="{5EDCFF82-B70F-4971-9182-7C3AEA3CFD26}"/>
               </a:ext>
             </a:extLst>
           </p:cNvPr>
@@ -19204,8 +19614,8 @@
         </p:nvSpPr>
         <p:spPr>
           <a:xfrm>
-            <a:off x="8610600" y="6356350"/>
-            <a:ext cx="2743200" cy="365125"/>
+            <a:off x="9579428" y="6356350"/>
+            <a:ext cx="1774371" cy="365125"/>
           </a:xfrm>
         </p:spPr>
         <p:txBody>
@@ -19284,3311 +19694,6 @@
           </a:p>
         </p:txBody>
       </p:sp>
-      <p:graphicFrame>
-        <p:nvGraphicFramePr>
-          <p:cNvPr id="17" name="Table 9">
-            <a:extLst>
-              <a:ext uri="{FF2B5EF4-FFF2-40B4-BE49-F238E27FC236}">
-                <a16:creationId xmlns:a16="http://schemas.microsoft.com/office/drawing/2014/main" id="{D6E90A56-AF21-45DC-A08C-27875260C7CB}"/>
-              </a:ext>
-            </a:extLst>
-          </p:cNvPr>
-          <p:cNvGraphicFramePr>
-            <a:graphicFrameLocks noGrp="1"/>
-          </p:cNvGraphicFramePr>
-          <p:nvPr>
-            <p:ph sz="quarter" idx="16"/>
-          </p:nvPr>
-        </p:nvGraphicFramePr>
-        <p:xfrm>
-          <a:off x="838200" y="1825625"/>
-          <a:ext cx="9348955" cy="3138102"/>
-        </p:xfrm>
-        <a:graphic>
-          <a:graphicData uri="http://schemas.openxmlformats.org/drawingml/2006/table">
-            <a:tbl>
-              <a:tblPr firstRow="1" bandRow="1">
-                <a:tableStyleId>{5C22544A-7EE6-4342-B048-85BDC9FD1C3A}</a:tableStyleId>
-              </a:tblPr>
-              <a:tblGrid>
-                <a:gridCol w="1447800">
-                  <a:extLst>
-                    <a:ext uri="{9D8B030D-6E8A-4147-A177-3AD203B41FA5}">
-                      <a16:colId xmlns:a16="http://schemas.microsoft.com/office/drawing/2014/main" val="3446012419"/>
-                    </a:ext>
-                  </a:extLst>
-                </a:gridCol>
-                <a:gridCol w="3412067">
-                  <a:extLst>
-                    <a:ext uri="{9D8B030D-6E8A-4147-A177-3AD203B41FA5}">
-                      <a16:colId xmlns:a16="http://schemas.microsoft.com/office/drawing/2014/main" val="4052646397"/>
-                    </a:ext>
-                  </a:extLst>
-                </a:gridCol>
-                <a:gridCol w="2211297">
-                  <a:extLst>
-                    <a:ext uri="{9D8B030D-6E8A-4147-A177-3AD203B41FA5}">
-                      <a16:colId xmlns:a16="http://schemas.microsoft.com/office/drawing/2014/main" val="1935352797"/>
-                    </a:ext>
-                  </a:extLst>
-                </a:gridCol>
-                <a:gridCol w="2277791">
-                  <a:extLst>
-                    <a:ext uri="{9D8B030D-6E8A-4147-A177-3AD203B41FA5}">
-                      <a16:colId xmlns:a16="http://schemas.microsoft.com/office/drawing/2014/main" val="1218263486"/>
-                    </a:ext>
-                  </a:extLst>
-                </a:gridCol>
-              </a:tblGrid>
-              <a:tr h="291042">
-                <a:tc>
-                  <a:txBody>
-                    <a:bodyPr/>
-                    <a:lstStyle/>
-                    <a:p>
-                      <a:pPr algn="l" fontAlgn="b"/>
-                      <a:r>
-                        <a:rPr lang="en-US" sz="1200" b="0" i="0" u="none" strike="noStrike" dirty="0" err="1">
-                          <a:solidFill>
-                            <a:schemeClr val="tx1">
-                              <a:lumMod val="75000"/>
-                              <a:lumOff val="25000"/>
-                            </a:schemeClr>
-                          </a:solidFill>
-                          <a:effectLst/>
-                          <a:latin typeface="+mn-lt"/>
-                        </a:rPr>
-                        <a:t>Dataset_Number</a:t>
-                      </a:r>
-                      <a:endParaRPr lang="en-US" sz="1200" b="0" i="0" u="none" strike="noStrike" dirty="0">
-                        <a:solidFill>
-                          <a:schemeClr val="tx1">
-                            <a:lumMod val="75000"/>
-                            <a:lumOff val="25000"/>
-                          </a:schemeClr>
-                        </a:solidFill>
-                        <a:effectLst/>
-                        <a:latin typeface="+mn-lt"/>
-                      </a:endParaRPr>
-                    </a:p>
-                  </a:txBody>
-                  <a:tcPr marL="240191" marR="76261" marT="38130" marB="38130" anchor="ctr">
-                    <a:lnL w="12700" cmpd="sng">
-                      <a:noFill/>
-                    </a:lnL>
-                    <a:lnR w="12700" cmpd="sng">
-                      <a:noFill/>
-                    </a:lnR>
-                    <a:lnT w="12700" cmpd="sng">
-                      <a:noFill/>
-                    </a:lnT>
-                    <a:lnB w="38100" cmpd="sng">
-                      <a:noFill/>
-                    </a:lnB>
-                    <a:lnTlToBr w="12700" cmpd="sng">
-                      <a:noFill/>
-                      <a:prstDash val="solid"/>
-                    </a:lnTlToBr>
-                    <a:lnBlToTr w="12700" cmpd="sng">
-                      <a:noFill/>
-                      <a:prstDash val="solid"/>
-                    </a:lnBlToTr>
-                    <a:solidFill>
-                      <a:schemeClr val="accent1">
-                        <a:lumMod val="75000"/>
-                      </a:schemeClr>
-                    </a:solidFill>
-                  </a:tcPr>
-                </a:tc>
-                <a:tc>
-                  <a:txBody>
-                    <a:bodyPr/>
-                    <a:lstStyle/>
-                    <a:p>
-                      <a:pPr algn="r" fontAlgn="b"/>
-                      <a:r>
-                        <a:rPr lang="en-US" sz="1200" b="1" i="0" u="none" strike="noStrike" dirty="0">
-                          <a:solidFill>
-                            <a:schemeClr val="tx1">
-                              <a:lumMod val="75000"/>
-                              <a:lumOff val="25000"/>
-                            </a:schemeClr>
-                          </a:solidFill>
-                          <a:effectLst/>
-                          <a:latin typeface="+mn-lt"/>
-                        </a:rPr>
-                        <a:t>Model</a:t>
-                      </a:r>
-                    </a:p>
-                  </a:txBody>
-                  <a:tcPr marL="76261" marR="76261" marT="38130" marB="38130" anchor="ctr">
-                    <a:lnL w="12700" cmpd="sng">
-                      <a:noFill/>
-                    </a:lnL>
-                    <a:lnR w="12700" cmpd="sng">
-                      <a:noFill/>
-                    </a:lnR>
-                    <a:lnT w="12700" cmpd="sng">
-                      <a:noFill/>
-                    </a:lnT>
-                    <a:lnB w="38100" cmpd="sng">
-                      <a:noFill/>
-                    </a:lnB>
-                    <a:lnTlToBr w="12700" cmpd="sng">
-                      <a:noFill/>
-                      <a:prstDash val="solid"/>
-                    </a:lnTlToBr>
-                    <a:lnBlToTr w="12700" cmpd="sng">
-                      <a:noFill/>
-                      <a:prstDash val="solid"/>
-                    </a:lnBlToTr>
-                    <a:solidFill>
-                      <a:schemeClr val="accent1">
-                        <a:lumMod val="75000"/>
-                      </a:schemeClr>
-                    </a:solidFill>
-                  </a:tcPr>
-                </a:tc>
-                <a:tc>
-                  <a:txBody>
-                    <a:bodyPr/>
-                    <a:lstStyle/>
-                    <a:p>
-                      <a:pPr algn="r" fontAlgn="b"/>
-                      <a:r>
-                        <a:rPr lang="en-US" sz="1200" b="1" i="0" u="none" strike="noStrike" dirty="0" err="1">
-                          <a:solidFill>
-                            <a:schemeClr val="tx1">
-                              <a:lumMod val="75000"/>
-                              <a:lumOff val="25000"/>
-                            </a:schemeClr>
-                          </a:solidFill>
-                          <a:effectLst/>
-                          <a:latin typeface="+mn-lt"/>
-                        </a:rPr>
-                        <a:t>Train_Accuracy</a:t>
-                      </a:r>
-                      <a:endParaRPr lang="en-US" sz="1200" b="1" i="0" u="none" strike="noStrike" dirty="0">
-                        <a:solidFill>
-                          <a:schemeClr val="tx1">
-                            <a:lumMod val="75000"/>
-                            <a:lumOff val="25000"/>
-                          </a:schemeClr>
-                        </a:solidFill>
-                        <a:effectLst/>
-                        <a:latin typeface="+mn-lt"/>
-                      </a:endParaRPr>
-                    </a:p>
-                  </a:txBody>
-                  <a:tcPr marL="76261" marR="76261" marT="38130" marB="38130" anchor="ctr">
-                    <a:lnL w="12700" cmpd="sng">
-                      <a:noFill/>
-                    </a:lnL>
-                    <a:lnR w="12700" cmpd="sng">
-                      <a:noFill/>
-                    </a:lnR>
-                    <a:lnT w="12700" cmpd="sng">
-                      <a:noFill/>
-                    </a:lnT>
-                    <a:lnB w="38100" cmpd="sng">
-                      <a:noFill/>
-                    </a:lnB>
-                    <a:lnTlToBr w="12700" cmpd="sng">
-                      <a:noFill/>
-                      <a:prstDash val="solid"/>
-                    </a:lnTlToBr>
-                    <a:lnBlToTr w="12700" cmpd="sng">
-                      <a:noFill/>
-                      <a:prstDash val="solid"/>
-                    </a:lnBlToTr>
-                    <a:solidFill>
-                      <a:schemeClr val="accent1">
-                        <a:lumMod val="75000"/>
-                      </a:schemeClr>
-                    </a:solidFill>
-                  </a:tcPr>
-                </a:tc>
-                <a:tc>
-                  <a:txBody>
-                    <a:bodyPr/>
-                    <a:lstStyle/>
-                    <a:p>
-                      <a:pPr algn="r" fontAlgn="b"/>
-                      <a:r>
-                        <a:rPr lang="en-US" sz="1200" b="1" i="0" u="none" strike="noStrike" dirty="0" err="1">
-                          <a:solidFill>
-                            <a:schemeClr val="tx1">
-                              <a:lumMod val="75000"/>
-                              <a:lumOff val="25000"/>
-                            </a:schemeClr>
-                          </a:solidFill>
-                          <a:effectLst/>
-                          <a:latin typeface="+mn-lt"/>
-                        </a:rPr>
-                        <a:t>Test_Accuracy</a:t>
-                      </a:r>
-                      <a:endParaRPr lang="en-US" sz="1200" b="1" i="0" u="none" strike="noStrike" dirty="0">
-                        <a:solidFill>
-                          <a:schemeClr val="tx1">
-                            <a:lumMod val="75000"/>
-                            <a:lumOff val="25000"/>
-                          </a:schemeClr>
-                        </a:solidFill>
-                        <a:effectLst/>
-                        <a:latin typeface="+mn-lt"/>
-                      </a:endParaRPr>
-                    </a:p>
-                  </a:txBody>
-                  <a:tcPr marL="76261" marR="76261" marT="38130" marB="38130" anchor="ctr">
-                    <a:lnL w="12700" cmpd="sng">
-                      <a:noFill/>
-                    </a:lnL>
-                    <a:lnR w="12700" cmpd="sng">
-                      <a:noFill/>
-                    </a:lnR>
-                    <a:lnT w="12700" cmpd="sng">
-                      <a:noFill/>
-                    </a:lnT>
-                    <a:lnB w="38100" cmpd="sng">
-                      <a:noFill/>
-                    </a:lnB>
-                    <a:lnTlToBr w="12700" cmpd="sng">
-                      <a:noFill/>
-                      <a:prstDash val="solid"/>
-                    </a:lnTlToBr>
-                    <a:lnBlToTr w="12700" cmpd="sng">
-                      <a:noFill/>
-                      <a:prstDash val="solid"/>
-                    </a:lnBlToTr>
-                    <a:solidFill>
-                      <a:schemeClr val="accent1">
-                        <a:lumMod val="75000"/>
-                      </a:schemeClr>
-                    </a:solidFill>
-                  </a:tcPr>
-                </a:tc>
-                <a:extLst>
-                  <a:ext uri="{0D108BD9-81ED-4DB2-BD59-A6C34878D82A}">
-                    <a16:rowId xmlns:a16="http://schemas.microsoft.com/office/drawing/2014/main" val="4140773105"/>
-                  </a:ext>
-                </a:extLst>
-              </a:tr>
-              <a:tr h="284706">
-                <a:tc>
-                  <a:txBody>
-                    <a:bodyPr/>
-                    <a:lstStyle/>
-                    <a:p>
-                      <a:pPr algn="ctr" fontAlgn="b"/>
-                      <a:r>
-                        <a:rPr lang="en-US" sz="1200" b="0" i="0" u="none" strike="noStrike" dirty="0">
-                          <a:solidFill>
-                            <a:schemeClr val="tx1"/>
-                          </a:solidFill>
-                          <a:effectLst/>
-                          <a:latin typeface="+mn-lt"/>
-                        </a:rPr>
-                        <a:t>            1</a:t>
-                      </a:r>
-                    </a:p>
-                  </a:txBody>
-                  <a:tcPr marL="240191" marR="76261" marT="38130" marB="38130" anchor="ctr">
-                    <a:lnL w="12700" cmpd="sng">
-                      <a:noFill/>
-                    </a:lnL>
-                    <a:lnR w="12700" cmpd="sng">
-                      <a:noFill/>
-                    </a:lnR>
-                    <a:lnT w="38100" cmpd="sng">
-                      <a:noFill/>
-                    </a:lnT>
-                    <a:lnB w="12700" cmpd="sng">
-                      <a:noFill/>
-                    </a:lnB>
-                    <a:lnTlToBr w="12700" cmpd="sng">
-                      <a:noFill/>
-                      <a:prstDash val="solid"/>
-                    </a:lnTlToBr>
-                    <a:lnBlToTr w="12700" cmpd="sng">
-                      <a:noFill/>
-                      <a:prstDash val="solid"/>
-                    </a:lnBlToTr>
-                    <a:noFill/>
-                  </a:tcPr>
-                </a:tc>
-                <a:tc>
-                  <a:txBody>
-                    <a:bodyPr/>
-                    <a:lstStyle/>
-                    <a:p>
-                      <a:pPr algn="r" fontAlgn="b"/>
-                      <a:r>
-                        <a:rPr lang="en-US" sz="1200" b="0" i="0" u="none" strike="noStrike" dirty="0" err="1">
-                          <a:solidFill>
-                            <a:schemeClr val="tx1"/>
-                          </a:solidFill>
-                          <a:effectLst/>
-                          <a:latin typeface="+mn-lt"/>
-                        </a:rPr>
-                        <a:t>Decision_Tree</a:t>
-                      </a:r>
-                      <a:endParaRPr lang="en-US" sz="1200" b="0" i="0" u="none" strike="noStrike" dirty="0">
-                        <a:solidFill>
-                          <a:schemeClr val="tx1"/>
-                        </a:solidFill>
-                        <a:effectLst/>
-                        <a:latin typeface="+mn-lt"/>
-                      </a:endParaRPr>
-                    </a:p>
-                  </a:txBody>
-                  <a:tcPr marL="76261" marR="76261" marT="38130" marB="38130" anchor="ctr">
-                    <a:lnL w="12700" cmpd="sng">
-                      <a:noFill/>
-                    </a:lnL>
-                    <a:lnR w="12700" cmpd="sng">
-                      <a:noFill/>
-                    </a:lnR>
-                    <a:lnT w="38100" cmpd="sng">
-                      <a:noFill/>
-                    </a:lnT>
-                    <a:lnB w="12700" cmpd="sng">
-                      <a:noFill/>
-                    </a:lnB>
-                    <a:lnTlToBr w="12700" cmpd="sng">
-                      <a:noFill/>
-                      <a:prstDash val="solid"/>
-                    </a:lnTlToBr>
-                    <a:lnBlToTr w="12700" cmpd="sng">
-                      <a:noFill/>
-                      <a:prstDash val="solid"/>
-                    </a:lnBlToTr>
-                    <a:noFill/>
-                  </a:tcPr>
-                </a:tc>
-                <a:tc>
-                  <a:txBody>
-                    <a:bodyPr/>
-                    <a:lstStyle/>
-                    <a:p>
-                      <a:pPr algn="r" fontAlgn="b"/>
-                      <a:r>
-                        <a:rPr lang="en-US" sz="1200" b="0" i="0" u="none" strike="noStrike" dirty="0">
-                          <a:solidFill>
-                            <a:schemeClr val="tx1"/>
-                          </a:solidFill>
-                          <a:effectLst/>
-                          <a:latin typeface="+mn-lt"/>
-                        </a:rPr>
-                        <a:t>0.839</a:t>
-                      </a:r>
-                    </a:p>
-                  </a:txBody>
-                  <a:tcPr marL="76261" marR="76261" marT="38130" marB="38130" anchor="ctr">
-                    <a:lnL w="12700" cmpd="sng">
-                      <a:noFill/>
-                    </a:lnL>
-                    <a:lnR w="12700" cmpd="sng">
-                      <a:noFill/>
-                    </a:lnR>
-                    <a:lnT w="38100" cmpd="sng">
-                      <a:noFill/>
-                    </a:lnT>
-                    <a:lnB w="12700" cmpd="sng">
-                      <a:noFill/>
-                    </a:lnB>
-                    <a:lnTlToBr w="12700" cmpd="sng">
-                      <a:noFill/>
-                      <a:prstDash val="solid"/>
-                    </a:lnTlToBr>
-                    <a:lnBlToTr w="12700" cmpd="sng">
-                      <a:noFill/>
-                      <a:prstDash val="solid"/>
-                    </a:lnBlToTr>
-                    <a:noFill/>
-                  </a:tcPr>
-                </a:tc>
-                <a:tc>
-                  <a:txBody>
-                    <a:bodyPr/>
-                    <a:lstStyle/>
-                    <a:p>
-                      <a:pPr algn="r" fontAlgn="b"/>
-                      <a:r>
-                        <a:rPr lang="en-US" sz="1200" b="0" i="0" u="none" strike="noStrike" dirty="0">
-                          <a:solidFill>
-                            <a:schemeClr val="tx1"/>
-                          </a:solidFill>
-                          <a:effectLst/>
-                          <a:latin typeface="+mn-lt"/>
-                        </a:rPr>
-                        <a:t>0.836</a:t>
-                      </a:r>
-                    </a:p>
-                  </a:txBody>
-                  <a:tcPr marL="76261" marR="76261" marT="38130" marB="38130" anchor="ctr">
-                    <a:lnL w="12700" cmpd="sng">
-                      <a:noFill/>
-                    </a:lnL>
-                    <a:lnR w="12700" cmpd="sng">
-                      <a:noFill/>
-                    </a:lnR>
-                    <a:lnT w="38100" cmpd="sng">
-                      <a:noFill/>
-                    </a:lnT>
-                    <a:lnB w="12700" cmpd="sng">
-                      <a:noFill/>
-                    </a:lnB>
-                    <a:lnTlToBr w="12700" cmpd="sng">
-                      <a:noFill/>
-                      <a:prstDash val="solid"/>
-                    </a:lnTlToBr>
-                    <a:lnBlToTr w="12700" cmpd="sng">
-                      <a:noFill/>
-                      <a:prstDash val="solid"/>
-                    </a:lnBlToTr>
-                    <a:noFill/>
-                  </a:tcPr>
-                </a:tc>
-                <a:extLst>
-                  <a:ext uri="{0D108BD9-81ED-4DB2-BD59-A6C34878D82A}">
-                    <a16:rowId xmlns:a16="http://schemas.microsoft.com/office/drawing/2014/main" val="4142911372"/>
-                  </a:ext>
-                </a:extLst>
-              </a:tr>
-              <a:tr h="284706">
-                <a:tc>
-                  <a:txBody>
-                    <a:bodyPr/>
-                    <a:lstStyle/>
-                    <a:p>
-                      <a:pPr lvl="1" algn="ctr" fontAlgn="b"/>
-                      <a:r>
-                        <a:rPr lang="en-US" sz="1200" b="0" i="0" u="none" strike="noStrike" dirty="0">
-                          <a:solidFill>
-                            <a:schemeClr val="tx1"/>
-                          </a:solidFill>
-                          <a:effectLst/>
-                          <a:latin typeface="+mn-lt"/>
-                        </a:rPr>
-                        <a:t>2</a:t>
-                      </a:r>
-                    </a:p>
-                  </a:txBody>
-                  <a:tcPr marL="240191" marR="76261" marT="38130" marB="38130" anchor="ctr">
-                    <a:lnL w="12700" cmpd="sng">
-                      <a:noFill/>
-                    </a:lnL>
-                    <a:lnR w="12700" cmpd="sng">
-                      <a:noFill/>
-                    </a:lnR>
-                    <a:lnT w="12700" cmpd="sng">
-                      <a:noFill/>
-                    </a:lnT>
-                    <a:lnB w="12700" cmpd="sng">
-                      <a:noFill/>
-                    </a:lnB>
-                    <a:lnTlToBr w="12700" cmpd="sng">
-                      <a:noFill/>
-                      <a:prstDash val="solid"/>
-                    </a:lnTlToBr>
-                    <a:lnBlToTr w="12700" cmpd="sng">
-                      <a:noFill/>
-                      <a:prstDash val="solid"/>
-                    </a:lnBlToTr>
-                    <a:noFill/>
-                  </a:tcPr>
-                </a:tc>
-                <a:tc>
-                  <a:txBody>
-                    <a:bodyPr/>
-                    <a:lstStyle/>
-                    <a:p>
-                      <a:pPr algn="r" fontAlgn="b"/>
-                      <a:r>
-                        <a:rPr lang="en-US" sz="1200" b="0" i="0" u="none" strike="noStrike" dirty="0" err="1">
-                          <a:solidFill>
-                            <a:schemeClr val="tx1"/>
-                          </a:solidFill>
-                          <a:effectLst/>
-                          <a:latin typeface="+mn-lt"/>
-                        </a:rPr>
-                        <a:t>Decision_Tree</a:t>
-                      </a:r>
-                      <a:endParaRPr lang="en-US" sz="1200" b="0" i="0" u="none" strike="noStrike" dirty="0">
-                        <a:solidFill>
-                          <a:schemeClr val="tx1"/>
-                        </a:solidFill>
-                        <a:effectLst/>
-                        <a:latin typeface="+mn-lt"/>
-                      </a:endParaRPr>
-                    </a:p>
-                  </a:txBody>
-                  <a:tcPr marL="76261" marR="76261" marT="38130" marB="38130" anchor="ctr">
-                    <a:lnL w="12700" cmpd="sng">
-                      <a:noFill/>
-                    </a:lnL>
-                    <a:lnR w="12700" cmpd="sng">
-                      <a:noFill/>
-                    </a:lnR>
-                    <a:lnT w="12700" cmpd="sng">
-                      <a:noFill/>
-                    </a:lnT>
-                    <a:lnB w="12700" cmpd="sng">
-                      <a:noFill/>
-                    </a:lnB>
-                    <a:lnTlToBr w="12700" cmpd="sng">
-                      <a:noFill/>
-                      <a:prstDash val="solid"/>
-                    </a:lnTlToBr>
-                    <a:lnBlToTr w="12700" cmpd="sng">
-                      <a:noFill/>
-                      <a:prstDash val="solid"/>
-                    </a:lnBlToTr>
-                    <a:noFill/>
-                  </a:tcPr>
-                </a:tc>
-                <a:tc>
-                  <a:txBody>
-                    <a:bodyPr/>
-                    <a:lstStyle/>
-                    <a:p>
-                      <a:pPr algn="r" fontAlgn="b"/>
-                      <a:r>
-                        <a:rPr lang="en-US" sz="1200" b="0" i="0" u="none" strike="noStrike" dirty="0">
-                          <a:solidFill>
-                            <a:schemeClr val="tx1"/>
-                          </a:solidFill>
-                          <a:effectLst/>
-                          <a:latin typeface="+mn-lt"/>
-                        </a:rPr>
-                        <a:t>0.839</a:t>
-                      </a:r>
-                    </a:p>
-                  </a:txBody>
-                  <a:tcPr marL="76261" marR="76261" marT="38130" marB="38130" anchor="ctr">
-                    <a:lnL w="12700" cmpd="sng">
-                      <a:noFill/>
-                    </a:lnL>
-                    <a:lnR w="12700" cmpd="sng">
-                      <a:noFill/>
-                    </a:lnR>
-                    <a:lnT w="12700" cmpd="sng">
-                      <a:noFill/>
-                    </a:lnT>
-                    <a:lnB w="12700" cmpd="sng">
-                      <a:noFill/>
-                    </a:lnB>
-                    <a:lnTlToBr w="12700" cmpd="sng">
-                      <a:noFill/>
-                      <a:prstDash val="solid"/>
-                    </a:lnTlToBr>
-                    <a:lnBlToTr w="12700" cmpd="sng">
-                      <a:noFill/>
-                      <a:prstDash val="solid"/>
-                    </a:lnBlToTr>
-                    <a:noFill/>
-                  </a:tcPr>
-                </a:tc>
-                <a:tc>
-                  <a:txBody>
-                    <a:bodyPr/>
-                    <a:lstStyle/>
-                    <a:p>
-                      <a:pPr algn="r" fontAlgn="b"/>
-                      <a:r>
-                        <a:rPr lang="en-US" sz="1200" b="0" i="0" u="none" strike="noStrike" dirty="0">
-                          <a:solidFill>
-                            <a:schemeClr val="tx1"/>
-                          </a:solidFill>
-                          <a:effectLst/>
-                          <a:latin typeface="+mn-lt"/>
-                        </a:rPr>
-                        <a:t>0.835</a:t>
-                      </a:r>
-                    </a:p>
-                  </a:txBody>
-                  <a:tcPr marL="76261" marR="76261" marT="38130" marB="38130" anchor="ctr">
-                    <a:lnL w="12700" cmpd="sng">
-                      <a:noFill/>
-                    </a:lnL>
-                    <a:lnR w="12700" cmpd="sng">
-                      <a:noFill/>
-                    </a:lnR>
-                    <a:lnT w="12700" cmpd="sng">
-                      <a:noFill/>
-                    </a:lnT>
-                    <a:lnB w="12700" cmpd="sng">
-                      <a:noFill/>
-                    </a:lnB>
-                    <a:lnTlToBr w="12700" cmpd="sng">
-                      <a:noFill/>
-                      <a:prstDash val="solid"/>
-                    </a:lnTlToBr>
-                    <a:lnBlToTr w="12700" cmpd="sng">
-                      <a:noFill/>
-                      <a:prstDash val="solid"/>
-                    </a:lnBlToTr>
-                    <a:noFill/>
-                  </a:tcPr>
-                </a:tc>
-                <a:extLst>
-                  <a:ext uri="{0D108BD9-81ED-4DB2-BD59-A6C34878D82A}">
-                    <a16:rowId xmlns:a16="http://schemas.microsoft.com/office/drawing/2014/main" val="1543393929"/>
-                  </a:ext>
-                </a:extLst>
-              </a:tr>
-              <a:tr h="284706">
-                <a:tc>
-                  <a:txBody>
-                    <a:bodyPr/>
-                    <a:lstStyle/>
-                    <a:p>
-                      <a:pPr lvl="1" algn="ctr" fontAlgn="b"/>
-                      <a:r>
-                        <a:rPr lang="en-US" sz="1200" b="0" i="0" u="none" strike="noStrike" dirty="0">
-                          <a:solidFill>
-                            <a:schemeClr val="tx1"/>
-                          </a:solidFill>
-                          <a:effectLst/>
-                          <a:latin typeface="+mn-lt"/>
-                        </a:rPr>
-                        <a:t>1</a:t>
-                      </a:r>
-                    </a:p>
-                  </a:txBody>
-                  <a:tcPr marL="240191" marR="76261" marT="38130" marB="38130" anchor="ctr">
-                    <a:lnL w="12700" cmpd="sng">
-                      <a:noFill/>
-                    </a:lnL>
-                    <a:lnR w="12700" cmpd="sng">
-                      <a:noFill/>
-                    </a:lnR>
-                    <a:lnT w="12700" cmpd="sng">
-                      <a:noFill/>
-                    </a:lnT>
-                    <a:lnB w="12700" cmpd="sng">
-                      <a:noFill/>
-                    </a:lnB>
-                    <a:lnTlToBr w="12700" cmpd="sng">
-                      <a:noFill/>
-                      <a:prstDash val="solid"/>
-                    </a:lnTlToBr>
-                    <a:lnBlToTr w="12700" cmpd="sng">
-                      <a:noFill/>
-                      <a:prstDash val="solid"/>
-                    </a:lnBlToTr>
-                    <a:noFill/>
-                  </a:tcPr>
-                </a:tc>
-                <a:tc>
-                  <a:txBody>
-                    <a:bodyPr/>
-                    <a:lstStyle/>
-                    <a:p>
-                      <a:pPr algn="r" fontAlgn="b"/>
-                      <a:r>
-                        <a:rPr lang="en-US" sz="1200" b="0" i="0" u="none" strike="noStrike" dirty="0" err="1">
-                          <a:solidFill>
-                            <a:schemeClr val="tx1"/>
-                          </a:solidFill>
-                          <a:effectLst/>
-                          <a:latin typeface="+mn-lt"/>
-                        </a:rPr>
-                        <a:t>Random_Forest</a:t>
-                      </a:r>
-                      <a:endParaRPr lang="en-US" sz="1200" b="0" i="0" u="none" strike="noStrike" dirty="0">
-                        <a:solidFill>
-                          <a:schemeClr val="tx1"/>
-                        </a:solidFill>
-                        <a:effectLst/>
-                        <a:latin typeface="+mn-lt"/>
-                      </a:endParaRPr>
-                    </a:p>
-                  </a:txBody>
-                  <a:tcPr marL="76261" marR="76261" marT="38130" marB="38130" anchor="ctr">
-                    <a:lnL w="12700" cmpd="sng">
-                      <a:noFill/>
-                    </a:lnL>
-                    <a:lnR w="12700" cmpd="sng">
-                      <a:noFill/>
-                    </a:lnR>
-                    <a:lnT w="12700" cmpd="sng">
-                      <a:noFill/>
-                    </a:lnT>
-                    <a:lnB w="12700" cmpd="sng">
-                      <a:noFill/>
-                    </a:lnB>
-                    <a:lnTlToBr w="12700" cmpd="sng">
-                      <a:noFill/>
-                      <a:prstDash val="solid"/>
-                    </a:lnTlToBr>
-                    <a:lnBlToTr w="12700" cmpd="sng">
-                      <a:noFill/>
-                      <a:prstDash val="solid"/>
-                    </a:lnBlToTr>
-                    <a:noFill/>
-                  </a:tcPr>
-                </a:tc>
-                <a:tc>
-                  <a:txBody>
-                    <a:bodyPr/>
-                    <a:lstStyle/>
-                    <a:p>
-                      <a:pPr algn="r" fontAlgn="b"/>
-                      <a:r>
-                        <a:rPr lang="en-US" sz="1200" b="0" i="0" u="none" strike="noStrike" dirty="0">
-                          <a:solidFill>
-                            <a:schemeClr val="tx1"/>
-                          </a:solidFill>
-                          <a:effectLst/>
-                          <a:latin typeface="+mn-lt"/>
-                        </a:rPr>
-                        <a:t>0.841</a:t>
-                      </a:r>
-                    </a:p>
-                  </a:txBody>
-                  <a:tcPr marL="76261" marR="76261" marT="38130" marB="38130" anchor="ctr">
-                    <a:lnL w="12700" cmpd="sng">
-                      <a:noFill/>
-                    </a:lnL>
-                    <a:lnR w="12700" cmpd="sng">
-                      <a:noFill/>
-                    </a:lnR>
-                    <a:lnT w="12700" cmpd="sng">
-                      <a:noFill/>
-                    </a:lnT>
-                    <a:lnB w="12700" cmpd="sng">
-                      <a:noFill/>
-                    </a:lnB>
-                    <a:lnTlToBr w="12700" cmpd="sng">
-                      <a:noFill/>
-                      <a:prstDash val="solid"/>
-                    </a:lnTlToBr>
-                    <a:lnBlToTr w="12700" cmpd="sng">
-                      <a:noFill/>
-                      <a:prstDash val="solid"/>
-                    </a:lnBlToTr>
-                    <a:noFill/>
-                  </a:tcPr>
-                </a:tc>
-                <a:tc>
-                  <a:txBody>
-                    <a:bodyPr/>
-                    <a:lstStyle/>
-                    <a:p>
-                      <a:pPr algn="r" fontAlgn="b"/>
-                      <a:r>
-                        <a:rPr lang="en-US" sz="1200" b="0" i="0" u="none" strike="noStrike" dirty="0">
-                          <a:solidFill>
-                            <a:schemeClr val="tx1"/>
-                          </a:solidFill>
-                          <a:effectLst/>
-                          <a:latin typeface="+mn-lt"/>
-                        </a:rPr>
-                        <a:t>0.832</a:t>
-                      </a:r>
-                    </a:p>
-                  </a:txBody>
-                  <a:tcPr marL="76261" marR="76261" marT="38130" marB="38130" anchor="ctr">
-                    <a:lnL w="12700" cmpd="sng">
-                      <a:noFill/>
-                    </a:lnL>
-                    <a:lnR w="12700" cmpd="sng">
-                      <a:noFill/>
-                    </a:lnR>
-                    <a:lnT w="12700" cmpd="sng">
-                      <a:noFill/>
-                    </a:lnT>
-                    <a:lnB w="12700" cmpd="sng">
-                      <a:noFill/>
-                    </a:lnB>
-                    <a:lnTlToBr w="12700" cmpd="sng">
-                      <a:noFill/>
-                      <a:prstDash val="solid"/>
-                    </a:lnTlToBr>
-                    <a:lnBlToTr w="12700" cmpd="sng">
-                      <a:noFill/>
-                      <a:prstDash val="solid"/>
-                    </a:lnBlToTr>
-                    <a:noFill/>
-                  </a:tcPr>
-                </a:tc>
-                <a:extLst>
-                  <a:ext uri="{0D108BD9-81ED-4DB2-BD59-A6C34878D82A}">
-                    <a16:rowId xmlns:a16="http://schemas.microsoft.com/office/drawing/2014/main" val="255711469"/>
-                  </a:ext>
-                </a:extLst>
-              </a:tr>
-              <a:tr h="284706">
-                <a:tc>
-                  <a:txBody>
-                    <a:bodyPr/>
-                    <a:lstStyle/>
-                    <a:p>
-                      <a:pPr lvl="1" algn="ctr" fontAlgn="b"/>
-                      <a:r>
-                        <a:rPr lang="en-US" sz="1200" b="0" u="none" strike="noStrike" dirty="0">
-                          <a:solidFill>
-                            <a:schemeClr val="tx1"/>
-                          </a:solidFill>
-                          <a:effectLst/>
-                        </a:rPr>
-                        <a:t>2</a:t>
-                      </a:r>
-                      <a:endParaRPr lang="en-US" sz="1200" b="0" i="0" u="none" strike="noStrike" dirty="0">
-                        <a:solidFill>
-                          <a:schemeClr val="tx1"/>
-                        </a:solidFill>
-                        <a:effectLst/>
-                        <a:latin typeface="+mn-lt"/>
-                      </a:endParaRPr>
-                    </a:p>
-                  </a:txBody>
-                  <a:tcPr marL="240191" marR="76261" marT="38130" marB="38130" anchor="ctr">
-                    <a:lnL w="12700" cmpd="sng">
-                      <a:noFill/>
-                    </a:lnL>
-                    <a:lnR w="12700" cmpd="sng">
-                      <a:noFill/>
-                    </a:lnR>
-                    <a:lnT w="12700" cmpd="sng">
-                      <a:noFill/>
-                    </a:lnT>
-                    <a:lnB w="12700" cmpd="sng">
-                      <a:noFill/>
-                    </a:lnB>
-                    <a:lnTlToBr w="12700" cmpd="sng">
-                      <a:noFill/>
-                      <a:prstDash val="solid"/>
-                    </a:lnTlToBr>
-                    <a:lnBlToTr w="12700" cmpd="sng">
-                      <a:noFill/>
-                      <a:prstDash val="solid"/>
-                    </a:lnBlToTr>
-                    <a:noFill/>
-                  </a:tcPr>
-                </a:tc>
-                <a:tc>
-                  <a:txBody>
-                    <a:bodyPr/>
-                    <a:lstStyle/>
-                    <a:p>
-                      <a:pPr algn="r" fontAlgn="b"/>
-                      <a:r>
-                        <a:rPr lang="en-US" sz="1200" b="0" i="0" u="none" strike="noStrike" dirty="0" err="1">
-                          <a:solidFill>
-                            <a:schemeClr val="tx1"/>
-                          </a:solidFill>
-                          <a:effectLst/>
-                          <a:latin typeface="+mn-lt"/>
-                        </a:rPr>
-                        <a:t>Random_Forest</a:t>
-                      </a:r>
-                      <a:endParaRPr lang="en-US" sz="1200" b="0" i="0" u="none" strike="noStrike" dirty="0">
-                        <a:solidFill>
-                          <a:schemeClr val="tx1"/>
-                        </a:solidFill>
-                        <a:effectLst/>
-                        <a:latin typeface="+mn-lt"/>
-                      </a:endParaRPr>
-                    </a:p>
-                  </a:txBody>
-                  <a:tcPr marL="76261" marR="76261" marT="38130" marB="38130" anchor="ctr">
-                    <a:lnL w="12700" cmpd="sng">
-                      <a:noFill/>
-                    </a:lnL>
-                    <a:lnR w="12700" cmpd="sng">
-                      <a:noFill/>
-                    </a:lnR>
-                    <a:lnT w="12700" cmpd="sng">
-                      <a:noFill/>
-                    </a:lnT>
-                    <a:lnB w="12700" cmpd="sng">
-                      <a:noFill/>
-                    </a:lnB>
-                    <a:lnTlToBr w="12700" cmpd="sng">
-                      <a:noFill/>
-                      <a:prstDash val="solid"/>
-                    </a:lnTlToBr>
-                    <a:lnBlToTr w="12700" cmpd="sng">
-                      <a:noFill/>
-                      <a:prstDash val="solid"/>
-                    </a:lnBlToTr>
-                    <a:noFill/>
-                  </a:tcPr>
-                </a:tc>
-                <a:tc>
-                  <a:txBody>
-                    <a:bodyPr/>
-                    <a:lstStyle/>
-                    <a:p>
-                      <a:pPr algn="r" fontAlgn="b"/>
-                      <a:r>
-                        <a:rPr lang="en-US" sz="1200" b="0" i="0" u="none" strike="noStrike" dirty="0">
-                          <a:solidFill>
-                            <a:schemeClr val="tx1"/>
-                          </a:solidFill>
-                          <a:effectLst/>
-                          <a:latin typeface="+mn-lt"/>
-                        </a:rPr>
-                        <a:t>0.841</a:t>
-                      </a:r>
-                    </a:p>
-                  </a:txBody>
-                  <a:tcPr marL="76261" marR="76261" marT="38130" marB="38130" anchor="ctr">
-                    <a:lnL w="12700" cmpd="sng">
-                      <a:noFill/>
-                    </a:lnL>
-                    <a:lnR w="12700" cmpd="sng">
-                      <a:noFill/>
-                    </a:lnR>
-                    <a:lnT w="12700" cmpd="sng">
-                      <a:noFill/>
-                    </a:lnT>
-                    <a:lnB w="12700" cmpd="sng">
-                      <a:noFill/>
-                    </a:lnB>
-                    <a:lnTlToBr w="12700" cmpd="sng">
-                      <a:noFill/>
-                      <a:prstDash val="solid"/>
-                    </a:lnTlToBr>
-                    <a:lnBlToTr w="12700" cmpd="sng">
-                      <a:noFill/>
-                      <a:prstDash val="solid"/>
-                    </a:lnBlToTr>
-                    <a:noFill/>
-                  </a:tcPr>
-                </a:tc>
-                <a:tc>
-                  <a:txBody>
-                    <a:bodyPr/>
-                    <a:lstStyle/>
-                    <a:p>
-                      <a:pPr algn="r" fontAlgn="b"/>
-                      <a:r>
-                        <a:rPr lang="en-US" sz="1200" b="0" i="0" u="none" strike="noStrike" dirty="0">
-                          <a:solidFill>
-                            <a:schemeClr val="tx1"/>
-                          </a:solidFill>
-                          <a:effectLst/>
-                          <a:latin typeface="+mn-lt"/>
-                        </a:rPr>
-                        <a:t>0.828</a:t>
-                      </a:r>
-                    </a:p>
-                  </a:txBody>
-                  <a:tcPr marL="76261" marR="76261" marT="38130" marB="38130" anchor="ctr">
-                    <a:lnL w="12700" cmpd="sng">
-                      <a:noFill/>
-                    </a:lnL>
-                    <a:lnR w="12700" cmpd="sng">
-                      <a:noFill/>
-                    </a:lnR>
-                    <a:lnT w="12700" cmpd="sng">
-                      <a:noFill/>
-                    </a:lnT>
-                    <a:lnB w="12700" cmpd="sng">
-                      <a:noFill/>
-                    </a:lnB>
-                    <a:lnTlToBr w="12700" cmpd="sng">
-                      <a:noFill/>
-                      <a:prstDash val="solid"/>
-                    </a:lnTlToBr>
-                    <a:lnBlToTr w="12700" cmpd="sng">
-                      <a:noFill/>
-                      <a:prstDash val="solid"/>
-                    </a:lnBlToTr>
-                    <a:noFill/>
-                  </a:tcPr>
-                </a:tc>
-                <a:extLst>
-                  <a:ext uri="{0D108BD9-81ED-4DB2-BD59-A6C34878D82A}">
-                    <a16:rowId xmlns:a16="http://schemas.microsoft.com/office/drawing/2014/main" val="1498944196"/>
-                  </a:ext>
-                </a:extLst>
-              </a:tr>
-              <a:tr h="284706">
-                <a:tc>
-                  <a:txBody>
-                    <a:bodyPr/>
-                    <a:lstStyle/>
-                    <a:p>
-                      <a:pPr lvl="1" algn="ctr" fontAlgn="b"/>
-                      <a:r>
-                        <a:rPr lang="en-US" sz="1200" b="0" u="none" strike="noStrike" dirty="0">
-                          <a:solidFill>
-                            <a:schemeClr val="tx1"/>
-                          </a:solidFill>
-                          <a:effectLst/>
-                        </a:rPr>
-                        <a:t>1</a:t>
-                      </a:r>
-                      <a:endParaRPr lang="en-US" sz="1200" b="0" i="0" u="none" strike="noStrike" dirty="0">
-                        <a:solidFill>
-                          <a:schemeClr val="tx1"/>
-                        </a:solidFill>
-                        <a:effectLst/>
-                        <a:latin typeface="+mn-lt"/>
-                      </a:endParaRPr>
-                    </a:p>
-                  </a:txBody>
-                  <a:tcPr marL="240191" marR="76261" marT="38130" marB="38130" anchor="ctr">
-                    <a:lnL w="12700" cmpd="sng">
-                      <a:noFill/>
-                    </a:lnL>
-                    <a:lnR w="12700" cmpd="sng">
-                      <a:noFill/>
-                    </a:lnR>
-                    <a:lnT w="12700" cmpd="sng">
-                      <a:noFill/>
-                    </a:lnT>
-                    <a:lnB w="12700" cmpd="sng">
-                      <a:noFill/>
-                    </a:lnB>
-                    <a:lnTlToBr w="12700" cmpd="sng">
-                      <a:noFill/>
-                      <a:prstDash val="solid"/>
-                    </a:lnTlToBr>
-                    <a:lnBlToTr w="12700" cmpd="sng">
-                      <a:noFill/>
-                      <a:prstDash val="solid"/>
-                    </a:lnBlToTr>
-                    <a:noFill/>
-                  </a:tcPr>
-                </a:tc>
-                <a:tc>
-                  <a:txBody>
-                    <a:bodyPr/>
-                    <a:lstStyle/>
-                    <a:p>
-                      <a:pPr algn="r" fontAlgn="b"/>
-                      <a:r>
-                        <a:rPr lang="en-US" sz="1200" b="0" i="0" u="none" strike="noStrike" dirty="0" err="1">
-                          <a:solidFill>
-                            <a:schemeClr val="tx1"/>
-                          </a:solidFill>
-                          <a:effectLst/>
-                          <a:latin typeface="+mn-lt"/>
-                        </a:rPr>
-                        <a:t>Support_Vector</a:t>
-                      </a:r>
-                      <a:endParaRPr lang="en-US" sz="1200" b="0" i="0" u="none" strike="noStrike" dirty="0">
-                        <a:solidFill>
-                          <a:schemeClr val="tx1"/>
-                        </a:solidFill>
-                        <a:effectLst/>
-                        <a:latin typeface="+mn-lt"/>
-                      </a:endParaRPr>
-                    </a:p>
-                  </a:txBody>
-                  <a:tcPr marL="76261" marR="76261" marT="38130" marB="38130" anchor="ctr">
-                    <a:lnL w="12700" cmpd="sng">
-                      <a:noFill/>
-                    </a:lnL>
-                    <a:lnR w="12700" cmpd="sng">
-                      <a:noFill/>
-                    </a:lnR>
-                    <a:lnT w="12700" cmpd="sng">
-                      <a:noFill/>
-                    </a:lnT>
-                    <a:lnB w="12700" cmpd="sng">
-                      <a:noFill/>
-                    </a:lnB>
-                    <a:lnTlToBr w="12700" cmpd="sng">
-                      <a:noFill/>
-                      <a:prstDash val="solid"/>
-                    </a:lnTlToBr>
-                    <a:lnBlToTr w="12700" cmpd="sng">
-                      <a:noFill/>
-                      <a:prstDash val="solid"/>
-                    </a:lnBlToTr>
-                    <a:noFill/>
-                  </a:tcPr>
-                </a:tc>
-                <a:tc>
-                  <a:txBody>
-                    <a:bodyPr/>
-                    <a:lstStyle/>
-                    <a:p>
-                      <a:pPr algn="r" fontAlgn="b"/>
-                      <a:r>
-                        <a:rPr lang="en-US" sz="1200" b="0" i="0" u="none" strike="noStrike" dirty="0">
-                          <a:solidFill>
-                            <a:schemeClr val="tx1"/>
-                          </a:solidFill>
-                          <a:effectLst/>
-                          <a:latin typeface="+mn-lt"/>
-                        </a:rPr>
-                        <a:t>0.811</a:t>
-                      </a:r>
-                    </a:p>
-                  </a:txBody>
-                  <a:tcPr marL="76261" marR="76261" marT="38130" marB="38130" anchor="ctr">
-                    <a:lnL w="12700" cmpd="sng">
-                      <a:noFill/>
-                    </a:lnL>
-                    <a:lnR w="12700" cmpd="sng">
-                      <a:noFill/>
-                    </a:lnR>
-                    <a:lnT w="12700" cmpd="sng">
-                      <a:noFill/>
-                    </a:lnT>
-                    <a:lnB w="12700" cmpd="sng">
-                      <a:noFill/>
-                    </a:lnB>
-                    <a:lnTlToBr w="12700" cmpd="sng">
-                      <a:noFill/>
-                      <a:prstDash val="solid"/>
-                    </a:lnTlToBr>
-                    <a:lnBlToTr w="12700" cmpd="sng">
-                      <a:noFill/>
-                      <a:prstDash val="solid"/>
-                    </a:lnBlToTr>
-                    <a:noFill/>
-                  </a:tcPr>
-                </a:tc>
-                <a:tc>
-                  <a:txBody>
-                    <a:bodyPr/>
-                    <a:lstStyle/>
-                    <a:p>
-                      <a:pPr algn="r" fontAlgn="b"/>
-                      <a:r>
-                        <a:rPr lang="en-US" sz="1200" b="0" i="0" u="none" strike="noStrike" dirty="0">
-                          <a:solidFill>
-                            <a:schemeClr val="tx1"/>
-                          </a:solidFill>
-                          <a:effectLst/>
-                          <a:latin typeface="+mn-lt"/>
-                        </a:rPr>
-                        <a:t>0.810</a:t>
-                      </a:r>
-                    </a:p>
-                  </a:txBody>
-                  <a:tcPr marL="76261" marR="76261" marT="38130" marB="38130" anchor="ctr">
-                    <a:lnL w="12700" cmpd="sng">
-                      <a:noFill/>
-                    </a:lnL>
-                    <a:lnR w="12700" cmpd="sng">
-                      <a:noFill/>
-                    </a:lnR>
-                    <a:lnT w="12700" cmpd="sng">
-                      <a:noFill/>
-                    </a:lnT>
-                    <a:lnB w="12700" cmpd="sng">
-                      <a:noFill/>
-                    </a:lnB>
-                    <a:lnTlToBr w="12700" cmpd="sng">
-                      <a:noFill/>
-                      <a:prstDash val="solid"/>
-                    </a:lnTlToBr>
-                    <a:lnBlToTr w="12700" cmpd="sng">
-                      <a:noFill/>
-                      <a:prstDash val="solid"/>
-                    </a:lnBlToTr>
-                    <a:noFill/>
-                  </a:tcPr>
-                </a:tc>
-                <a:extLst>
-                  <a:ext uri="{0D108BD9-81ED-4DB2-BD59-A6C34878D82A}">
-                    <a16:rowId xmlns:a16="http://schemas.microsoft.com/office/drawing/2014/main" val="2561606819"/>
-                  </a:ext>
-                </a:extLst>
-              </a:tr>
-              <a:tr h="284706">
-                <a:tc>
-                  <a:txBody>
-                    <a:bodyPr/>
-                    <a:lstStyle/>
-                    <a:p>
-                      <a:pPr algn="ctr" fontAlgn="b"/>
-                      <a:r>
-                        <a:rPr lang="en-US" sz="1200" b="0" u="none" strike="noStrike" dirty="0">
-                          <a:solidFill>
-                            <a:schemeClr val="tx1"/>
-                          </a:solidFill>
-                          <a:effectLst/>
-                        </a:rPr>
-                        <a:t>            2</a:t>
-                      </a:r>
-                      <a:endParaRPr lang="en-US" sz="1200" b="0" i="0" u="none" strike="noStrike" dirty="0">
-                        <a:solidFill>
-                          <a:schemeClr val="tx1"/>
-                        </a:solidFill>
-                        <a:effectLst/>
-                        <a:latin typeface="+mn-lt"/>
-                      </a:endParaRPr>
-                    </a:p>
-                  </a:txBody>
-                  <a:tcPr marL="240191" marR="76261" marT="38130" marB="38130" anchor="ctr">
-                    <a:lnL w="12700" cmpd="sng">
-                      <a:noFill/>
-                    </a:lnL>
-                    <a:lnR w="12700" cmpd="sng">
-                      <a:noFill/>
-                    </a:lnR>
-                    <a:lnT w="12700" cmpd="sng">
-                      <a:noFill/>
-                    </a:lnT>
-                    <a:lnB w="12700" cmpd="sng">
-                      <a:noFill/>
-                    </a:lnB>
-                    <a:lnTlToBr w="12700" cmpd="sng">
-                      <a:noFill/>
-                      <a:prstDash val="solid"/>
-                    </a:lnTlToBr>
-                    <a:lnBlToTr w="12700" cmpd="sng">
-                      <a:noFill/>
-                      <a:prstDash val="solid"/>
-                    </a:lnBlToTr>
-                    <a:noFill/>
-                  </a:tcPr>
-                </a:tc>
-                <a:tc>
-                  <a:txBody>
-                    <a:bodyPr/>
-                    <a:lstStyle/>
-                    <a:p>
-                      <a:pPr algn="r" fontAlgn="b"/>
-                      <a:r>
-                        <a:rPr lang="en-US" sz="1200" b="0" i="0" u="none" strike="noStrike" dirty="0" err="1">
-                          <a:solidFill>
-                            <a:schemeClr val="tx1"/>
-                          </a:solidFill>
-                          <a:effectLst/>
-                          <a:latin typeface="+mn-lt"/>
-                        </a:rPr>
-                        <a:t>Support_Vector</a:t>
-                      </a:r>
-                      <a:endParaRPr lang="en-US" sz="1200" b="0" i="0" u="none" strike="noStrike" dirty="0">
-                        <a:solidFill>
-                          <a:schemeClr val="tx1"/>
-                        </a:solidFill>
-                        <a:effectLst/>
-                        <a:latin typeface="+mn-lt"/>
-                      </a:endParaRPr>
-                    </a:p>
-                  </a:txBody>
-                  <a:tcPr marL="76261" marR="76261" marT="38130" marB="38130" anchor="ctr">
-                    <a:lnL w="12700" cmpd="sng">
-                      <a:noFill/>
-                    </a:lnL>
-                    <a:lnR w="12700" cmpd="sng">
-                      <a:noFill/>
-                    </a:lnR>
-                    <a:lnT w="12700" cmpd="sng">
-                      <a:noFill/>
-                    </a:lnT>
-                    <a:lnB w="12700" cmpd="sng">
-                      <a:noFill/>
-                    </a:lnB>
-                    <a:lnTlToBr w="12700" cmpd="sng">
-                      <a:noFill/>
-                      <a:prstDash val="solid"/>
-                    </a:lnTlToBr>
-                    <a:lnBlToTr w="12700" cmpd="sng">
-                      <a:noFill/>
-                      <a:prstDash val="solid"/>
-                    </a:lnBlToTr>
-                    <a:noFill/>
-                  </a:tcPr>
-                </a:tc>
-                <a:tc>
-                  <a:txBody>
-                    <a:bodyPr/>
-                    <a:lstStyle/>
-                    <a:p>
-                      <a:pPr algn="r" fontAlgn="b"/>
-                      <a:r>
-                        <a:rPr lang="en-US" sz="1200" b="0" i="0" u="none" strike="noStrike" dirty="0">
-                          <a:solidFill>
-                            <a:schemeClr val="tx1"/>
-                          </a:solidFill>
-                          <a:effectLst/>
-                          <a:latin typeface="+mn-lt"/>
-                        </a:rPr>
-                        <a:t>0.811</a:t>
-                      </a:r>
-                    </a:p>
-                  </a:txBody>
-                  <a:tcPr marL="76261" marR="76261" marT="38130" marB="38130" anchor="ctr">
-                    <a:lnL w="12700" cmpd="sng">
-                      <a:noFill/>
-                    </a:lnL>
-                    <a:lnR w="12700" cmpd="sng">
-                      <a:noFill/>
-                    </a:lnR>
-                    <a:lnT w="12700" cmpd="sng">
-                      <a:noFill/>
-                    </a:lnT>
-                    <a:lnB w="12700" cmpd="sng">
-                      <a:noFill/>
-                    </a:lnB>
-                    <a:lnTlToBr w="12700" cmpd="sng">
-                      <a:noFill/>
-                      <a:prstDash val="solid"/>
-                    </a:lnTlToBr>
-                    <a:lnBlToTr w="12700" cmpd="sng">
-                      <a:noFill/>
-                      <a:prstDash val="solid"/>
-                    </a:lnBlToTr>
-                    <a:noFill/>
-                  </a:tcPr>
-                </a:tc>
-                <a:tc>
-                  <a:txBody>
-                    <a:bodyPr/>
-                    <a:lstStyle/>
-                    <a:p>
-                      <a:pPr algn="r" fontAlgn="b"/>
-                      <a:r>
-                        <a:rPr lang="en-US" sz="1200" b="0" i="0" u="none" strike="noStrike" dirty="0">
-                          <a:solidFill>
-                            <a:schemeClr val="tx1"/>
-                          </a:solidFill>
-                          <a:effectLst/>
-                          <a:latin typeface="+mn-lt"/>
-                        </a:rPr>
-                        <a:t>0.812</a:t>
-                      </a:r>
-                    </a:p>
-                  </a:txBody>
-                  <a:tcPr marL="76261" marR="76261" marT="38130" marB="38130" anchor="ctr">
-                    <a:lnL w="12700" cmpd="sng">
-                      <a:noFill/>
-                    </a:lnL>
-                    <a:lnR w="12700" cmpd="sng">
-                      <a:noFill/>
-                    </a:lnR>
-                    <a:lnT w="12700" cmpd="sng">
-                      <a:noFill/>
-                    </a:lnT>
-                    <a:lnB w="12700" cmpd="sng">
-                      <a:noFill/>
-                    </a:lnB>
-                    <a:lnTlToBr w="12700" cmpd="sng">
-                      <a:noFill/>
-                      <a:prstDash val="solid"/>
-                    </a:lnTlToBr>
-                    <a:lnBlToTr w="12700" cmpd="sng">
-                      <a:noFill/>
-                      <a:prstDash val="solid"/>
-                    </a:lnBlToTr>
-                    <a:noFill/>
-                  </a:tcPr>
-                </a:tc>
-                <a:extLst>
-                  <a:ext uri="{0D108BD9-81ED-4DB2-BD59-A6C34878D82A}">
-                    <a16:rowId xmlns:a16="http://schemas.microsoft.com/office/drawing/2014/main" val="365120011"/>
-                  </a:ext>
-                </a:extLst>
-              </a:tr>
-              <a:tr h="284706">
-                <a:tc>
-                  <a:txBody>
-                    <a:bodyPr/>
-                    <a:lstStyle/>
-                    <a:p>
-                      <a:pPr algn="ctr" fontAlgn="b"/>
-                      <a:r>
-                        <a:rPr lang="en-US" sz="1200" b="0" u="none" strike="noStrike" dirty="0">
-                          <a:solidFill>
-                            <a:schemeClr val="tx1"/>
-                          </a:solidFill>
-                          <a:effectLst/>
-                        </a:rPr>
-                        <a:t>            1</a:t>
-                      </a:r>
-                      <a:endParaRPr lang="en-US" sz="1200" b="0" i="0" u="none" strike="noStrike" dirty="0">
-                        <a:solidFill>
-                          <a:schemeClr val="tx1"/>
-                        </a:solidFill>
-                        <a:effectLst/>
-                        <a:latin typeface="+mn-lt"/>
-                      </a:endParaRPr>
-                    </a:p>
-                  </a:txBody>
-                  <a:tcPr marL="240191" marR="76261" marT="38130" marB="38130" anchor="ctr">
-                    <a:lnL w="12700" cmpd="sng">
-                      <a:noFill/>
-                    </a:lnL>
-                    <a:lnR w="12700" cmpd="sng">
-                      <a:noFill/>
-                    </a:lnR>
-                    <a:lnT w="12700" cmpd="sng">
-                      <a:noFill/>
-                    </a:lnT>
-                    <a:lnB w="12700" cmpd="sng">
-                      <a:noFill/>
-                    </a:lnB>
-                    <a:lnTlToBr w="12700" cmpd="sng">
-                      <a:noFill/>
-                      <a:prstDash val="solid"/>
-                    </a:lnTlToBr>
-                    <a:lnBlToTr w="12700" cmpd="sng">
-                      <a:noFill/>
-                      <a:prstDash val="solid"/>
-                    </a:lnBlToTr>
-                    <a:noFill/>
-                  </a:tcPr>
-                </a:tc>
-                <a:tc>
-                  <a:txBody>
-                    <a:bodyPr/>
-                    <a:lstStyle/>
-                    <a:p>
-                      <a:pPr algn="r" fontAlgn="b"/>
-                      <a:r>
-                        <a:rPr lang="en-US" sz="1200" b="0" i="0" u="none" strike="noStrike" dirty="0" err="1">
-                          <a:solidFill>
-                            <a:schemeClr val="tx1"/>
-                          </a:solidFill>
-                          <a:effectLst/>
-                          <a:latin typeface="+mn-lt"/>
-                        </a:rPr>
-                        <a:t>Naïve_Bayes</a:t>
-                      </a:r>
-                      <a:endParaRPr lang="en-US" sz="1200" b="0" i="0" u="none" strike="noStrike" dirty="0">
-                        <a:solidFill>
-                          <a:schemeClr val="tx1"/>
-                        </a:solidFill>
-                        <a:effectLst/>
-                        <a:latin typeface="+mn-lt"/>
-                      </a:endParaRPr>
-                    </a:p>
-                  </a:txBody>
-                  <a:tcPr marL="76261" marR="76261" marT="38130" marB="38130" anchor="ctr">
-                    <a:lnL w="12700" cmpd="sng">
-                      <a:noFill/>
-                    </a:lnL>
-                    <a:lnR w="12700" cmpd="sng">
-                      <a:noFill/>
-                    </a:lnR>
-                    <a:lnT w="12700" cmpd="sng">
-                      <a:noFill/>
-                    </a:lnT>
-                    <a:lnB w="12700" cmpd="sng">
-                      <a:noFill/>
-                    </a:lnB>
-                    <a:lnTlToBr w="12700" cmpd="sng">
-                      <a:noFill/>
-                      <a:prstDash val="solid"/>
-                    </a:lnTlToBr>
-                    <a:lnBlToTr w="12700" cmpd="sng">
-                      <a:noFill/>
-                      <a:prstDash val="solid"/>
-                    </a:lnBlToTr>
-                    <a:noFill/>
-                  </a:tcPr>
-                </a:tc>
-                <a:tc>
-                  <a:txBody>
-                    <a:bodyPr/>
-                    <a:lstStyle/>
-                    <a:p>
-                      <a:pPr algn="r" fontAlgn="b"/>
-                      <a:r>
-                        <a:rPr lang="en-US" sz="1200" b="0" i="0" u="none" strike="noStrike" dirty="0">
-                          <a:solidFill>
-                            <a:schemeClr val="tx1"/>
-                          </a:solidFill>
-                          <a:effectLst/>
-                          <a:latin typeface="+mn-lt"/>
-                        </a:rPr>
-                        <a:t>0.780</a:t>
-                      </a:r>
-                    </a:p>
-                  </a:txBody>
-                  <a:tcPr marL="76261" marR="76261" marT="38130" marB="38130" anchor="ctr">
-                    <a:lnL w="12700" cmpd="sng">
-                      <a:noFill/>
-                    </a:lnL>
-                    <a:lnR w="12700" cmpd="sng">
-                      <a:noFill/>
-                    </a:lnR>
-                    <a:lnT w="12700" cmpd="sng">
-                      <a:noFill/>
-                    </a:lnT>
-                    <a:lnB w="12700" cmpd="sng">
-                      <a:noFill/>
-                    </a:lnB>
-                    <a:lnTlToBr w="12700" cmpd="sng">
-                      <a:noFill/>
-                      <a:prstDash val="solid"/>
-                    </a:lnTlToBr>
-                    <a:lnBlToTr w="12700" cmpd="sng">
-                      <a:noFill/>
-                      <a:prstDash val="solid"/>
-                    </a:lnBlToTr>
-                    <a:noFill/>
-                  </a:tcPr>
-                </a:tc>
-                <a:tc>
-                  <a:txBody>
-                    <a:bodyPr/>
-                    <a:lstStyle/>
-                    <a:p>
-                      <a:pPr algn="r" fontAlgn="b"/>
-                      <a:r>
-                        <a:rPr lang="en-US" sz="1200" b="0" i="0" u="none" strike="noStrike" dirty="0">
-                          <a:solidFill>
-                            <a:schemeClr val="tx1"/>
-                          </a:solidFill>
-                          <a:effectLst/>
-                          <a:latin typeface="+mn-lt"/>
-                        </a:rPr>
-                        <a:t>0.782</a:t>
-                      </a:r>
-                    </a:p>
-                  </a:txBody>
-                  <a:tcPr marL="76261" marR="76261" marT="38130" marB="38130" anchor="ctr">
-                    <a:lnL w="12700" cmpd="sng">
-                      <a:noFill/>
-                    </a:lnL>
-                    <a:lnR w="12700" cmpd="sng">
-                      <a:noFill/>
-                    </a:lnR>
-                    <a:lnT w="12700" cmpd="sng">
-                      <a:noFill/>
-                    </a:lnT>
-                    <a:lnB w="12700" cmpd="sng">
-                      <a:noFill/>
-                    </a:lnB>
-                    <a:lnTlToBr w="12700" cmpd="sng">
-                      <a:noFill/>
-                      <a:prstDash val="solid"/>
-                    </a:lnTlToBr>
-                    <a:lnBlToTr w="12700" cmpd="sng">
-                      <a:noFill/>
-                      <a:prstDash val="solid"/>
-                    </a:lnBlToTr>
-                    <a:noFill/>
-                  </a:tcPr>
-                </a:tc>
-                <a:extLst>
-                  <a:ext uri="{0D108BD9-81ED-4DB2-BD59-A6C34878D82A}">
-                    <a16:rowId xmlns:a16="http://schemas.microsoft.com/office/drawing/2014/main" val="4241422160"/>
-                  </a:ext>
-                </a:extLst>
-              </a:tr>
-              <a:tr h="284706">
-                <a:tc>
-                  <a:txBody>
-                    <a:bodyPr/>
-                    <a:lstStyle/>
-                    <a:p>
-                      <a:pPr marL="457200" lvl="1" indent="0" algn="ctr" fontAlgn="b">
-                        <a:buFont typeface="Arial" panose="020B0604020202020204" pitchFamily="34" charset="0"/>
-                        <a:buNone/>
-                      </a:pPr>
-                      <a:r>
-                        <a:rPr lang="en-US" sz="1200" b="0" u="none" strike="noStrike" dirty="0">
-                          <a:solidFill>
-                            <a:schemeClr val="tx1"/>
-                          </a:solidFill>
-                          <a:effectLst/>
-                        </a:rPr>
-                        <a:t>2</a:t>
-                      </a:r>
-                      <a:endParaRPr lang="en-US" sz="1200" b="0" i="0" u="none" strike="noStrike" dirty="0">
-                        <a:solidFill>
-                          <a:schemeClr val="tx1"/>
-                        </a:solidFill>
-                        <a:effectLst/>
-                        <a:latin typeface="+mn-lt"/>
-                      </a:endParaRPr>
-                    </a:p>
-                  </a:txBody>
-                  <a:tcPr marL="240191" marR="76261" marT="38130" marB="38130" anchor="ctr">
-                    <a:lnL w="12700" cmpd="sng">
-                      <a:noFill/>
-                    </a:lnL>
-                    <a:lnR w="12700" cmpd="sng">
-                      <a:noFill/>
-                    </a:lnR>
-                    <a:lnT w="12700" cmpd="sng">
-                      <a:noFill/>
-                    </a:lnT>
-                    <a:lnB w="12700" cmpd="sng">
-                      <a:noFill/>
-                    </a:lnB>
-                    <a:lnTlToBr w="12700" cmpd="sng">
-                      <a:noFill/>
-                      <a:prstDash val="solid"/>
-                    </a:lnTlToBr>
-                    <a:lnBlToTr w="12700" cmpd="sng">
-                      <a:noFill/>
-                      <a:prstDash val="solid"/>
-                    </a:lnBlToTr>
-                    <a:noFill/>
-                  </a:tcPr>
-                </a:tc>
-                <a:tc>
-                  <a:txBody>
-                    <a:bodyPr/>
-                    <a:lstStyle/>
-                    <a:p>
-                      <a:pPr algn="r" fontAlgn="b"/>
-                      <a:r>
-                        <a:rPr lang="en-US" sz="1200" b="0" i="0" u="none" strike="noStrike" dirty="0" err="1">
-                          <a:solidFill>
-                            <a:schemeClr val="tx1"/>
-                          </a:solidFill>
-                          <a:effectLst/>
-                          <a:latin typeface="+mn-lt"/>
-                        </a:rPr>
-                        <a:t>Naïve_Bayes</a:t>
-                      </a:r>
-                      <a:endParaRPr lang="en-US" sz="1200" b="0" i="0" u="none" strike="noStrike" dirty="0">
-                        <a:solidFill>
-                          <a:schemeClr val="tx1"/>
-                        </a:solidFill>
-                        <a:effectLst/>
-                        <a:latin typeface="+mn-lt"/>
-                      </a:endParaRPr>
-                    </a:p>
-                  </a:txBody>
-                  <a:tcPr marL="76261" marR="76261" marT="38130" marB="38130" anchor="ctr">
-                    <a:lnL w="12700" cmpd="sng">
-                      <a:noFill/>
-                    </a:lnL>
-                    <a:lnR w="12700" cmpd="sng">
-                      <a:noFill/>
-                    </a:lnR>
-                    <a:lnT w="12700" cmpd="sng">
-                      <a:noFill/>
-                    </a:lnT>
-                    <a:lnB w="12700" cmpd="sng">
-                      <a:noFill/>
-                    </a:lnB>
-                    <a:lnTlToBr w="12700" cmpd="sng">
-                      <a:noFill/>
-                      <a:prstDash val="solid"/>
-                    </a:lnTlToBr>
-                    <a:lnBlToTr w="12700" cmpd="sng">
-                      <a:noFill/>
-                      <a:prstDash val="solid"/>
-                    </a:lnBlToTr>
-                    <a:noFill/>
-                  </a:tcPr>
-                </a:tc>
-                <a:tc>
-                  <a:txBody>
-                    <a:bodyPr/>
-                    <a:lstStyle/>
-                    <a:p>
-                      <a:pPr algn="r" fontAlgn="b"/>
-                      <a:r>
-                        <a:rPr lang="en-US" sz="1200" b="0" i="0" u="none" strike="noStrike" dirty="0">
-                          <a:solidFill>
-                            <a:schemeClr val="tx1"/>
-                          </a:solidFill>
-                          <a:effectLst/>
-                          <a:latin typeface="+mn-lt"/>
-                        </a:rPr>
-                        <a:t>0.782</a:t>
-                      </a:r>
-                    </a:p>
-                  </a:txBody>
-                  <a:tcPr marL="76261" marR="76261" marT="38130" marB="38130" anchor="ctr">
-                    <a:lnL w="12700" cmpd="sng">
-                      <a:noFill/>
-                    </a:lnL>
-                    <a:lnR w="12700" cmpd="sng">
-                      <a:noFill/>
-                    </a:lnR>
-                    <a:lnT w="12700" cmpd="sng">
-                      <a:noFill/>
-                    </a:lnT>
-                    <a:lnB w="12700" cmpd="sng">
-                      <a:noFill/>
-                    </a:lnB>
-                    <a:lnTlToBr w="12700" cmpd="sng">
-                      <a:noFill/>
-                      <a:prstDash val="solid"/>
-                    </a:lnTlToBr>
-                    <a:lnBlToTr w="12700" cmpd="sng">
-                      <a:noFill/>
-                      <a:prstDash val="solid"/>
-                    </a:lnBlToTr>
-                    <a:noFill/>
-                  </a:tcPr>
-                </a:tc>
-                <a:tc>
-                  <a:txBody>
-                    <a:bodyPr/>
-                    <a:lstStyle/>
-                    <a:p>
-                      <a:pPr algn="r" fontAlgn="b"/>
-                      <a:r>
-                        <a:rPr lang="en-US" sz="1200" b="0" u="none" strike="noStrike" dirty="0">
-                          <a:solidFill>
-                            <a:schemeClr val="tx1"/>
-                          </a:solidFill>
-                          <a:effectLst/>
-                        </a:rPr>
-                        <a:t>0.785</a:t>
-                      </a:r>
-                      <a:endParaRPr lang="en-US" sz="1200" b="0" i="0" u="none" strike="noStrike" dirty="0">
-                        <a:solidFill>
-                          <a:schemeClr val="tx1"/>
-                        </a:solidFill>
-                        <a:effectLst/>
-                        <a:latin typeface="+mn-lt"/>
-                      </a:endParaRPr>
-                    </a:p>
-                  </a:txBody>
-                  <a:tcPr marL="76261" marR="76261" marT="38130" marB="38130" anchor="ctr">
-                    <a:lnL w="12700" cmpd="sng">
-                      <a:noFill/>
-                    </a:lnL>
-                    <a:lnR w="12700" cmpd="sng">
-                      <a:noFill/>
-                    </a:lnR>
-                    <a:lnT w="12700" cmpd="sng">
-                      <a:noFill/>
-                    </a:lnT>
-                    <a:lnB w="12700" cmpd="sng">
-                      <a:noFill/>
-                    </a:lnB>
-                    <a:lnTlToBr w="12700" cmpd="sng">
-                      <a:noFill/>
-                      <a:prstDash val="solid"/>
-                    </a:lnTlToBr>
-                    <a:lnBlToTr w="12700" cmpd="sng">
-                      <a:noFill/>
-                      <a:prstDash val="solid"/>
-                    </a:lnBlToTr>
-                    <a:noFill/>
-                  </a:tcPr>
-                </a:tc>
-                <a:extLst>
-                  <a:ext uri="{0D108BD9-81ED-4DB2-BD59-A6C34878D82A}">
-                    <a16:rowId xmlns:a16="http://schemas.microsoft.com/office/drawing/2014/main" val="2662407092"/>
-                  </a:ext>
-                </a:extLst>
-              </a:tr>
-              <a:tr h="284706">
-                <a:tc>
-                  <a:txBody>
-                    <a:bodyPr/>
-                    <a:lstStyle/>
-                    <a:p>
-                      <a:pPr marL="457200" lvl="1" indent="0" algn="ctr" fontAlgn="b">
-                        <a:buFont typeface="Arial" panose="020B0604020202020204" pitchFamily="34" charset="0"/>
-                        <a:buNone/>
-                      </a:pPr>
-                      <a:r>
-                        <a:rPr lang="en-US" sz="1200" b="0" u="none" strike="noStrike" dirty="0">
-                          <a:solidFill>
-                            <a:schemeClr val="tx1"/>
-                          </a:solidFill>
-                          <a:effectLst/>
-                        </a:rPr>
-                        <a:t>1</a:t>
-                      </a:r>
-                      <a:endParaRPr lang="en-US" sz="1200" b="0" i="0" u="none" strike="noStrike" dirty="0">
-                        <a:solidFill>
-                          <a:schemeClr val="tx1"/>
-                        </a:solidFill>
-                        <a:effectLst/>
-                        <a:latin typeface="+mn-lt"/>
-                      </a:endParaRPr>
-                    </a:p>
-                  </a:txBody>
-                  <a:tcPr marL="240191" marR="76261" marT="38130" marB="38130" anchor="ctr">
-                    <a:lnL w="12700" cmpd="sng">
-                      <a:noFill/>
-                    </a:lnL>
-                    <a:lnR w="12700" cmpd="sng">
-                      <a:noFill/>
-                    </a:lnR>
-                    <a:lnT w="12700" cmpd="sng">
-                      <a:noFill/>
-                    </a:lnT>
-                    <a:lnB w="12700" cmpd="sng">
-                      <a:noFill/>
-                    </a:lnB>
-                    <a:lnTlToBr w="12700" cmpd="sng">
-                      <a:noFill/>
-                      <a:prstDash val="solid"/>
-                    </a:lnTlToBr>
-                    <a:lnBlToTr w="12700" cmpd="sng">
-                      <a:noFill/>
-                      <a:prstDash val="solid"/>
-                    </a:lnBlToTr>
-                    <a:noFill/>
-                  </a:tcPr>
-                </a:tc>
-                <a:tc>
-                  <a:txBody>
-                    <a:bodyPr/>
-                    <a:lstStyle/>
-                    <a:p>
-                      <a:pPr algn="r" fontAlgn="b"/>
-                      <a:r>
-                        <a:rPr lang="en-US" sz="1200" b="0" i="0" u="none" strike="noStrike" dirty="0" err="1">
-                          <a:solidFill>
-                            <a:schemeClr val="tx1"/>
-                          </a:solidFill>
-                          <a:effectLst/>
-                          <a:latin typeface="+mn-lt"/>
-                        </a:rPr>
-                        <a:t>Logistic_Regression</a:t>
-                      </a:r>
-                      <a:endParaRPr lang="en-US" sz="1200" b="0" i="0" u="none" strike="noStrike" dirty="0">
-                        <a:solidFill>
-                          <a:schemeClr val="tx1"/>
-                        </a:solidFill>
-                        <a:effectLst/>
-                        <a:latin typeface="+mn-lt"/>
-                      </a:endParaRPr>
-                    </a:p>
-                  </a:txBody>
-                  <a:tcPr marL="76261" marR="76261" marT="38130" marB="38130" anchor="ctr">
-                    <a:lnL w="12700" cmpd="sng">
-                      <a:noFill/>
-                    </a:lnL>
-                    <a:lnR w="12700" cmpd="sng">
-                      <a:noFill/>
-                    </a:lnR>
-                    <a:lnT w="12700" cmpd="sng">
-                      <a:noFill/>
-                    </a:lnT>
-                    <a:lnB w="12700" cmpd="sng">
-                      <a:noFill/>
-                    </a:lnB>
-                    <a:lnTlToBr w="12700" cmpd="sng">
-                      <a:noFill/>
-                      <a:prstDash val="solid"/>
-                    </a:lnTlToBr>
-                    <a:lnBlToTr w="12700" cmpd="sng">
-                      <a:noFill/>
-                      <a:prstDash val="solid"/>
-                    </a:lnBlToTr>
-                    <a:noFill/>
-                  </a:tcPr>
-                </a:tc>
-                <a:tc>
-                  <a:txBody>
-                    <a:bodyPr/>
-                    <a:lstStyle/>
-                    <a:p>
-                      <a:pPr algn="r" fontAlgn="b"/>
-                      <a:r>
-                        <a:rPr lang="en-US" sz="1200" b="0" i="0" u="none" strike="noStrike" dirty="0">
-                          <a:solidFill>
-                            <a:schemeClr val="tx1"/>
-                          </a:solidFill>
-                          <a:effectLst/>
-                          <a:latin typeface="+mn-lt"/>
-                        </a:rPr>
-                        <a:t>0.817</a:t>
-                      </a:r>
-                    </a:p>
-                  </a:txBody>
-                  <a:tcPr marL="76261" marR="76261" marT="38130" marB="38130" anchor="ctr">
-                    <a:lnL w="12700" cmpd="sng">
-                      <a:noFill/>
-                    </a:lnL>
-                    <a:lnR w="12700" cmpd="sng">
-                      <a:noFill/>
-                    </a:lnR>
-                    <a:lnT w="12700" cmpd="sng">
-                      <a:noFill/>
-                    </a:lnT>
-                    <a:lnB w="12700" cmpd="sng">
-                      <a:noFill/>
-                    </a:lnB>
-                    <a:lnTlToBr w="12700" cmpd="sng">
-                      <a:noFill/>
-                      <a:prstDash val="solid"/>
-                    </a:lnTlToBr>
-                    <a:lnBlToTr w="12700" cmpd="sng">
-                      <a:noFill/>
-                      <a:prstDash val="solid"/>
-                    </a:lnBlToTr>
-                    <a:noFill/>
-                  </a:tcPr>
-                </a:tc>
-                <a:tc>
-                  <a:txBody>
-                    <a:bodyPr/>
-                    <a:lstStyle/>
-                    <a:p>
-                      <a:pPr algn="r" fontAlgn="b"/>
-                      <a:r>
-                        <a:rPr lang="en-US" sz="1200" b="0" u="none" strike="noStrike" dirty="0">
-                          <a:solidFill>
-                            <a:schemeClr val="tx1"/>
-                          </a:solidFill>
-                          <a:effectLst/>
-                        </a:rPr>
-                        <a:t>0.821</a:t>
-                      </a:r>
-                      <a:endParaRPr lang="en-US" sz="1200" b="0" i="0" u="none" strike="noStrike" dirty="0">
-                        <a:solidFill>
-                          <a:schemeClr val="tx1"/>
-                        </a:solidFill>
-                        <a:effectLst/>
-                        <a:latin typeface="+mn-lt"/>
-                      </a:endParaRPr>
-                    </a:p>
-                  </a:txBody>
-                  <a:tcPr marL="76261" marR="76261" marT="38130" marB="38130" anchor="ctr">
-                    <a:lnL w="12700" cmpd="sng">
-                      <a:noFill/>
-                    </a:lnL>
-                    <a:lnR w="12700" cmpd="sng">
-                      <a:noFill/>
-                    </a:lnR>
-                    <a:lnT w="12700" cmpd="sng">
-                      <a:noFill/>
-                    </a:lnT>
-                    <a:lnB w="12700" cmpd="sng">
-                      <a:noFill/>
-                    </a:lnB>
-                    <a:lnTlToBr w="12700" cmpd="sng">
-                      <a:noFill/>
-                      <a:prstDash val="solid"/>
-                    </a:lnTlToBr>
-                    <a:lnBlToTr w="12700" cmpd="sng">
-                      <a:noFill/>
-                      <a:prstDash val="solid"/>
-                    </a:lnBlToTr>
-                    <a:noFill/>
-                  </a:tcPr>
-                </a:tc>
-                <a:extLst>
-                  <a:ext uri="{0D108BD9-81ED-4DB2-BD59-A6C34878D82A}">
-                    <a16:rowId xmlns:a16="http://schemas.microsoft.com/office/drawing/2014/main" val="1806368409"/>
-                  </a:ext>
-                </a:extLst>
-              </a:tr>
-              <a:tr h="284706">
-                <a:tc>
-                  <a:txBody>
-                    <a:bodyPr/>
-                    <a:lstStyle/>
-                    <a:p>
-                      <a:pPr marL="457200" lvl="1" indent="0" algn="ctr" fontAlgn="b">
-                        <a:buFont typeface="Arial" panose="020B0604020202020204" pitchFamily="34" charset="0"/>
-                        <a:buNone/>
-                      </a:pPr>
-                      <a:r>
-                        <a:rPr lang="en-US" sz="1200" b="0" i="0" u="none" strike="noStrike" dirty="0">
-                          <a:solidFill>
-                            <a:schemeClr val="tx1"/>
-                          </a:solidFill>
-                          <a:effectLst/>
-                          <a:latin typeface="+mn-lt"/>
-                        </a:rPr>
-                        <a:t>2</a:t>
-                      </a:r>
-                    </a:p>
-                  </a:txBody>
-                  <a:tcPr marL="240191" marR="76261" marT="38130" marB="38130" anchor="ctr">
-                    <a:lnL w="12700" cmpd="sng">
-                      <a:noFill/>
-                    </a:lnL>
-                    <a:lnR w="12700" cmpd="sng">
-                      <a:noFill/>
-                    </a:lnR>
-                    <a:lnT w="12700" cmpd="sng">
-                      <a:noFill/>
-                    </a:lnT>
-                    <a:lnB w="12700" cmpd="sng">
-                      <a:noFill/>
-                    </a:lnB>
-                    <a:lnTlToBr w="12700" cmpd="sng">
-                      <a:noFill/>
-                      <a:prstDash val="solid"/>
-                    </a:lnTlToBr>
-                    <a:lnBlToTr w="12700" cmpd="sng">
-                      <a:noFill/>
-                      <a:prstDash val="solid"/>
-                    </a:lnBlToTr>
-                    <a:noFill/>
-                  </a:tcPr>
-                </a:tc>
-                <a:tc>
-                  <a:txBody>
-                    <a:bodyPr/>
-                    <a:lstStyle/>
-                    <a:p>
-                      <a:pPr marL="0" marR="0" lvl="0" indent="0" algn="r" defTabSz="914400" rtl="0" eaLnBrk="1" fontAlgn="b" latinLnBrk="0" hangingPunct="1">
-                        <a:lnSpc>
-                          <a:spcPct val="100000"/>
-                        </a:lnSpc>
-                        <a:spcBef>
-                          <a:spcPts val="0"/>
-                        </a:spcBef>
-                        <a:spcAft>
-                          <a:spcPts val="0"/>
-                        </a:spcAft>
-                        <a:buClrTx/>
-                        <a:buSzTx/>
-                        <a:buFontTx/>
-                        <a:buNone/>
-                        <a:tabLst/>
-                        <a:defRPr/>
-                      </a:pPr>
-                      <a:r>
-                        <a:rPr lang="en-US" sz="1200" b="0" i="0" u="none" strike="noStrike" dirty="0" err="1">
-                          <a:solidFill>
-                            <a:schemeClr val="tx1"/>
-                          </a:solidFill>
-                          <a:effectLst/>
-                          <a:latin typeface="+mn-lt"/>
-                        </a:rPr>
-                        <a:t>Logistic_Regression</a:t>
-                      </a:r>
-                      <a:endParaRPr lang="en-US" sz="1200" b="0" i="0" u="none" strike="noStrike" dirty="0">
-                        <a:solidFill>
-                          <a:schemeClr val="tx1"/>
-                        </a:solidFill>
-                        <a:effectLst/>
-                        <a:latin typeface="+mn-lt"/>
-                      </a:endParaRPr>
-                    </a:p>
-                  </a:txBody>
-                  <a:tcPr marL="76261" marR="76261" marT="38130" marB="38130" anchor="ctr">
-                    <a:lnL w="12700" cmpd="sng">
-                      <a:noFill/>
-                    </a:lnL>
-                    <a:lnR w="12700" cmpd="sng">
-                      <a:noFill/>
-                    </a:lnR>
-                    <a:lnT w="12700" cmpd="sng">
-                      <a:noFill/>
-                    </a:lnT>
-                    <a:lnB w="12700" cmpd="sng">
-                      <a:noFill/>
-                    </a:lnB>
-                    <a:lnTlToBr w="12700" cmpd="sng">
-                      <a:noFill/>
-                      <a:prstDash val="solid"/>
-                    </a:lnTlToBr>
-                    <a:lnBlToTr w="12700" cmpd="sng">
-                      <a:noFill/>
-                      <a:prstDash val="solid"/>
-                    </a:lnBlToTr>
-                    <a:noFill/>
-                  </a:tcPr>
-                </a:tc>
-                <a:tc>
-                  <a:txBody>
-                    <a:bodyPr/>
-                    <a:lstStyle/>
-                    <a:p>
-                      <a:pPr algn="r" fontAlgn="b"/>
-                      <a:r>
-                        <a:rPr lang="en-US" sz="1200" b="0" i="0" u="none" strike="noStrike" dirty="0">
-                          <a:solidFill>
-                            <a:schemeClr val="tx1"/>
-                          </a:solidFill>
-                          <a:effectLst/>
-                          <a:latin typeface="+mn-lt"/>
-                        </a:rPr>
-                        <a:t>0.819</a:t>
-                      </a:r>
-                    </a:p>
-                  </a:txBody>
-                  <a:tcPr marL="76261" marR="76261" marT="38130" marB="38130" anchor="ctr">
-                    <a:lnL w="12700" cmpd="sng">
-                      <a:noFill/>
-                    </a:lnL>
-                    <a:lnR w="12700" cmpd="sng">
-                      <a:noFill/>
-                    </a:lnR>
-                    <a:lnT w="12700" cmpd="sng">
-                      <a:noFill/>
-                    </a:lnT>
-                    <a:lnB w="12700" cmpd="sng">
-                      <a:noFill/>
-                    </a:lnB>
-                    <a:lnTlToBr w="12700" cmpd="sng">
-                      <a:noFill/>
-                      <a:prstDash val="solid"/>
-                    </a:lnTlToBr>
-                    <a:lnBlToTr w="12700" cmpd="sng">
-                      <a:noFill/>
-                      <a:prstDash val="solid"/>
-                    </a:lnBlToTr>
-                    <a:noFill/>
-                  </a:tcPr>
-                </a:tc>
-                <a:tc>
-                  <a:txBody>
-                    <a:bodyPr/>
-                    <a:lstStyle/>
-                    <a:p>
-                      <a:pPr algn="r" fontAlgn="b"/>
-                      <a:r>
-                        <a:rPr lang="en-US" sz="1200" b="0" u="none" strike="noStrike" dirty="0">
-                          <a:solidFill>
-                            <a:schemeClr val="tx1"/>
-                          </a:solidFill>
-                          <a:effectLst/>
-                        </a:rPr>
-                        <a:t>0.817</a:t>
-                      </a:r>
-                      <a:endParaRPr lang="en-US" sz="1200" b="0" i="0" u="none" strike="noStrike" dirty="0">
-                        <a:solidFill>
-                          <a:schemeClr val="tx1"/>
-                        </a:solidFill>
-                        <a:effectLst/>
-                        <a:latin typeface="+mn-lt"/>
-                      </a:endParaRPr>
-                    </a:p>
-                  </a:txBody>
-                  <a:tcPr marL="76261" marR="76261" marT="38130" marB="38130" anchor="ctr">
-                    <a:lnL w="12700" cmpd="sng">
-                      <a:noFill/>
-                    </a:lnL>
-                    <a:lnR w="12700" cmpd="sng">
-                      <a:noFill/>
-                    </a:lnR>
-                    <a:lnT w="12700" cmpd="sng">
-                      <a:noFill/>
-                    </a:lnT>
-                    <a:lnB w="12700" cmpd="sng">
-                      <a:noFill/>
-                    </a:lnB>
-                    <a:lnTlToBr w="12700" cmpd="sng">
-                      <a:noFill/>
-                      <a:prstDash val="solid"/>
-                    </a:lnTlToBr>
-                    <a:lnBlToTr w="12700" cmpd="sng">
-                      <a:noFill/>
-                      <a:prstDash val="solid"/>
-                    </a:lnBlToTr>
-                    <a:noFill/>
-                  </a:tcPr>
-                </a:tc>
-                <a:extLst>
-                  <a:ext uri="{0D108BD9-81ED-4DB2-BD59-A6C34878D82A}">
-                    <a16:rowId xmlns:a16="http://schemas.microsoft.com/office/drawing/2014/main" val="879688327"/>
-                  </a:ext>
-                </a:extLst>
-              </a:tr>
-            </a:tbl>
-          </a:graphicData>
-        </a:graphic>
-      </p:graphicFrame>
-    </p:spTree>
-    <p:extLst>
-      <p:ext uri="{BB962C8B-B14F-4D97-AF65-F5344CB8AC3E}">
-        <p14:creationId xmlns:p14="http://schemas.microsoft.com/office/powerpoint/2010/main" val="3959449097"/>
-      </p:ext>
-    </p:extLst>
-  </p:cSld>
-  <p:clrMapOvr>
-    <a:masterClrMapping/>
-  </p:clrMapOvr>
-</p:sld>
-</file>
-
-<file path=ppt/slides/slide25.xml><?xml version="1.0" encoding="utf-8"?>
-<p:sld xmlns:a="http://schemas.openxmlformats.org/drawingml/2006/main" xmlns:r="http://schemas.openxmlformats.org/officeDocument/2006/relationships" xmlns:p="http://schemas.openxmlformats.org/presentationml/2006/main">
-  <p:cSld>
-    <p:spTree>
-      <p:nvGrpSpPr>
-        <p:cNvPr id="1" name=""/>
-        <p:cNvGrpSpPr/>
-        <p:nvPr/>
-      </p:nvGrpSpPr>
-      <p:grpSpPr>
-        <a:xfrm>
-          <a:off x="0" y="0"/>
-          <a:ext cx="0" cy="0"/>
-          <a:chOff x="0" y="0"/>
-          <a:chExt cx="0" cy="0"/>
-        </a:xfrm>
-      </p:grpSpPr>
-      <p:sp>
-        <p:nvSpPr>
-          <p:cNvPr id="2" name="Title 1">
-            <a:extLst>
-              <a:ext uri="{FF2B5EF4-FFF2-40B4-BE49-F238E27FC236}">
-                <a16:creationId xmlns:a16="http://schemas.microsoft.com/office/drawing/2014/main" id="{1A47FBC9-48D3-FEBD-9FC8-246BB10CB0DA}"/>
-              </a:ext>
-            </a:extLst>
-          </p:cNvPr>
-          <p:cNvSpPr>
-            <a:spLocks noGrp="1"/>
-          </p:cNvSpPr>
-          <p:nvPr>
-            <p:ph type="title"/>
-          </p:nvPr>
-        </p:nvSpPr>
-        <p:spPr>
-          <a:xfrm>
-            <a:off x="2146045" y="859229"/>
-            <a:ext cx="8156058" cy="962023"/>
-          </a:xfrm>
-        </p:spPr>
-        <p:txBody>
-          <a:bodyPr/>
-          <a:lstStyle/>
-          <a:p>
-            <a:pPr algn="ctr"/>
-            <a:r>
-              <a:rPr lang="en-US" dirty="0"/>
-              <a:t>Importance of features</a:t>
-            </a:r>
-            <a:endParaRPr lang="en-IN" dirty="0"/>
-          </a:p>
-        </p:txBody>
-      </p:sp>
-      <p:sp>
-        <p:nvSpPr>
-          <p:cNvPr id="7" name="Slide Number Placeholder 6">
-            <a:extLst>
-              <a:ext uri="{FF2B5EF4-FFF2-40B4-BE49-F238E27FC236}">
-                <a16:creationId xmlns:a16="http://schemas.microsoft.com/office/drawing/2014/main" id="{C2DC2508-55B6-9BBF-BBFC-51DC5A5CB9F9}"/>
-              </a:ext>
-            </a:extLst>
-          </p:cNvPr>
-          <p:cNvSpPr>
-            <a:spLocks noGrp="1"/>
-          </p:cNvSpPr>
-          <p:nvPr>
-            <p:ph type="sldNum" sz="quarter" idx="12"/>
-          </p:nvPr>
-        </p:nvSpPr>
-        <p:spPr/>
-        <p:txBody>
-          <a:bodyPr/>
-          <a:lstStyle/>
-          <a:p>
-            <a:pPr marL="0" marR="0" lvl="0" indent="0" algn="r" defTabSz="914400" rtl="0" eaLnBrk="1" fontAlgn="auto" latinLnBrk="0" hangingPunct="1">
-              <a:lnSpc>
-                <a:spcPct val="100000"/>
-              </a:lnSpc>
-              <a:spcBef>
-                <a:spcPts val="0"/>
-              </a:spcBef>
-              <a:spcAft>
-                <a:spcPts val="0"/>
-              </a:spcAft>
-              <a:buClrTx/>
-              <a:buSzTx/>
-              <a:buFontTx/>
-              <a:buNone/>
-              <a:tabLst/>
-              <a:defRPr/>
-            </a:pPr>
-            <a:fld id="{B5CEABB6-07DC-46E8-9B57-56EC44A396E5}" type="slidenum">
-              <a:rPr kumimoji="0" lang="en-US" sz="900" b="0" i="0" u="none" strike="noStrike" kern="1200" cap="none" spc="0" normalizeH="0" baseline="0" noProof="0" smtClean="0">
-                <a:ln>
-                  <a:noFill/>
-                </a:ln>
-                <a:solidFill>
-                  <a:prstClr val="black">
-                    <a:tint val="75000"/>
-                  </a:prstClr>
-                </a:solidFill>
-                <a:effectLst/>
-                <a:uLnTx/>
-                <a:uFillTx/>
-                <a:latin typeface="Tenorite"/>
-                <a:ea typeface="+mn-ea"/>
-                <a:cs typeface="+mn-cs"/>
-              </a:rPr>
-              <a:pPr marL="0" marR="0" lvl="0" indent="0" algn="r" defTabSz="914400" rtl="0" eaLnBrk="1" fontAlgn="auto" latinLnBrk="0" hangingPunct="1">
-                <a:lnSpc>
-                  <a:spcPct val="100000"/>
-                </a:lnSpc>
-                <a:spcBef>
-                  <a:spcPts val="0"/>
-                </a:spcBef>
-                <a:spcAft>
-                  <a:spcPts val="0"/>
-                </a:spcAft>
-                <a:buClrTx/>
-                <a:buSzTx/>
-                <a:buFontTx/>
-                <a:buNone/>
-                <a:tabLst/>
-                <a:defRPr/>
-              </a:pPr>
-              <a:t>25</a:t>
-            </a:fld>
-            <a:endParaRPr kumimoji="0" lang="en-US" sz="900" b="0" i="0" u="none" strike="noStrike" kern="1200" cap="none" spc="0" normalizeH="0" baseline="0" noProof="0" dirty="0">
-              <a:ln>
-                <a:noFill/>
-              </a:ln>
-              <a:solidFill>
-                <a:prstClr val="black">
-                  <a:tint val="75000"/>
-                </a:prstClr>
-              </a:solidFill>
-              <a:effectLst/>
-              <a:uLnTx/>
-              <a:uFillTx/>
-              <a:latin typeface="Tenorite"/>
-              <a:ea typeface="+mn-ea"/>
-              <a:cs typeface="+mn-cs"/>
-            </a:endParaRPr>
-          </a:p>
-        </p:txBody>
-      </p:sp>
-      <p:pic>
-        <p:nvPicPr>
-          <p:cNvPr id="5" name="Picture 4">
-            <a:extLst>
-              <a:ext uri="{FF2B5EF4-FFF2-40B4-BE49-F238E27FC236}">
-                <a16:creationId xmlns:a16="http://schemas.microsoft.com/office/drawing/2014/main" id="{8C7D31D8-E6C1-EB4C-929B-52B35C2A980F}"/>
-              </a:ext>
-            </a:extLst>
-          </p:cNvPr>
-          <p:cNvPicPr>
-            <a:picLocks noChangeAspect="1"/>
-          </p:cNvPicPr>
-          <p:nvPr/>
-        </p:nvPicPr>
-        <p:blipFill>
-          <a:blip r:embed="rId2"/>
-          <a:stretch>
-            <a:fillRect/>
-          </a:stretch>
-        </p:blipFill>
-        <p:spPr>
-          <a:xfrm>
-            <a:off x="3256622" y="1821252"/>
-            <a:ext cx="5934903" cy="3667637"/>
-          </a:xfrm>
-          <a:prstGeom prst="rect">
-            <a:avLst/>
-          </a:prstGeom>
-        </p:spPr>
-      </p:pic>
-    </p:spTree>
-    <p:extLst>
-      <p:ext uri="{BB962C8B-B14F-4D97-AF65-F5344CB8AC3E}">
-        <p14:creationId xmlns:p14="http://schemas.microsoft.com/office/powerpoint/2010/main" val="1192853374"/>
-      </p:ext>
-    </p:extLst>
-  </p:cSld>
-  <p:clrMapOvr>
-    <a:masterClrMapping/>
-  </p:clrMapOvr>
-</p:sld>
-</file>
-
-<file path=ppt/slides/slide26.xml><?xml version="1.0" encoding="utf-8"?>
-<p:sld xmlns:a="http://schemas.openxmlformats.org/drawingml/2006/main" xmlns:r="http://schemas.openxmlformats.org/officeDocument/2006/relationships" xmlns:p="http://schemas.openxmlformats.org/presentationml/2006/main">
-  <p:cSld>
-    <p:spTree>
-      <p:nvGrpSpPr>
-        <p:cNvPr id="1" name=""/>
-        <p:cNvGrpSpPr/>
-        <p:nvPr/>
-      </p:nvGrpSpPr>
-      <p:grpSpPr>
-        <a:xfrm>
-          <a:off x="0" y="0"/>
-          <a:ext cx="0" cy="0"/>
-          <a:chOff x="0" y="0"/>
-          <a:chExt cx="0" cy="0"/>
-        </a:xfrm>
-      </p:grpSpPr>
-      <p:sp>
-        <p:nvSpPr>
-          <p:cNvPr id="2" name="Title 1">
-            <a:extLst>
-              <a:ext uri="{FF2B5EF4-FFF2-40B4-BE49-F238E27FC236}">
-                <a16:creationId xmlns:a16="http://schemas.microsoft.com/office/drawing/2014/main" id="{9215B783-3002-29EB-0E5F-1320CA3503EC}"/>
-              </a:ext>
-            </a:extLst>
-          </p:cNvPr>
-          <p:cNvSpPr>
-            <a:spLocks noGrp="1"/>
-          </p:cNvSpPr>
-          <p:nvPr>
-            <p:ph type="title"/>
-          </p:nvPr>
-        </p:nvSpPr>
-        <p:spPr/>
-        <p:txBody>
-          <a:bodyPr/>
-          <a:lstStyle/>
-          <a:p>
-            <a:r>
-              <a:rPr lang="en-US" dirty="0"/>
-              <a:t>Importance of Features</a:t>
-            </a:r>
-            <a:endParaRPr lang="en-IN" dirty="0"/>
-          </a:p>
-        </p:txBody>
-      </p:sp>
-      <p:sp>
-        <p:nvSpPr>
-          <p:cNvPr id="3" name="Text Placeholder 2">
-            <a:extLst>
-              <a:ext uri="{FF2B5EF4-FFF2-40B4-BE49-F238E27FC236}">
-                <a16:creationId xmlns:a16="http://schemas.microsoft.com/office/drawing/2014/main" id="{EB31FD07-E5E6-F5CA-BC43-59112E2F407A}"/>
-              </a:ext>
-            </a:extLst>
-          </p:cNvPr>
-          <p:cNvSpPr>
-            <a:spLocks noGrp="1"/>
-          </p:cNvSpPr>
-          <p:nvPr>
-            <p:ph type="body" idx="1"/>
-          </p:nvPr>
-        </p:nvSpPr>
-        <p:spPr>
-          <a:xfrm>
-            <a:off x="5476875" y="3200400"/>
-            <a:ext cx="5111750" cy="3155950"/>
-          </a:xfrm>
-        </p:spPr>
-        <p:txBody>
-          <a:bodyPr>
-            <a:normAutofit fontScale="92500" lnSpcReduction="20000"/>
-          </a:bodyPr>
-          <a:lstStyle/>
-          <a:p>
-            <a:r>
-              <a:rPr lang="en-US" dirty="0"/>
-              <a:t>From this trail and error method we know most important features of datasets. They are:</a:t>
-            </a:r>
-          </a:p>
-          <a:p>
-            <a:pPr marL="285750" indent="-285750">
-              <a:buFont typeface="Arial" panose="020B0604020202020204" pitchFamily="34" charset="0"/>
-              <a:buChar char="•"/>
-            </a:pPr>
-            <a:r>
-              <a:rPr lang="en-US" dirty="0"/>
-              <a:t>Age</a:t>
-            </a:r>
-          </a:p>
-          <a:p>
-            <a:pPr marL="285750" indent="-285750">
-              <a:buFont typeface="Arial" panose="020B0604020202020204" pitchFamily="34" charset="0"/>
-              <a:buChar char="•"/>
-            </a:pPr>
-            <a:r>
-              <a:rPr lang="en-US" dirty="0"/>
-              <a:t>Work Class</a:t>
-            </a:r>
-          </a:p>
-          <a:p>
-            <a:pPr marL="285750" indent="-285750">
-              <a:buFont typeface="Arial" panose="020B0604020202020204" pitchFamily="34" charset="0"/>
-              <a:buChar char="•"/>
-            </a:pPr>
-            <a:r>
-              <a:rPr lang="en-US" dirty="0"/>
-              <a:t>Education</a:t>
-            </a:r>
-          </a:p>
-          <a:p>
-            <a:pPr marL="285750" indent="-285750">
-              <a:buFont typeface="Arial" panose="020B0604020202020204" pitchFamily="34" charset="0"/>
-              <a:buChar char="•"/>
-            </a:pPr>
-            <a:r>
-              <a:rPr lang="en-US" dirty="0" err="1"/>
-              <a:t>Education.num</a:t>
-            </a:r>
-            <a:endParaRPr lang="en-US" dirty="0"/>
-          </a:p>
-          <a:p>
-            <a:pPr marL="285750" indent="-285750">
-              <a:buFont typeface="Arial" panose="020B0604020202020204" pitchFamily="34" charset="0"/>
-              <a:buChar char="•"/>
-            </a:pPr>
-            <a:r>
-              <a:rPr lang="en-IN" dirty="0"/>
-              <a:t>Marital status </a:t>
-            </a:r>
-          </a:p>
-          <a:p>
-            <a:pPr marL="285750" indent="-285750">
-              <a:buFont typeface="Arial" panose="020B0604020202020204" pitchFamily="34" charset="0"/>
-              <a:buChar char="•"/>
-            </a:pPr>
-            <a:r>
-              <a:rPr lang="en-IN" dirty="0"/>
-              <a:t>Gender</a:t>
-            </a:r>
-          </a:p>
-          <a:p>
-            <a:pPr marL="285750" indent="-285750">
-              <a:buFont typeface="Arial" panose="020B0604020202020204" pitchFamily="34" charset="0"/>
-              <a:buChar char="•"/>
-            </a:pPr>
-            <a:r>
-              <a:rPr lang="en-IN" dirty="0"/>
-              <a:t>Capital Gain</a:t>
-            </a:r>
-          </a:p>
-          <a:p>
-            <a:pPr marL="285750" indent="-285750">
-              <a:buFont typeface="Arial" panose="020B0604020202020204" pitchFamily="34" charset="0"/>
-              <a:buChar char="•"/>
-            </a:pPr>
-            <a:r>
-              <a:rPr lang="en-IN" dirty="0"/>
-              <a:t>Capital Loss </a:t>
-            </a:r>
-          </a:p>
-          <a:p>
-            <a:pPr marL="285750" indent="-285750">
-              <a:buFont typeface="Arial" panose="020B0604020202020204" pitchFamily="34" charset="0"/>
-              <a:buChar char="•"/>
-            </a:pPr>
-            <a:r>
-              <a:rPr lang="en-IN" dirty="0"/>
-              <a:t>Hours per Week</a:t>
-            </a:r>
-          </a:p>
-          <a:p>
-            <a:endParaRPr lang="en-IN" dirty="0"/>
-          </a:p>
-        </p:txBody>
-      </p:sp>
-      <p:sp>
-        <p:nvSpPr>
-          <p:cNvPr id="4" name="Slide Number Placeholder 3">
-            <a:extLst>
-              <a:ext uri="{FF2B5EF4-FFF2-40B4-BE49-F238E27FC236}">
-                <a16:creationId xmlns:a16="http://schemas.microsoft.com/office/drawing/2014/main" id="{D216C702-8B54-8C4C-48A8-E43E414F94E3}"/>
-              </a:ext>
-            </a:extLst>
-          </p:cNvPr>
-          <p:cNvSpPr>
-            <a:spLocks noGrp="1"/>
-          </p:cNvSpPr>
-          <p:nvPr>
-            <p:ph type="sldNum" sz="quarter" idx="12"/>
-          </p:nvPr>
-        </p:nvSpPr>
-        <p:spPr/>
-        <p:txBody>
-          <a:bodyPr/>
-          <a:lstStyle/>
-          <a:p>
-            <a:pPr marL="0" marR="0" lvl="0" indent="0" algn="r" defTabSz="914400" rtl="0" eaLnBrk="1" fontAlgn="auto" latinLnBrk="0" hangingPunct="1">
-              <a:lnSpc>
-                <a:spcPct val="100000"/>
-              </a:lnSpc>
-              <a:spcBef>
-                <a:spcPts val="0"/>
-              </a:spcBef>
-              <a:spcAft>
-                <a:spcPts val="0"/>
-              </a:spcAft>
-              <a:buClrTx/>
-              <a:buSzTx/>
-              <a:buFontTx/>
-              <a:buNone/>
-              <a:tabLst/>
-              <a:defRPr/>
-            </a:pPr>
-            <a:fld id="{B5CEABB6-07DC-46E8-9B57-56EC44A396E5}" type="slidenum">
-              <a:rPr kumimoji="0" lang="en-US" sz="900" b="0" i="0" u="none" strike="noStrike" kern="1200" cap="none" spc="0" normalizeH="0" baseline="0" noProof="0" smtClean="0">
-                <a:ln>
-                  <a:noFill/>
-                </a:ln>
-                <a:solidFill>
-                  <a:prstClr val="black">
-                    <a:tint val="75000"/>
-                  </a:prstClr>
-                </a:solidFill>
-                <a:effectLst/>
-                <a:uLnTx/>
-                <a:uFillTx/>
-                <a:latin typeface="Tenorite"/>
-                <a:ea typeface="+mn-ea"/>
-                <a:cs typeface="+mn-cs"/>
-              </a:rPr>
-              <a:pPr marL="0" marR="0" lvl="0" indent="0" algn="r" defTabSz="914400" rtl="0" eaLnBrk="1" fontAlgn="auto" latinLnBrk="0" hangingPunct="1">
-                <a:lnSpc>
-                  <a:spcPct val="100000"/>
-                </a:lnSpc>
-                <a:spcBef>
-                  <a:spcPts val="0"/>
-                </a:spcBef>
-                <a:spcAft>
-                  <a:spcPts val="0"/>
-                </a:spcAft>
-                <a:buClrTx/>
-                <a:buSzTx/>
-                <a:buFontTx/>
-                <a:buNone/>
-                <a:tabLst/>
-                <a:defRPr/>
-              </a:pPr>
-              <a:t>26</a:t>
-            </a:fld>
-            <a:endParaRPr kumimoji="0" lang="en-US" sz="900" b="0" i="0" u="none" strike="noStrike" kern="1200" cap="none" spc="0" normalizeH="0" baseline="0" noProof="0" dirty="0">
-              <a:ln>
-                <a:noFill/>
-              </a:ln>
-              <a:solidFill>
-                <a:prstClr val="black">
-                  <a:tint val="75000"/>
-                </a:prstClr>
-              </a:solidFill>
-              <a:effectLst/>
-              <a:uLnTx/>
-              <a:uFillTx/>
-              <a:latin typeface="Tenorite"/>
-              <a:ea typeface="+mn-ea"/>
-              <a:cs typeface="+mn-cs"/>
-            </a:endParaRPr>
-          </a:p>
-        </p:txBody>
-      </p:sp>
-    </p:spTree>
-    <p:extLst>
-      <p:ext uri="{BB962C8B-B14F-4D97-AF65-F5344CB8AC3E}">
-        <p14:creationId xmlns:p14="http://schemas.microsoft.com/office/powerpoint/2010/main" val="2247582677"/>
-      </p:ext>
-    </p:extLst>
-  </p:cSld>
-  <p:clrMapOvr>
-    <a:masterClrMapping/>
-  </p:clrMapOvr>
-</p:sld>
-</file>
-
-<file path=ppt/slides/slide27.xml><?xml version="1.0" encoding="utf-8"?>
-<p:sld xmlns:a="http://schemas.openxmlformats.org/drawingml/2006/main" xmlns:r="http://schemas.openxmlformats.org/officeDocument/2006/relationships" xmlns:p="http://schemas.openxmlformats.org/presentationml/2006/main">
-  <p:cSld>
-    <p:spTree>
-      <p:nvGrpSpPr>
-        <p:cNvPr id="1" name=""/>
-        <p:cNvGrpSpPr/>
-        <p:nvPr/>
-      </p:nvGrpSpPr>
-      <p:grpSpPr>
-        <a:xfrm>
-          <a:off x="0" y="0"/>
-          <a:ext cx="0" cy="0"/>
-          <a:chOff x="0" y="0"/>
-          <a:chExt cx="0" cy="0"/>
-        </a:xfrm>
-      </p:grpSpPr>
-      <p:sp>
-        <p:nvSpPr>
-          <p:cNvPr id="2" name="Title 1">
-            <a:extLst>
-              <a:ext uri="{FF2B5EF4-FFF2-40B4-BE49-F238E27FC236}">
-                <a16:creationId xmlns:a16="http://schemas.microsoft.com/office/drawing/2014/main" id="{67708C79-A4AC-4B5D-92DF-600737E4D11A}"/>
-              </a:ext>
-            </a:extLst>
-          </p:cNvPr>
-          <p:cNvSpPr>
-            <a:spLocks noGrp="1"/>
-          </p:cNvSpPr>
-          <p:nvPr>
-            <p:ph type="title"/>
-          </p:nvPr>
-        </p:nvSpPr>
-        <p:spPr>
-          <a:xfrm>
-            <a:off x="838200" y="5509419"/>
-            <a:ext cx="4082142" cy="585788"/>
-          </a:xfrm>
-        </p:spPr>
-        <p:txBody>
-          <a:bodyPr/>
-          <a:lstStyle/>
-          <a:p>
-            <a:r>
-              <a:rPr lang="en-US" dirty="0"/>
-              <a:t>Use Cases</a:t>
-            </a:r>
-          </a:p>
-        </p:txBody>
-      </p:sp>
-      <p:sp>
-        <p:nvSpPr>
-          <p:cNvPr id="3" name="Content Placeholder 2">
-            <a:extLst>
-              <a:ext uri="{FF2B5EF4-FFF2-40B4-BE49-F238E27FC236}">
-                <a16:creationId xmlns:a16="http://schemas.microsoft.com/office/drawing/2014/main" id="{7D779DE4-CAEA-4617-897E-FEC9A2AC2D6A}"/>
-              </a:ext>
-            </a:extLst>
-          </p:cNvPr>
-          <p:cNvSpPr>
-            <a:spLocks noGrp="1"/>
-          </p:cNvSpPr>
-          <p:nvPr>
-            <p:ph type="body" sz="quarter" idx="13"/>
-          </p:nvPr>
-        </p:nvSpPr>
-        <p:spPr>
-          <a:xfrm>
-            <a:off x="148318" y="1481138"/>
-            <a:ext cx="2141764" cy="514350"/>
-          </a:xfrm>
-        </p:spPr>
-        <p:txBody>
-          <a:bodyPr vert="horz" lIns="91440" tIns="45720" rIns="91440" bIns="45720" rtlCol="0" anchor="ctr">
-            <a:normAutofit/>
-          </a:bodyPr>
-          <a:lstStyle/>
-          <a:p>
-            <a:r>
-              <a:rPr lang="en-US" dirty="0"/>
-              <a:t>Credit scoring</a:t>
-            </a:r>
-          </a:p>
-        </p:txBody>
-      </p:sp>
-      <p:sp>
-        <p:nvSpPr>
-          <p:cNvPr id="4" name="Text Placeholder 3">
-            <a:extLst>
-              <a:ext uri="{FF2B5EF4-FFF2-40B4-BE49-F238E27FC236}">
-                <a16:creationId xmlns:a16="http://schemas.microsoft.com/office/drawing/2014/main" id="{F5FF1291-56EB-4A7B-A198-1D91F9ECC5D3}"/>
-              </a:ext>
-            </a:extLst>
-          </p:cNvPr>
-          <p:cNvSpPr>
-            <a:spLocks noGrp="1"/>
-          </p:cNvSpPr>
-          <p:nvPr>
-            <p:ph type="body" sz="quarter" idx="14"/>
-          </p:nvPr>
-        </p:nvSpPr>
-        <p:spPr>
-          <a:xfrm>
-            <a:off x="714375" y="2557463"/>
-            <a:ext cx="2141764" cy="514350"/>
-          </a:xfrm>
-        </p:spPr>
-        <p:txBody>
-          <a:bodyPr/>
-          <a:lstStyle/>
-          <a:p>
-            <a:r>
-              <a:rPr lang="en-US" dirty="0"/>
-              <a:t>Marketing</a:t>
-            </a:r>
-          </a:p>
-        </p:txBody>
-      </p:sp>
-      <p:sp>
-        <p:nvSpPr>
-          <p:cNvPr id="5" name="Text Placeholder 4">
-            <a:extLst>
-              <a:ext uri="{FF2B5EF4-FFF2-40B4-BE49-F238E27FC236}">
-                <a16:creationId xmlns:a16="http://schemas.microsoft.com/office/drawing/2014/main" id="{6184E21C-7534-4FB5-9709-F7D1A11034F3}"/>
-              </a:ext>
-            </a:extLst>
-          </p:cNvPr>
-          <p:cNvSpPr>
-            <a:spLocks noGrp="1"/>
-          </p:cNvSpPr>
-          <p:nvPr>
-            <p:ph type="body" sz="quarter" idx="15"/>
-          </p:nvPr>
-        </p:nvSpPr>
-        <p:spPr>
-          <a:xfrm>
-            <a:off x="1320800" y="3633788"/>
-            <a:ext cx="2141764" cy="514350"/>
-          </a:xfrm>
-        </p:spPr>
-        <p:txBody>
-          <a:bodyPr/>
-          <a:lstStyle/>
-          <a:p>
-            <a:r>
-              <a:rPr lang="en-US" dirty="0"/>
-              <a:t>Government policy</a:t>
-            </a:r>
-          </a:p>
-        </p:txBody>
-      </p:sp>
-      <p:sp>
-        <p:nvSpPr>
-          <p:cNvPr id="6" name="Text Placeholder 5">
-            <a:extLst>
-              <a:ext uri="{FF2B5EF4-FFF2-40B4-BE49-F238E27FC236}">
-                <a16:creationId xmlns:a16="http://schemas.microsoft.com/office/drawing/2014/main" id="{5C594564-4FC6-401A-8586-44735EE819EC}"/>
-              </a:ext>
-            </a:extLst>
-          </p:cNvPr>
-          <p:cNvSpPr>
-            <a:spLocks noGrp="1"/>
-          </p:cNvSpPr>
-          <p:nvPr>
-            <p:ph type="body" sz="quarter" idx="16"/>
-          </p:nvPr>
-        </p:nvSpPr>
-        <p:spPr>
-          <a:xfrm>
-            <a:off x="1905000" y="4710114"/>
-            <a:ext cx="2141764" cy="514350"/>
-          </a:xfrm>
-        </p:spPr>
-        <p:txBody>
-          <a:bodyPr/>
-          <a:lstStyle/>
-          <a:p>
-            <a:r>
-              <a:rPr lang="en-US" dirty="0"/>
-              <a:t>Education planning</a:t>
-            </a:r>
-          </a:p>
-        </p:txBody>
-      </p:sp>
-      <p:sp>
-        <p:nvSpPr>
-          <p:cNvPr id="7" name="Text Placeholder 6">
-            <a:extLst>
-              <a:ext uri="{FF2B5EF4-FFF2-40B4-BE49-F238E27FC236}">
-                <a16:creationId xmlns:a16="http://schemas.microsoft.com/office/drawing/2014/main" id="{D7EB25CA-DA83-483D-AF83-0001BDF2DE2B}"/>
-              </a:ext>
-            </a:extLst>
-          </p:cNvPr>
-          <p:cNvSpPr>
-            <a:spLocks noGrp="1"/>
-          </p:cNvSpPr>
-          <p:nvPr>
-            <p:ph type="body" sz="quarter" idx="17"/>
-          </p:nvPr>
-        </p:nvSpPr>
-        <p:spPr>
-          <a:xfrm>
-            <a:off x="4401535" y="1594478"/>
-            <a:ext cx="5539095" cy="1010842"/>
-          </a:xfrm>
-        </p:spPr>
-        <p:txBody>
-          <a:bodyPr/>
-          <a:lstStyle/>
-          <a:p>
-            <a:r>
-              <a:rPr lang="en-US" b="0" i="0" dirty="0">
-                <a:effectLst/>
-              </a:rPr>
-              <a:t>Financial institutions can use the analysis to assess an individual's creditworthiness. By considering income, employment, and other factors, they can make informed decisions on lending and setting interest rates</a:t>
-            </a:r>
-            <a:r>
-              <a:rPr lang="en-US" b="0" i="0" dirty="0">
-                <a:effectLst/>
-                <a:latin typeface="Söhne"/>
-              </a:rPr>
-              <a:t>.</a:t>
-            </a:r>
-            <a:endParaRPr lang="en-US" dirty="0"/>
-          </a:p>
-        </p:txBody>
-      </p:sp>
-      <p:sp>
-        <p:nvSpPr>
-          <p:cNvPr id="8" name="Text Placeholder 7">
-            <a:extLst>
-              <a:ext uri="{FF2B5EF4-FFF2-40B4-BE49-F238E27FC236}">
-                <a16:creationId xmlns:a16="http://schemas.microsoft.com/office/drawing/2014/main" id="{B46CE8C6-E12D-4A0D-8553-7FFA31941D56}"/>
-              </a:ext>
-            </a:extLst>
-          </p:cNvPr>
-          <p:cNvSpPr>
-            <a:spLocks noGrp="1"/>
-          </p:cNvSpPr>
-          <p:nvPr>
-            <p:ph type="body" sz="quarter" idx="18"/>
-          </p:nvPr>
-        </p:nvSpPr>
-        <p:spPr>
-          <a:xfrm>
-            <a:off x="4986028" y="2682564"/>
-            <a:ext cx="5539095" cy="1010842"/>
-          </a:xfrm>
-        </p:spPr>
-        <p:txBody>
-          <a:bodyPr/>
-          <a:lstStyle/>
-          <a:p>
-            <a:r>
-              <a:rPr lang="en-US" b="0" i="0" dirty="0">
-                <a:effectLst/>
-              </a:rPr>
-              <a:t>Companies can target their marketing efforts more effectively by understanding the income and demographic profiles of their customers. This can lead to personalized advertising and product recommendations.</a:t>
-            </a:r>
-            <a:endParaRPr lang="en-US" dirty="0"/>
-          </a:p>
-        </p:txBody>
-      </p:sp>
-      <p:sp>
-        <p:nvSpPr>
-          <p:cNvPr id="9" name="Text Placeholder 8">
-            <a:extLst>
-              <a:ext uri="{FF2B5EF4-FFF2-40B4-BE49-F238E27FC236}">
-                <a16:creationId xmlns:a16="http://schemas.microsoft.com/office/drawing/2014/main" id="{1C7D5285-85DF-4331-A6FA-1AE847CA47AE}"/>
-              </a:ext>
-            </a:extLst>
-          </p:cNvPr>
-          <p:cNvSpPr>
-            <a:spLocks noGrp="1"/>
-          </p:cNvSpPr>
-          <p:nvPr>
-            <p:ph type="body" sz="quarter" idx="19"/>
-          </p:nvPr>
-        </p:nvSpPr>
-        <p:spPr>
-          <a:xfrm>
-            <a:off x="5576937" y="3755394"/>
-            <a:ext cx="5539095" cy="1010842"/>
-          </a:xfrm>
-        </p:spPr>
-        <p:txBody>
-          <a:bodyPr/>
-          <a:lstStyle/>
-          <a:p>
-            <a:r>
-              <a:rPr lang="en-US" b="0" i="0" dirty="0">
-                <a:effectLst/>
-              </a:rPr>
-              <a:t>Governments and policymakers can use the analysis to design and evaluate social programs, tax policies, and measures aimed at reducing income inequality or improving economic conditions for specific demographic groups.</a:t>
-            </a:r>
-            <a:endParaRPr lang="en-US" dirty="0"/>
-          </a:p>
-        </p:txBody>
-      </p:sp>
-      <p:sp>
-        <p:nvSpPr>
-          <p:cNvPr id="10" name="Text Placeholder 9">
-            <a:extLst>
-              <a:ext uri="{FF2B5EF4-FFF2-40B4-BE49-F238E27FC236}">
-                <a16:creationId xmlns:a16="http://schemas.microsoft.com/office/drawing/2014/main" id="{02D305EF-9A88-496B-BFC1-D589A01EE381}"/>
-              </a:ext>
-            </a:extLst>
-          </p:cNvPr>
-          <p:cNvSpPr>
-            <a:spLocks noGrp="1"/>
-          </p:cNvSpPr>
-          <p:nvPr>
-            <p:ph type="body" sz="quarter" idx="20"/>
-          </p:nvPr>
-        </p:nvSpPr>
-        <p:spPr>
-          <a:xfrm>
-            <a:off x="6175279" y="4824430"/>
-            <a:ext cx="5539095" cy="1010842"/>
-          </a:xfrm>
-        </p:spPr>
-        <p:txBody>
-          <a:bodyPr/>
-          <a:lstStyle/>
-          <a:p>
-            <a:r>
-              <a:rPr lang="en-US" b="0" i="0" dirty="0">
-                <a:effectLst/>
-              </a:rPr>
-              <a:t>Educational institutions can use the information to create targeted scholarship programs, improve educational outcomes, and provide resources to students from underprivileged backgrounds.</a:t>
-            </a:r>
-            <a:endParaRPr lang="en-US" dirty="0"/>
-          </a:p>
-        </p:txBody>
-      </p:sp>
-      <p:sp>
-        <p:nvSpPr>
-          <p:cNvPr id="13" name="Slide Number Placeholder 12">
-            <a:extLst>
-              <a:ext uri="{FF2B5EF4-FFF2-40B4-BE49-F238E27FC236}">
-                <a16:creationId xmlns:a16="http://schemas.microsoft.com/office/drawing/2014/main" id="{E3984D70-BD95-4E1F-9725-902B5D74DED6}"/>
-              </a:ext>
-            </a:extLst>
-          </p:cNvPr>
-          <p:cNvSpPr>
-            <a:spLocks noGrp="1"/>
-          </p:cNvSpPr>
-          <p:nvPr>
-            <p:ph type="sldNum" sz="quarter" idx="12"/>
-          </p:nvPr>
-        </p:nvSpPr>
-        <p:spPr>
-          <a:xfrm>
-            <a:off x="10810874" y="6356350"/>
-            <a:ext cx="542925" cy="365125"/>
-          </a:xfrm>
-        </p:spPr>
-        <p:txBody>
-          <a:bodyPr/>
-          <a:lstStyle/>
-          <a:p>
-            <a:pPr marL="0" marR="0" lvl="0" indent="0" algn="r" defTabSz="914400" rtl="0" eaLnBrk="1" fontAlgn="auto" latinLnBrk="0" hangingPunct="1">
-              <a:lnSpc>
-                <a:spcPct val="100000"/>
-              </a:lnSpc>
-              <a:spcBef>
-                <a:spcPts val="0"/>
-              </a:spcBef>
-              <a:spcAft>
-                <a:spcPts val="0"/>
-              </a:spcAft>
-              <a:buClrTx/>
-              <a:buSzTx/>
-              <a:buFontTx/>
-              <a:buNone/>
-              <a:tabLst/>
-              <a:defRPr/>
-            </a:pPr>
-            <a:fld id="{B5CEABB6-07DC-46E8-9B57-56EC44A396E5}" type="slidenum">
-              <a:rPr kumimoji="0" lang="en-US" sz="900" b="0" i="0" u="none" strike="noStrike" kern="1200" cap="none" spc="0" normalizeH="0" baseline="0" noProof="0" smtClean="0">
-                <a:ln>
-                  <a:noFill/>
-                </a:ln>
-                <a:solidFill>
-                  <a:prstClr val="black">
-                    <a:tint val="75000"/>
-                  </a:prstClr>
-                </a:solidFill>
-                <a:effectLst/>
-                <a:uLnTx/>
-                <a:uFillTx/>
-                <a:latin typeface="Tenorite"/>
-                <a:ea typeface="+mn-ea"/>
-                <a:cs typeface="+mn-cs"/>
-              </a:rPr>
-              <a:pPr marL="0" marR="0" lvl="0" indent="0" algn="r" defTabSz="914400" rtl="0" eaLnBrk="1" fontAlgn="auto" latinLnBrk="0" hangingPunct="1">
-                <a:lnSpc>
-                  <a:spcPct val="100000"/>
-                </a:lnSpc>
-                <a:spcBef>
-                  <a:spcPts val="0"/>
-                </a:spcBef>
-                <a:spcAft>
-                  <a:spcPts val="0"/>
-                </a:spcAft>
-                <a:buClrTx/>
-                <a:buSzTx/>
-                <a:buFontTx/>
-                <a:buNone/>
-                <a:tabLst/>
-                <a:defRPr/>
-              </a:pPr>
-              <a:t>27</a:t>
-            </a:fld>
-            <a:endParaRPr kumimoji="0" lang="en-US" sz="900" b="0" i="0" u="none" strike="noStrike" kern="1200" cap="none" spc="0" normalizeH="0" baseline="0" noProof="0" dirty="0">
-              <a:ln>
-                <a:noFill/>
-              </a:ln>
-              <a:solidFill>
-                <a:prstClr val="black">
-                  <a:tint val="75000"/>
-                </a:prstClr>
-              </a:solidFill>
-              <a:effectLst/>
-              <a:uLnTx/>
-              <a:uFillTx/>
-              <a:latin typeface="Tenorite"/>
-              <a:ea typeface="+mn-ea"/>
-              <a:cs typeface="+mn-cs"/>
-            </a:endParaRPr>
-          </a:p>
-        </p:txBody>
-      </p:sp>
-    </p:spTree>
-    <p:extLst>
-      <p:ext uri="{BB962C8B-B14F-4D97-AF65-F5344CB8AC3E}">
-        <p14:creationId xmlns:p14="http://schemas.microsoft.com/office/powerpoint/2010/main" val="1738561688"/>
-      </p:ext>
-    </p:extLst>
-  </p:cSld>
-  <p:clrMapOvr>
-    <a:masterClrMapping/>
-  </p:clrMapOvr>
-</p:sld>
-</file>
-
-<file path=ppt/slides/slide28.xml><?xml version="1.0" encoding="utf-8"?>
-<p:sld xmlns:a="http://schemas.openxmlformats.org/drawingml/2006/main" xmlns:r="http://schemas.openxmlformats.org/officeDocument/2006/relationships" xmlns:p="http://schemas.openxmlformats.org/presentationml/2006/main">
-  <p:cSld>
-    <p:spTree>
-      <p:nvGrpSpPr>
-        <p:cNvPr id="1" name=""/>
-        <p:cNvGrpSpPr/>
-        <p:nvPr/>
-      </p:nvGrpSpPr>
-      <p:grpSpPr>
-        <a:xfrm>
-          <a:off x="0" y="0"/>
-          <a:ext cx="0" cy="0"/>
-          <a:chOff x="0" y="0"/>
-          <a:chExt cx="0" cy="0"/>
-        </a:xfrm>
-      </p:grpSpPr>
-      <p:sp>
-        <p:nvSpPr>
-          <p:cNvPr id="2" name="Title 1">
-            <a:extLst>
-              <a:ext uri="{FF2B5EF4-FFF2-40B4-BE49-F238E27FC236}">
-                <a16:creationId xmlns:a16="http://schemas.microsoft.com/office/drawing/2014/main" id="{BCCAEE93-8585-46D4-A7EC-F184E317CB2E}"/>
-              </a:ext>
-            </a:extLst>
-          </p:cNvPr>
-          <p:cNvSpPr>
-            <a:spLocks noGrp="1"/>
-          </p:cNvSpPr>
-          <p:nvPr>
-            <p:ph type="ctrTitle"/>
-          </p:nvPr>
-        </p:nvSpPr>
-        <p:spPr>
-          <a:xfrm>
-            <a:off x="4267200" y="1615736"/>
-            <a:ext cx="4179570" cy="1524735"/>
-          </a:xfrm>
-        </p:spPr>
-        <p:txBody>
-          <a:bodyPr/>
-          <a:lstStyle/>
-          <a:p>
-            <a:pPr algn="ctr"/>
-            <a:r>
-              <a:rPr lang="en-US" sz="3600" dirty="0"/>
-              <a:t>THANK YOU</a:t>
-            </a:r>
-          </a:p>
-        </p:txBody>
-      </p:sp>
-      <p:sp>
-        <p:nvSpPr>
-          <p:cNvPr id="3" name="Content Placeholder 2">
-            <a:extLst>
-              <a:ext uri="{FF2B5EF4-FFF2-40B4-BE49-F238E27FC236}">
-                <a16:creationId xmlns:a16="http://schemas.microsoft.com/office/drawing/2014/main" id="{24AFFC60-19C3-4901-93F7-7AAF4C09F8C6}"/>
-              </a:ext>
-            </a:extLst>
-          </p:cNvPr>
-          <p:cNvSpPr>
-            <a:spLocks noGrp="1"/>
-          </p:cNvSpPr>
-          <p:nvPr>
-            <p:ph type="subTitle" idx="1"/>
-          </p:nvPr>
-        </p:nvSpPr>
-        <p:spPr>
-          <a:xfrm>
-            <a:off x="4267200" y="3238103"/>
-            <a:ext cx="4179570" cy="2004161"/>
-          </a:xfrm>
-        </p:spPr>
-        <p:txBody>
-          <a:bodyPr>
-            <a:normAutofit/>
-          </a:bodyPr>
-          <a:lstStyle/>
-          <a:p>
-            <a:pPr algn="ctr"/>
-            <a:r>
-              <a:rPr lang="en-US" sz="2000" dirty="0"/>
-              <a:t>Any Questions?</a:t>
-            </a:r>
-          </a:p>
-        </p:txBody>
-      </p:sp>
-      <p:sp>
-        <p:nvSpPr>
-          <p:cNvPr id="6" name="Slide Number Placeholder 5">
-            <a:extLst>
-              <a:ext uri="{FF2B5EF4-FFF2-40B4-BE49-F238E27FC236}">
-                <a16:creationId xmlns:a16="http://schemas.microsoft.com/office/drawing/2014/main" id="{5EDCFF82-B70F-4971-9182-7C3AEA3CFD26}"/>
-              </a:ext>
-            </a:extLst>
-          </p:cNvPr>
-          <p:cNvSpPr>
-            <a:spLocks noGrp="1"/>
-          </p:cNvSpPr>
-          <p:nvPr>
-            <p:ph type="sldNum" sz="quarter" idx="12"/>
-          </p:nvPr>
-        </p:nvSpPr>
-        <p:spPr>
-          <a:xfrm>
-            <a:off x="9579428" y="6356350"/>
-            <a:ext cx="1774371" cy="365125"/>
-          </a:xfrm>
-        </p:spPr>
-        <p:txBody>
-          <a:bodyPr/>
-          <a:lstStyle/>
-          <a:p>
-            <a:pPr marL="0" marR="0" lvl="0" indent="0" algn="r" defTabSz="914400" rtl="0" eaLnBrk="1" fontAlgn="auto" latinLnBrk="0" hangingPunct="1">
-              <a:lnSpc>
-                <a:spcPct val="100000"/>
-              </a:lnSpc>
-              <a:spcBef>
-                <a:spcPts val="0"/>
-              </a:spcBef>
-              <a:spcAft>
-                <a:spcPts val="0"/>
-              </a:spcAft>
-              <a:buClrTx/>
-              <a:buSzTx/>
-              <a:buFontTx/>
-              <a:buNone/>
-              <a:tabLst/>
-              <a:defRPr/>
-            </a:pPr>
-            <a:fld id="{B5CEABB6-07DC-46E8-9B57-56EC44A396E5}" type="slidenum">
-              <a:rPr kumimoji="0" lang="en-US" sz="900" b="0" i="0" u="none" strike="noStrike" kern="1200" cap="none" spc="0" normalizeH="0" baseline="0" noProof="0" smtClean="0">
-                <a:ln>
-                  <a:noFill/>
-                </a:ln>
-                <a:solidFill>
-                  <a:prstClr val="black">
-                    <a:tint val="75000"/>
-                  </a:prstClr>
-                </a:solidFill>
-                <a:effectLst/>
-                <a:uLnTx/>
-                <a:uFillTx/>
-                <a:latin typeface="Tenorite"/>
-                <a:ea typeface="+mn-ea"/>
-                <a:cs typeface="+mn-cs"/>
-              </a:rPr>
-              <a:pPr marL="0" marR="0" lvl="0" indent="0" algn="r" defTabSz="914400" rtl="0" eaLnBrk="1" fontAlgn="auto" latinLnBrk="0" hangingPunct="1">
-                <a:lnSpc>
-                  <a:spcPct val="100000"/>
-                </a:lnSpc>
-                <a:spcBef>
-                  <a:spcPts val="0"/>
-                </a:spcBef>
-                <a:spcAft>
-                  <a:spcPts val="0"/>
-                </a:spcAft>
-                <a:buClrTx/>
-                <a:buSzTx/>
-                <a:buFontTx/>
-                <a:buNone/>
-                <a:tabLst/>
-                <a:defRPr/>
-              </a:pPr>
-              <a:t>28</a:t>
-            </a:fld>
-            <a:endParaRPr kumimoji="0" lang="en-US" sz="900" b="0" i="0" u="none" strike="noStrike" kern="1200" cap="none" spc="0" normalizeH="0" baseline="0" noProof="0" dirty="0">
-              <a:ln>
-                <a:noFill/>
-              </a:ln>
-              <a:solidFill>
-                <a:prstClr val="black">
-                  <a:tint val="75000"/>
-                </a:prstClr>
-              </a:solidFill>
-              <a:effectLst/>
-              <a:uLnTx/>
-              <a:uFillTx/>
-              <a:latin typeface="Tenorite"/>
-              <a:ea typeface="+mn-ea"/>
-              <a:cs typeface="+mn-cs"/>
-            </a:endParaRPr>
-          </a:p>
-        </p:txBody>
-      </p:sp>
     </p:spTree>
     <p:extLst>
       <p:ext uri="{BB962C8B-B14F-4D97-AF65-F5344CB8AC3E}">
@@ -22680,8 +19785,17 @@
           <a:p>
             <a:r>
               <a:rPr lang="en-US" dirty="0"/>
-              <a:t>Data Website: https://www.kaggle.com/datasets/wenruliu/adult-income-dataset/data</a:t>
-            </a:r>
+              <a:t>Data Website: </a:t>
+            </a:r>
+            <a:r>
+              <a:rPr lang="en-IN" b="0" i="0" u="sng" dirty="0">
+                <a:effectLst/>
+                <a:latin typeface="-apple-system"/>
+                <a:hlinkClick r:id="rId2"/>
+              </a:rPr>
+              <a:t>https://www.kaggle.com/datasets/ananaymital/us-used-cars-dataset</a:t>
+            </a:r>
+            <a:endParaRPr lang="en-US" dirty="0"/>
           </a:p>
         </p:txBody>
       </p:sp>
@@ -22933,15 +20047,7 @@
           <a:p>
             <a:r>
               <a:rPr lang="en-US" dirty="0"/>
-              <a:t>The main problem in this data set </a:t>
-            </a:r>
-            <a:r>
-              <a:rPr lang="en-US" b="1" u="sng" dirty="0"/>
-              <a:t>is most of the features are in character types</a:t>
-            </a:r>
-            <a:r>
-              <a:rPr lang="en-US" dirty="0"/>
-              <a:t>.</a:t>
+              <a:t>The find the perfect model for the customer so that they can predict there car sale price accurately with minimal information required.</a:t>
             </a:r>
           </a:p>
           <a:p>

--- a/Used Car price prediction.pptx
+++ b/Used Car price prediction.pptx
@@ -27,8 +27,7 @@
     <p:sldId id="310" r:id="rId21"/>
     <p:sldId id="318" r:id="rId22"/>
     <p:sldId id="319" r:id="rId23"/>
-    <p:sldId id="261" r:id="rId24"/>
-    <p:sldId id="276" r:id="rId25"/>
+    <p:sldId id="276" r:id="rId24"/>
   </p:sldIdLst>
   <p:sldSz cx="12192000" cy="6858000"/>
   <p:notesSz cx="6858000" cy="9144000"/>
@@ -19085,30 +19084,31 @@
           <p:cNvPr id="2" name="Title 1">
             <a:extLst>
               <a:ext uri="{FF2B5EF4-FFF2-40B4-BE49-F238E27FC236}">
-                <a16:creationId xmlns:a16="http://schemas.microsoft.com/office/drawing/2014/main" id="{67708C79-A4AC-4B5D-92DF-600737E4D11A}"/>
-              </a:ext>
-            </a:extLst>
-          </p:cNvPr>
-          <p:cNvSpPr>
-            <a:spLocks noGrp="1"/>
-          </p:cNvSpPr>
-          <p:nvPr>
-            <p:ph type="title"/>
-          </p:nvPr>
-        </p:nvSpPr>
-        <p:spPr>
-          <a:xfrm>
-            <a:off x="838200" y="5509419"/>
-            <a:ext cx="4082142" cy="585788"/>
+                <a16:creationId xmlns:a16="http://schemas.microsoft.com/office/drawing/2014/main" id="{BCCAEE93-8585-46D4-A7EC-F184E317CB2E}"/>
+              </a:ext>
+            </a:extLst>
+          </p:cNvPr>
+          <p:cNvSpPr>
+            <a:spLocks noGrp="1"/>
+          </p:cNvSpPr>
+          <p:nvPr>
+            <p:ph type="ctrTitle"/>
+          </p:nvPr>
+        </p:nvSpPr>
+        <p:spPr>
+          <a:xfrm>
+            <a:off x="4267200" y="1615736"/>
+            <a:ext cx="4179570" cy="1524735"/>
           </a:xfrm>
         </p:spPr>
         <p:txBody>
           <a:bodyPr/>
           <a:lstStyle/>
           <a:p>
-            <a:r>
-              <a:rPr lang="en-US" dirty="0"/>
-              <a:t>Use Cases</a:t>
+            <a:pPr algn="ctr"/>
+            <a:r>
+              <a:rPr lang="en-US" sz="3600" dirty="0"/>
+              <a:t>THANK YOU</a:t>
             </a:r>
           </a:p>
         </p:txBody>
@@ -19118,292 +19118,43 @@
           <p:cNvPr id="3" name="Content Placeholder 2">
             <a:extLst>
               <a:ext uri="{FF2B5EF4-FFF2-40B4-BE49-F238E27FC236}">
-                <a16:creationId xmlns:a16="http://schemas.microsoft.com/office/drawing/2014/main" id="{7D779DE4-CAEA-4617-897E-FEC9A2AC2D6A}"/>
-              </a:ext>
-            </a:extLst>
-          </p:cNvPr>
-          <p:cNvSpPr>
-            <a:spLocks noGrp="1"/>
-          </p:cNvSpPr>
-          <p:nvPr>
-            <p:ph type="body" sz="quarter" idx="13"/>
-          </p:nvPr>
-        </p:nvSpPr>
-        <p:spPr>
-          <a:xfrm>
-            <a:off x="148318" y="1481138"/>
-            <a:ext cx="2141764" cy="514350"/>
-          </a:xfrm>
-        </p:spPr>
-        <p:txBody>
-          <a:bodyPr vert="horz" lIns="91440" tIns="45720" rIns="91440" bIns="45720" rtlCol="0" anchor="ctr">
+                <a16:creationId xmlns:a16="http://schemas.microsoft.com/office/drawing/2014/main" id="{24AFFC60-19C3-4901-93F7-7AAF4C09F8C6}"/>
+              </a:ext>
+            </a:extLst>
+          </p:cNvPr>
+          <p:cNvSpPr>
+            <a:spLocks noGrp="1"/>
+          </p:cNvSpPr>
+          <p:nvPr>
+            <p:ph type="subTitle" idx="1"/>
+          </p:nvPr>
+        </p:nvSpPr>
+        <p:spPr>
+          <a:xfrm>
+            <a:off x="4267200" y="3238103"/>
+            <a:ext cx="4179570" cy="2004161"/>
+          </a:xfrm>
+        </p:spPr>
+        <p:txBody>
+          <a:bodyPr>
             <a:normAutofit/>
           </a:bodyPr>
           <a:lstStyle/>
           <a:p>
-            <a:r>
-              <a:rPr lang="en-US" dirty="0"/>
-              <a:t>Credit scoring</a:t>
-            </a:r>
-          </a:p>
-        </p:txBody>
-      </p:sp>
-      <p:sp>
-        <p:nvSpPr>
-          <p:cNvPr id="4" name="Text Placeholder 3">
-            <a:extLst>
-              <a:ext uri="{FF2B5EF4-FFF2-40B4-BE49-F238E27FC236}">
-                <a16:creationId xmlns:a16="http://schemas.microsoft.com/office/drawing/2014/main" id="{F5FF1291-56EB-4A7B-A198-1D91F9ECC5D3}"/>
-              </a:ext>
-            </a:extLst>
-          </p:cNvPr>
-          <p:cNvSpPr>
-            <a:spLocks noGrp="1"/>
-          </p:cNvSpPr>
-          <p:nvPr>
-            <p:ph type="body" sz="quarter" idx="14"/>
-          </p:nvPr>
-        </p:nvSpPr>
-        <p:spPr>
-          <a:xfrm>
-            <a:off x="714375" y="2557463"/>
-            <a:ext cx="2141764" cy="514350"/>
-          </a:xfrm>
-        </p:spPr>
-        <p:txBody>
-          <a:bodyPr/>
-          <a:lstStyle/>
-          <a:p>
-            <a:r>
-              <a:rPr lang="en-US" dirty="0"/>
-              <a:t>Marketing</a:t>
-            </a:r>
-          </a:p>
-        </p:txBody>
-      </p:sp>
-      <p:sp>
-        <p:nvSpPr>
-          <p:cNvPr id="5" name="Text Placeholder 4">
-            <a:extLst>
-              <a:ext uri="{FF2B5EF4-FFF2-40B4-BE49-F238E27FC236}">
-                <a16:creationId xmlns:a16="http://schemas.microsoft.com/office/drawing/2014/main" id="{6184E21C-7534-4FB5-9709-F7D1A11034F3}"/>
-              </a:ext>
-            </a:extLst>
-          </p:cNvPr>
-          <p:cNvSpPr>
-            <a:spLocks noGrp="1"/>
-          </p:cNvSpPr>
-          <p:nvPr>
-            <p:ph type="body" sz="quarter" idx="15"/>
-          </p:nvPr>
-        </p:nvSpPr>
-        <p:spPr>
-          <a:xfrm>
-            <a:off x="1320800" y="3633788"/>
-            <a:ext cx="2141764" cy="514350"/>
-          </a:xfrm>
-        </p:spPr>
-        <p:txBody>
-          <a:bodyPr/>
-          <a:lstStyle/>
-          <a:p>
-            <a:r>
-              <a:rPr lang="en-US" dirty="0"/>
-              <a:t>Government policy</a:t>
-            </a:r>
-          </a:p>
-        </p:txBody>
-      </p:sp>
-      <p:sp>
-        <p:nvSpPr>
-          <p:cNvPr id="6" name="Text Placeholder 5">
-            <a:extLst>
-              <a:ext uri="{FF2B5EF4-FFF2-40B4-BE49-F238E27FC236}">
-                <a16:creationId xmlns:a16="http://schemas.microsoft.com/office/drawing/2014/main" id="{5C594564-4FC6-401A-8586-44735EE819EC}"/>
-              </a:ext>
-            </a:extLst>
-          </p:cNvPr>
-          <p:cNvSpPr>
-            <a:spLocks noGrp="1"/>
-          </p:cNvSpPr>
-          <p:nvPr>
-            <p:ph type="body" sz="quarter" idx="16"/>
-          </p:nvPr>
-        </p:nvSpPr>
-        <p:spPr>
-          <a:xfrm>
-            <a:off x="1905000" y="4710114"/>
-            <a:ext cx="2141764" cy="514350"/>
-          </a:xfrm>
-        </p:spPr>
-        <p:txBody>
-          <a:bodyPr/>
-          <a:lstStyle/>
-          <a:p>
-            <a:r>
-              <a:rPr lang="en-US" dirty="0"/>
-              <a:t>Education planning</a:t>
-            </a:r>
-          </a:p>
-        </p:txBody>
-      </p:sp>
-      <p:sp>
-        <p:nvSpPr>
-          <p:cNvPr id="7" name="Text Placeholder 6">
-            <a:extLst>
-              <a:ext uri="{FF2B5EF4-FFF2-40B4-BE49-F238E27FC236}">
-                <a16:creationId xmlns:a16="http://schemas.microsoft.com/office/drawing/2014/main" id="{D7EB25CA-DA83-483D-AF83-0001BDF2DE2B}"/>
-              </a:ext>
-            </a:extLst>
-          </p:cNvPr>
-          <p:cNvSpPr>
-            <a:spLocks noGrp="1"/>
-          </p:cNvSpPr>
-          <p:nvPr>
-            <p:ph type="body" sz="quarter" idx="17"/>
-          </p:nvPr>
-        </p:nvSpPr>
-        <p:spPr>
-          <a:xfrm>
-            <a:off x="4401535" y="1594478"/>
-            <a:ext cx="5539095" cy="1010842"/>
-          </a:xfrm>
-        </p:spPr>
-        <p:txBody>
-          <a:bodyPr/>
-          <a:lstStyle/>
-          <a:p>
-            <a:r>
-              <a:rPr lang="en-US" b="0" i="0" dirty="0">
-                <a:effectLst/>
-              </a:rPr>
-              <a:t>Financial institutions can use the analysis to assess an individual's creditworthiness. By considering income, employment, and other factors, they can make informed decisions on lending and setting interest rates</a:t>
-            </a:r>
-            <a:r>
-              <a:rPr lang="en-US" b="0" i="0" dirty="0">
-                <a:effectLst/>
-                <a:latin typeface="Söhne"/>
-              </a:rPr>
-              <a:t>.</a:t>
-            </a:r>
-            <a:endParaRPr lang="en-US" dirty="0"/>
-          </a:p>
-        </p:txBody>
-      </p:sp>
-      <p:sp>
-        <p:nvSpPr>
-          <p:cNvPr id="8" name="Text Placeholder 7">
-            <a:extLst>
-              <a:ext uri="{FF2B5EF4-FFF2-40B4-BE49-F238E27FC236}">
-                <a16:creationId xmlns:a16="http://schemas.microsoft.com/office/drawing/2014/main" id="{B46CE8C6-E12D-4A0D-8553-7FFA31941D56}"/>
-              </a:ext>
-            </a:extLst>
-          </p:cNvPr>
-          <p:cNvSpPr>
-            <a:spLocks noGrp="1"/>
-          </p:cNvSpPr>
-          <p:nvPr>
-            <p:ph type="body" sz="quarter" idx="18"/>
-          </p:nvPr>
-        </p:nvSpPr>
-        <p:spPr>
-          <a:xfrm>
-            <a:off x="4986028" y="2682564"/>
-            <a:ext cx="5539095" cy="1010842"/>
-          </a:xfrm>
-        </p:spPr>
-        <p:txBody>
-          <a:bodyPr/>
-          <a:lstStyle/>
-          <a:p>
-            <a:r>
-              <a:rPr lang="en-US" b="0" i="0" dirty="0">
-                <a:effectLst/>
-              </a:rPr>
-              <a:t>Companies can target their marketing efforts more effectively by understanding the income and demographic profiles of their customers. This can lead to personalized advertising and product recommendations.</a:t>
-            </a:r>
-            <a:endParaRPr lang="en-US" dirty="0"/>
-          </a:p>
-        </p:txBody>
-      </p:sp>
-      <p:sp>
-        <p:nvSpPr>
-          <p:cNvPr id="9" name="Text Placeholder 8">
-            <a:extLst>
-              <a:ext uri="{FF2B5EF4-FFF2-40B4-BE49-F238E27FC236}">
-                <a16:creationId xmlns:a16="http://schemas.microsoft.com/office/drawing/2014/main" id="{1C7D5285-85DF-4331-A6FA-1AE847CA47AE}"/>
-              </a:ext>
-            </a:extLst>
-          </p:cNvPr>
-          <p:cNvSpPr>
-            <a:spLocks noGrp="1"/>
-          </p:cNvSpPr>
-          <p:nvPr>
-            <p:ph type="body" sz="quarter" idx="19"/>
-          </p:nvPr>
-        </p:nvSpPr>
-        <p:spPr>
-          <a:xfrm>
-            <a:off x="5576937" y="3755394"/>
-            <a:ext cx="5539095" cy="1010842"/>
-          </a:xfrm>
-        </p:spPr>
-        <p:txBody>
-          <a:bodyPr/>
-          <a:lstStyle/>
-          <a:p>
-            <a:r>
-              <a:rPr lang="en-US" b="0" i="0" dirty="0">
-                <a:effectLst/>
-              </a:rPr>
-              <a:t>Governments and policymakers can use the analysis to design and evaluate social programs, tax policies, and measures aimed at reducing income inequality or improving economic conditions for specific demographic groups.</a:t>
-            </a:r>
-            <a:endParaRPr lang="en-US" dirty="0"/>
-          </a:p>
-        </p:txBody>
-      </p:sp>
-      <p:sp>
-        <p:nvSpPr>
-          <p:cNvPr id="10" name="Text Placeholder 9">
-            <a:extLst>
-              <a:ext uri="{FF2B5EF4-FFF2-40B4-BE49-F238E27FC236}">
-                <a16:creationId xmlns:a16="http://schemas.microsoft.com/office/drawing/2014/main" id="{02D305EF-9A88-496B-BFC1-D589A01EE381}"/>
-              </a:ext>
-            </a:extLst>
-          </p:cNvPr>
-          <p:cNvSpPr>
-            <a:spLocks noGrp="1"/>
-          </p:cNvSpPr>
-          <p:nvPr>
-            <p:ph type="body" sz="quarter" idx="20"/>
-          </p:nvPr>
-        </p:nvSpPr>
-        <p:spPr>
-          <a:xfrm>
-            <a:off x="6175279" y="4824430"/>
-            <a:ext cx="5539095" cy="1010842"/>
-          </a:xfrm>
-        </p:spPr>
-        <p:txBody>
-          <a:bodyPr/>
-          <a:lstStyle/>
-          <a:p>
-            <a:r>
-              <a:rPr lang="en-US" b="0" i="0" dirty="0">
-                <a:effectLst/>
-              </a:rPr>
-              <a:t>Educational institutions can use the information to create targeted scholarship programs, improve educational outcomes, and provide resources to students from underprivileged backgrounds.</a:t>
-            </a:r>
-            <a:endParaRPr lang="en-US" dirty="0"/>
-          </a:p>
-        </p:txBody>
-      </p:sp>
-      <p:sp>
-        <p:nvSpPr>
-          <p:cNvPr id="13" name="Slide Number Placeholder 12">
-            <a:extLst>
-              <a:ext uri="{FF2B5EF4-FFF2-40B4-BE49-F238E27FC236}">
-                <a16:creationId xmlns:a16="http://schemas.microsoft.com/office/drawing/2014/main" id="{E3984D70-BD95-4E1F-9725-902B5D74DED6}"/>
+            <a:pPr algn="ctr"/>
+            <a:r>
+              <a:rPr lang="en-US" sz="2000" dirty="0"/>
+              <a:t>Any Questions?</a:t>
+            </a:r>
+          </a:p>
+        </p:txBody>
+      </p:sp>
+      <p:sp>
+        <p:nvSpPr>
+          <p:cNvPr id="6" name="Slide Number Placeholder 5">
+            <a:extLst>
+              <a:ext uri="{FF2B5EF4-FFF2-40B4-BE49-F238E27FC236}">
+                <a16:creationId xmlns:a16="http://schemas.microsoft.com/office/drawing/2014/main" id="{5EDCFF82-B70F-4971-9182-7C3AEA3CFD26}"/>
               </a:ext>
             </a:extLst>
           </p:cNvPr>
@@ -19416,8 +19167,8 @@
         </p:nvSpPr>
         <p:spPr>
           <a:xfrm>
-            <a:off x="10810874" y="6356350"/>
-            <a:ext cx="542925" cy="365125"/>
+            <a:off x="9579428" y="6356350"/>
+            <a:ext cx="1774371" cy="365125"/>
           </a:xfrm>
         </p:spPr>
         <p:txBody>
@@ -19476,204 +19227,6 @@
                 <a:defRPr/>
               </a:pPr>
               <a:t>23</a:t>
-            </a:fld>
-            <a:endParaRPr kumimoji="0" lang="en-US" sz="900" b="0" i="0" u="none" strike="noStrike" kern="1200" cap="none" spc="0" normalizeH="0" baseline="0" noProof="0" dirty="0">
-              <a:ln>
-                <a:noFill/>
-              </a:ln>
-              <a:solidFill>
-                <a:prstClr val="black">
-                  <a:tint val="75000"/>
-                </a:prstClr>
-              </a:solidFill>
-              <a:effectLst/>
-              <a:uLnTx/>
-              <a:uFillTx/>
-              <a:latin typeface="Tenorite"/>
-              <a:ea typeface="+mn-ea"/>
-              <a:cs typeface="+mn-cs"/>
-            </a:endParaRPr>
-          </a:p>
-        </p:txBody>
-      </p:sp>
-    </p:spTree>
-    <p:extLst>
-      <p:ext uri="{BB962C8B-B14F-4D97-AF65-F5344CB8AC3E}">
-        <p14:creationId xmlns:p14="http://schemas.microsoft.com/office/powerpoint/2010/main" val="1738561688"/>
-      </p:ext>
-    </p:extLst>
-  </p:cSld>
-  <p:clrMapOvr>
-    <a:masterClrMapping/>
-  </p:clrMapOvr>
-</p:sld>
-</file>
-
-<file path=ppt/slides/slide24.xml><?xml version="1.0" encoding="utf-8"?>
-<p:sld xmlns:a="http://schemas.openxmlformats.org/drawingml/2006/main" xmlns:r="http://schemas.openxmlformats.org/officeDocument/2006/relationships" xmlns:p="http://schemas.openxmlformats.org/presentationml/2006/main">
-  <p:cSld>
-    <p:spTree>
-      <p:nvGrpSpPr>
-        <p:cNvPr id="1" name=""/>
-        <p:cNvGrpSpPr/>
-        <p:nvPr/>
-      </p:nvGrpSpPr>
-      <p:grpSpPr>
-        <a:xfrm>
-          <a:off x="0" y="0"/>
-          <a:ext cx="0" cy="0"/>
-          <a:chOff x="0" y="0"/>
-          <a:chExt cx="0" cy="0"/>
-        </a:xfrm>
-      </p:grpSpPr>
-      <p:sp>
-        <p:nvSpPr>
-          <p:cNvPr id="2" name="Title 1">
-            <a:extLst>
-              <a:ext uri="{FF2B5EF4-FFF2-40B4-BE49-F238E27FC236}">
-                <a16:creationId xmlns:a16="http://schemas.microsoft.com/office/drawing/2014/main" id="{BCCAEE93-8585-46D4-A7EC-F184E317CB2E}"/>
-              </a:ext>
-            </a:extLst>
-          </p:cNvPr>
-          <p:cNvSpPr>
-            <a:spLocks noGrp="1"/>
-          </p:cNvSpPr>
-          <p:nvPr>
-            <p:ph type="ctrTitle"/>
-          </p:nvPr>
-        </p:nvSpPr>
-        <p:spPr>
-          <a:xfrm>
-            <a:off x="4267200" y="1615736"/>
-            <a:ext cx="4179570" cy="1524735"/>
-          </a:xfrm>
-        </p:spPr>
-        <p:txBody>
-          <a:bodyPr/>
-          <a:lstStyle/>
-          <a:p>
-            <a:pPr algn="ctr"/>
-            <a:r>
-              <a:rPr lang="en-US" sz="3600" dirty="0"/>
-              <a:t>THANK YOU</a:t>
-            </a:r>
-          </a:p>
-        </p:txBody>
-      </p:sp>
-      <p:sp>
-        <p:nvSpPr>
-          <p:cNvPr id="3" name="Content Placeholder 2">
-            <a:extLst>
-              <a:ext uri="{FF2B5EF4-FFF2-40B4-BE49-F238E27FC236}">
-                <a16:creationId xmlns:a16="http://schemas.microsoft.com/office/drawing/2014/main" id="{24AFFC60-19C3-4901-93F7-7AAF4C09F8C6}"/>
-              </a:ext>
-            </a:extLst>
-          </p:cNvPr>
-          <p:cNvSpPr>
-            <a:spLocks noGrp="1"/>
-          </p:cNvSpPr>
-          <p:nvPr>
-            <p:ph type="subTitle" idx="1"/>
-          </p:nvPr>
-        </p:nvSpPr>
-        <p:spPr>
-          <a:xfrm>
-            <a:off x="4267200" y="3238103"/>
-            <a:ext cx="4179570" cy="2004161"/>
-          </a:xfrm>
-        </p:spPr>
-        <p:txBody>
-          <a:bodyPr>
-            <a:normAutofit/>
-          </a:bodyPr>
-          <a:lstStyle/>
-          <a:p>
-            <a:pPr algn="ctr"/>
-            <a:r>
-              <a:rPr lang="en-US" sz="2000" dirty="0"/>
-              <a:t>Any Questions?</a:t>
-            </a:r>
-          </a:p>
-        </p:txBody>
-      </p:sp>
-      <p:sp>
-        <p:nvSpPr>
-          <p:cNvPr id="6" name="Slide Number Placeholder 5">
-            <a:extLst>
-              <a:ext uri="{FF2B5EF4-FFF2-40B4-BE49-F238E27FC236}">
-                <a16:creationId xmlns:a16="http://schemas.microsoft.com/office/drawing/2014/main" id="{5EDCFF82-B70F-4971-9182-7C3AEA3CFD26}"/>
-              </a:ext>
-            </a:extLst>
-          </p:cNvPr>
-          <p:cNvSpPr>
-            <a:spLocks noGrp="1"/>
-          </p:cNvSpPr>
-          <p:nvPr>
-            <p:ph type="sldNum" sz="quarter" idx="12"/>
-          </p:nvPr>
-        </p:nvSpPr>
-        <p:spPr>
-          <a:xfrm>
-            <a:off x="9579428" y="6356350"/>
-            <a:ext cx="1774371" cy="365125"/>
-          </a:xfrm>
-        </p:spPr>
-        <p:txBody>
-          <a:bodyPr/>
-          <a:lstStyle/>
-          <a:p>
-            <a:pPr marL="0" marR="0" lvl="0" indent="0" algn="r" defTabSz="914400" rtl="0" eaLnBrk="1" fontAlgn="auto" latinLnBrk="0" hangingPunct="1">
-              <a:lnSpc>
-                <a:spcPct val="100000"/>
-              </a:lnSpc>
-              <a:spcBef>
-                <a:spcPts val="0"/>
-              </a:spcBef>
-              <a:spcAft>
-                <a:spcPts val="0"/>
-              </a:spcAft>
-              <a:buClrTx/>
-              <a:buSzTx/>
-              <a:buFontTx/>
-              <a:buNone/>
-              <a:tabLst/>
-              <a:defRPr/>
-            </a:pPr>
-            <a:fld id="{B5CEABB6-07DC-46E8-9B57-56EC44A396E5}" type="slidenum">
-              <a:rPr kumimoji="0" lang="en-US" sz="900" b="0" i="0" u="none" strike="noStrike" kern="1200" cap="none" spc="0" normalizeH="0" baseline="0" noProof="0" smtClean="0">
-                <a:ln>
-                  <a:noFill/>
-                </a:ln>
-                <a:solidFill>
-                  <a:prstClr val="black">
-                    <a:tint val="75000"/>
-                  </a:prstClr>
-                </a:solidFill>
-                <a:effectLst/>
-                <a:uLnTx/>
-                <a:uFillTx/>
-                <a:latin typeface="Tenorite"/>
-                <a:ea typeface="+mn-ea"/>
-                <a:cs typeface="+mn-cs"/>
-              </a:rPr>
-              <a:pPr marL="0" marR="0" lvl="0" indent="0" algn="r" defTabSz="914400" rtl="0" eaLnBrk="1" fontAlgn="auto" latinLnBrk="0" hangingPunct="1">
-                <a:lnSpc>
-                  <a:spcPct val="100000"/>
-                </a:lnSpc>
-                <a:spcBef>
-                  <a:spcPts val="0"/>
-                </a:spcBef>
-                <a:spcAft>
-                  <a:spcPts val="0"/>
-                </a:spcAft>
-                <a:buClrTx/>
-                <a:buSzTx/>
-                <a:buFontTx/>
-                <a:buNone/>
-                <a:tabLst/>
-                <a:defRPr/>
-              </a:pPr>
-              <a:t>24</a:t>
             </a:fld>
             <a:endParaRPr kumimoji="0" lang="en-US" sz="900" b="0" i="0" u="none" strike="noStrike" kern="1200" cap="none" spc="0" normalizeH="0" baseline="0" noProof="0" dirty="0">
               <a:ln>
